--- a/硕士生英语/background.pptx
+++ b/硕士生英语/background.pptx
@@ -6,7 +6,7 @@
     <p:sldMasterId id="2147483660" r:id="rId2"/>
   </p:sldMasterIdLst>
   <p:notesMasterIdLst>
-    <p:notesMasterId r:id="rId15"/>
+    <p:notesMasterId r:id="rId18"/>
   </p:notesMasterIdLst>
   <p:sldIdLst>
     <p:sldId id="258" r:id="rId3"/>
@@ -20,12 +20,15 @@
     <p:sldId id="276" r:id="rId11"/>
     <p:sldId id="277" r:id="rId12"/>
     <p:sldId id="278" r:id="rId13"/>
-    <p:sldId id="265" r:id="rId14"/>
+    <p:sldId id="279" r:id="rId14"/>
+    <p:sldId id="265" r:id="rId15"/>
+    <p:sldId id="280" r:id="rId16"/>
+    <p:sldId id="281" r:id="rId17"/>
   </p:sldIdLst>
   <p:sldSz cx="12192000" cy="6858000"/>
   <p:notesSz cx="6858000" cy="9144000"/>
   <p:custDataLst>
-    <p:tags r:id="rId16"/>
+    <p:tags r:id="rId19"/>
   </p:custDataLst>
   <p:defaultTextStyle>
     <a:defPPr>
@@ -751,7 +754,7 @@
           <a:bodyPr/>
           <a:lstStyle/>
           <a:p>
-            <a:endParaRPr lang="zh-CN" altLang="en-US"/>
+            <a:endParaRPr lang="zh-CN" altLang="en-US" dirty="0"/>
           </a:p>
         </p:txBody>
       </p:sp>
@@ -851,6 +854,150 @@
 </p:notes>
 </file>
 
+<file path=ppt/notesSlides/notesSlide12.xml><?xml version="1.0" encoding="utf-8"?>
+<p:notes xmlns:a="http://schemas.openxmlformats.org/drawingml/2006/main" xmlns:r="http://schemas.openxmlformats.org/officeDocument/2006/relationships" xmlns:p="http://schemas.openxmlformats.org/presentationml/2006/main">
+  <p:cSld>
+    <p:spTree>
+      <p:nvGrpSpPr>
+        <p:cNvPr id="1" name=""/>
+        <p:cNvGrpSpPr/>
+        <p:nvPr/>
+      </p:nvGrpSpPr>
+      <p:grpSpPr>
+        <a:xfrm>
+          <a:off x="0" y="0"/>
+          <a:ext cx="0" cy="0"/>
+          <a:chOff x="0" y="0"/>
+          <a:chExt cx="0" cy="0"/>
+        </a:xfrm>
+      </p:grpSpPr>
+      <p:sp>
+        <p:nvSpPr>
+          <p:cNvPr id="2" name="幻灯片图像占位符 1"/>
+          <p:cNvSpPr>
+            <a:spLocks noGrp="1" noRot="1" noChangeAspect="1"/>
+          </p:cNvSpPr>
+          <p:nvPr>
+            <p:ph type="sldImg"/>
+          </p:nvPr>
+        </p:nvSpPr>
+        <p:spPr/>
+      </p:sp>
+      <p:sp>
+        <p:nvSpPr>
+          <p:cNvPr id="3" name="备注占位符 2"/>
+          <p:cNvSpPr>
+            <a:spLocks noGrp="1"/>
+          </p:cNvSpPr>
+          <p:nvPr>
+            <p:ph type="body" idx="1"/>
+          </p:nvPr>
+        </p:nvSpPr>
+        <p:spPr/>
+        <p:txBody>
+          <a:bodyPr/>
+          <a:lstStyle/>
+          <a:p>
+            <a:endParaRPr lang="zh-CN" altLang="en-US"/>
+          </a:p>
+        </p:txBody>
+      </p:sp>
+      <p:sp>
+        <p:nvSpPr>
+          <p:cNvPr id="4" name="灯片编号占位符 3"/>
+          <p:cNvSpPr>
+            <a:spLocks noGrp="1"/>
+          </p:cNvSpPr>
+          <p:nvPr>
+            <p:ph type="sldNum" sz="quarter" idx="10"/>
+          </p:nvPr>
+        </p:nvSpPr>
+        <p:spPr/>
+        <p:txBody>
+          <a:bodyPr/>
+          <a:lstStyle/>
+          <a:p>
+            <a:pPr marL="0" marR="0" lvl="0" indent="0" algn="r" defTabSz="914400" rtl="0" eaLnBrk="1" fontAlgn="auto" latinLnBrk="0" hangingPunct="1">
+              <a:lnSpc>
+                <a:spcPct val="100000"/>
+              </a:lnSpc>
+              <a:spcBef>
+                <a:spcPts val="0"/>
+              </a:spcBef>
+              <a:spcAft>
+                <a:spcPts val="0"/>
+              </a:spcAft>
+              <a:buClrTx/>
+              <a:buSzTx/>
+              <a:buFontTx/>
+              <a:buNone/>
+              <a:tabLst/>
+              <a:defRPr/>
+            </a:pPr>
+            <a:fld id="{1821DDD0-9BEE-4DF6-BFC5-DBA82716B4A3}" type="slidenum">
+              <a:rPr kumimoji="0" lang="zh-CN" altLang="en-US" sz="1200" b="0" i="0" u="none" strike="noStrike" kern="1200" cap="none" spc="0" normalizeH="0" baseline="0" noProof="0" smtClean="0">
+                <a:ln>
+                  <a:noFill/>
+                </a:ln>
+                <a:solidFill>
+                  <a:prstClr val="black"/>
+                </a:solidFill>
+                <a:effectLst/>
+                <a:uLnTx/>
+                <a:uFillTx/>
+                <a:latin typeface="等线" panose="020F0502020204030204"/>
+                <a:ea typeface="等线" panose="02010600030101010101" pitchFamily="2" charset="-122"/>
+                <a:cs typeface="+mn-cs"/>
+              </a:rPr>
+              <a:pPr marL="0" marR="0" lvl="0" indent="0" algn="r" defTabSz="914400" rtl="0" eaLnBrk="1" fontAlgn="auto" latinLnBrk="0" hangingPunct="1">
+                <a:lnSpc>
+                  <a:spcPct val="100000"/>
+                </a:lnSpc>
+                <a:spcBef>
+                  <a:spcPts val="0"/>
+                </a:spcBef>
+                <a:spcAft>
+                  <a:spcPts val="0"/>
+                </a:spcAft>
+                <a:buClrTx/>
+                <a:buSzTx/>
+                <a:buFontTx/>
+                <a:buNone/>
+                <a:tabLst/>
+                <a:defRPr/>
+              </a:pPr>
+              <a:t>12</a:t>
+            </a:fld>
+            <a:endParaRPr kumimoji="0" lang="zh-CN" altLang="en-US" sz="1200" b="0" i="0" u="none" strike="noStrike" kern="1200" cap="none" spc="0" normalizeH="0" baseline="0" noProof="0">
+              <a:ln>
+                <a:noFill/>
+              </a:ln>
+              <a:solidFill>
+                <a:prstClr val="black"/>
+              </a:solidFill>
+              <a:effectLst/>
+              <a:uLnTx/>
+              <a:uFillTx/>
+              <a:latin typeface="等线" panose="020F0502020204030204"/>
+              <a:ea typeface="等线" panose="02010600030101010101" pitchFamily="2" charset="-122"/>
+              <a:cs typeface="+mn-cs"/>
+            </a:endParaRPr>
+          </a:p>
+        </p:txBody>
+      </p:sp>
+    </p:spTree>
+    <p:extLst>
+      <p:ext uri="{BB962C8B-B14F-4D97-AF65-F5344CB8AC3E}">
+        <p14:creationId xmlns:p14="http://schemas.microsoft.com/office/powerpoint/2010/main" val="3186430800"/>
+      </p:ext>
+    </p:extLst>
+  </p:cSld>
+  <p:clrMapOvr>
+    <a:masterClrMapping/>
+  </p:clrMapOvr>
+</p:notes>
+</file>
+
 <file path=ppt/notesSlides/notesSlide2.xml><?xml version="1.0" encoding="utf-8"?>
 <p:notes xmlns:a="http://schemas.openxmlformats.org/drawingml/2006/main" xmlns:r="http://schemas.openxmlformats.org/officeDocument/2006/relationships" xmlns:p="http://schemas.openxmlformats.org/presentationml/2006/main">
   <p:cSld>
@@ -2190,13 +2337,13 @@
   <p:clrMapOvr>
     <a:masterClrMapping/>
   </p:clrMapOvr>
-  <mc:AlternateContent xmlns:mc="http://schemas.openxmlformats.org/markup-compatibility/2006">
-    <mc:Choice xmlns:p159="http://schemas.microsoft.com/office/powerpoint/2015/09/main" Requires="p159">
+  <mc:AlternateContent xmlns:mc="http://schemas.openxmlformats.org/markup-compatibility/2006" xmlns:p159="http://schemas.microsoft.com/office/powerpoint/2015/09/main">
+    <mc:Choice Requires="p159">
       <p:transition>
         <p159:morph option="byObject"/>
       </p:transition>
     </mc:Choice>
-    <mc:Fallback>
+    <mc:Fallback xmlns="">
       <p:transition>
         <p:fade/>
       </p:transition>
@@ -2370,13 +2517,13 @@
   <p:clrMapOvr>
     <a:masterClrMapping/>
   </p:clrMapOvr>
-  <mc:AlternateContent xmlns:mc="http://schemas.openxmlformats.org/markup-compatibility/2006">
-    <mc:Choice xmlns:p159="http://schemas.microsoft.com/office/powerpoint/2015/09/main" Requires="p159">
+  <mc:AlternateContent xmlns:mc="http://schemas.openxmlformats.org/markup-compatibility/2006" xmlns:p159="http://schemas.microsoft.com/office/powerpoint/2015/09/main">
+    <mc:Choice Requires="p159">
       <p:transition>
         <p159:morph option="byObject"/>
       </p:transition>
     </mc:Choice>
-    <mc:Fallback>
+    <mc:Fallback xmlns="">
       <p:transition>
         <p:fade/>
       </p:transition>
@@ -2560,13 +2707,13 @@
   <p:clrMapOvr>
     <a:masterClrMapping/>
   </p:clrMapOvr>
-  <mc:AlternateContent xmlns:mc="http://schemas.openxmlformats.org/markup-compatibility/2006">
-    <mc:Choice xmlns:p159="http://schemas.microsoft.com/office/powerpoint/2015/09/main" Requires="p159">
+  <mc:AlternateContent xmlns:mc="http://schemas.openxmlformats.org/markup-compatibility/2006" xmlns:p159="http://schemas.microsoft.com/office/powerpoint/2015/09/main">
+    <mc:Choice Requires="p159">
       <p:transition>
         <p159:morph option="byObject"/>
       </p:transition>
     </mc:Choice>
-    <mc:Fallback>
+    <mc:Fallback xmlns="">
       <p:transition>
         <p:fade/>
       </p:transition>
@@ -2762,13 +2909,13 @@
   <p:clrMapOvr>
     <a:masterClrMapping/>
   </p:clrMapOvr>
-  <mc:AlternateContent xmlns:mc="http://schemas.openxmlformats.org/markup-compatibility/2006">
-    <mc:Choice xmlns:p159="http://schemas.microsoft.com/office/powerpoint/2015/09/main" Requires="p159">
+  <mc:AlternateContent xmlns:mc="http://schemas.openxmlformats.org/markup-compatibility/2006" xmlns:p159="http://schemas.microsoft.com/office/powerpoint/2015/09/main">
+    <mc:Choice Requires="p159">
       <p:transition>
         <p159:morph option="byObject"/>
       </p:transition>
     </mc:Choice>
-    <mc:Fallback>
+    <mc:Fallback xmlns="">
       <p:transition>
         <p:fade/>
       </p:transition>
@@ -2942,13 +3089,13 @@
   <p:clrMapOvr>
     <a:masterClrMapping/>
   </p:clrMapOvr>
-  <mc:AlternateContent xmlns:mc="http://schemas.openxmlformats.org/markup-compatibility/2006">
-    <mc:Choice xmlns:p159="http://schemas.microsoft.com/office/powerpoint/2015/09/main" Requires="p159">
+  <mc:AlternateContent xmlns:mc="http://schemas.openxmlformats.org/markup-compatibility/2006" xmlns:p159="http://schemas.microsoft.com/office/powerpoint/2015/09/main">
+    <mc:Choice Requires="p159">
       <p:transition>
         <p159:morph option="byObject"/>
       </p:transition>
     </mc:Choice>
-    <mc:Fallback>
+    <mc:Fallback xmlns="">
       <p:transition>
         <p:fade/>
       </p:transition>
@@ -3199,13 +3346,13 @@
   <p:clrMapOvr>
     <a:masterClrMapping/>
   </p:clrMapOvr>
-  <mc:AlternateContent xmlns:mc="http://schemas.openxmlformats.org/markup-compatibility/2006">
-    <mc:Choice xmlns:p159="http://schemas.microsoft.com/office/powerpoint/2015/09/main" Requires="p159">
+  <mc:AlternateContent xmlns:mc="http://schemas.openxmlformats.org/markup-compatibility/2006" xmlns:p159="http://schemas.microsoft.com/office/powerpoint/2015/09/main">
+    <mc:Choice Requires="p159">
       <p:transition>
         <p159:morph option="byObject"/>
       </p:transition>
     </mc:Choice>
-    <mc:Fallback>
+    <mc:Fallback xmlns="">
       <p:transition>
         <p:fade/>
       </p:transition>
@@ -3440,13 +3587,13 @@
   <p:clrMapOvr>
     <a:masterClrMapping/>
   </p:clrMapOvr>
-  <mc:AlternateContent xmlns:mc="http://schemas.openxmlformats.org/markup-compatibility/2006">
-    <mc:Choice xmlns:p159="http://schemas.microsoft.com/office/powerpoint/2015/09/main" Requires="p159">
+  <mc:AlternateContent xmlns:mc="http://schemas.openxmlformats.org/markup-compatibility/2006" xmlns:p159="http://schemas.microsoft.com/office/powerpoint/2015/09/main">
+    <mc:Choice Requires="p159">
       <p:transition>
         <p159:morph option="byObject"/>
       </p:transition>
     </mc:Choice>
-    <mc:Fallback>
+    <mc:Fallback xmlns="">
       <p:transition>
         <p:fade/>
       </p:transition>
@@ -3816,13 +3963,13 @@
   <p:clrMapOvr>
     <a:masterClrMapping/>
   </p:clrMapOvr>
-  <mc:AlternateContent xmlns:mc="http://schemas.openxmlformats.org/markup-compatibility/2006">
-    <mc:Choice xmlns:p159="http://schemas.microsoft.com/office/powerpoint/2015/09/main" Requires="p159">
+  <mc:AlternateContent xmlns:mc="http://schemas.openxmlformats.org/markup-compatibility/2006" xmlns:p159="http://schemas.microsoft.com/office/powerpoint/2015/09/main">
+    <mc:Choice Requires="p159">
       <p:transition>
         <p159:morph option="byObject"/>
       </p:transition>
     </mc:Choice>
-    <mc:Fallback>
+    <mc:Fallback xmlns="">
       <p:transition>
         <p:fade/>
       </p:transition>
@@ -3945,13 +4092,13 @@
   <p:clrMapOvr>
     <a:masterClrMapping/>
   </p:clrMapOvr>
-  <mc:AlternateContent xmlns:mc="http://schemas.openxmlformats.org/markup-compatibility/2006">
-    <mc:Choice xmlns:p159="http://schemas.microsoft.com/office/powerpoint/2015/09/main" Requires="p159">
+  <mc:AlternateContent xmlns:mc="http://schemas.openxmlformats.org/markup-compatibility/2006" xmlns:p159="http://schemas.microsoft.com/office/powerpoint/2015/09/main">
+    <mc:Choice Requires="p159">
       <p:transition>
         <p159:morph option="byObject"/>
       </p:transition>
     </mc:Choice>
-    <mc:Fallback>
+    <mc:Fallback xmlns="">
       <p:transition>
         <p:fade/>
       </p:transition>
@@ -4097,13 +4244,13 @@
   <p:clrMapOvr>
     <a:masterClrMapping/>
   </p:clrMapOvr>
-  <mc:AlternateContent xmlns:mc="http://schemas.openxmlformats.org/markup-compatibility/2006">
-    <mc:Choice xmlns:p159="http://schemas.microsoft.com/office/powerpoint/2015/09/main" Requires="p159">
+  <mc:AlternateContent xmlns:mc="http://schemas.openxmlformats.org/markup-compatibility/2006" xmlns:p159="http://schemas.microsoft.com/office/powerpoint/2015/09/main">
+    <mc:Choice Requires="p159">
       <p:transition>
         <p159:morph option="byObject"/>
       </p:transition>
     </mc:Choice>
-    <mc:Fallback>
+    <mc:Fallback xmlns="">
       <p:transition>
         <p:fade/>
       </p:transition>
@@ -4384,13 +4531,13 @@
   <p:clrMapOvr>
     <a:masterClrMapping/>
   </p:clrMapOvr>
-  <mc:AlternateContent xmlns:mc="http://schemas.openxmlformats.org/markup-compatibility/2006">
-    <mc:Choice xmlns:p159="http://schemas.microsoft.com/office/powerpoint/2015/09/main" Requires="p159">
+  <mc:AlternateContent xmlns:mc="http://schemas.openxmlformats.org/markup-compatibility/2006" xmlns:p159="http://schemas.microsoft.com/office/powerpoint/2015/09/main">
+    <mc:Choice Requires="p159">
       <p:transition>
         <p159:morph option="byObject"/>
       </p:transition>
     </mc:Choice>
-    <mc:Fallback>
+    <mc:Fallback xmlns="">
       <p:transition>
         <p:fade/>
       </p:transition>
@@ -4564,13 +4711,13 @@
   <p:clrMapOvr>
     <a:masterClrMapping/>
   </p:clrMapOvr>
-  <mc:AlternateContent xmlns:mc="http://schemas.openxmlformats.org/markup-compatibility/2006">
-    <mc:Choice xmlns:p159="http://schemas.microsoft.com/office/powerpoint/2015/09/main" Requires="p159">
+  <mc:AlternateContent xmlns:mc="http://schemas.openxmlformats.org/markup-compatibility/2006" xmlns:p159="http://schemas.microsoft.com/office/powerpoint/2015/09/main">
+    <mc:Choice Requires="p159">
       <p:transition>
         <p159:morph option="byObject"/>
       </p:transition>
     </mc:Choice>
-    <mc:Fallback>
+    <mc:Fallback xmlns="">
       <p:transition>
         <p:fade/>
       </p:transition>
@@ -4828,13 +4975,13 @@
   <p:clrMapOvr>
     <a:masterClrMapping/>
   </p:clrMapOvr>
-  <mc:AlternateContent xmlns:mc="http://schemas.openxmlformats.org/markup-compatibility/2006">
-    <mc:Choice xmlns:p159="http://schemas.microsoft.com/office/powerpoint/2015/09/main" Requires="p159">
+  <mc:AlternateContent xmlns:mc="http://schemas.openxmlformats.org/markup-compatibility/2006" xmlns:p159="http://schemas.microsoft.com/office/powerpoint/2015/09/main">
+    <mc:Choice Requires="p159">
       <p:transition>
         <p159:morph option="byObject"/>
       </p:transition>
     </mc:Choice>
-    <mc:Fallback>
+    <mc:Fallback xmlns="">
       <p:transition>
         <p:fade/>
       </p:transition>
@@ -5008,13 +5155,13 @@
   <p:clrMapOvr>
     <a:masterClrMapping/>
   </p:clrMapOvr>
-  <mc:AlternateContent xmlns:mc="http://schemas.openxmlformats.org/markup-compatibility/2006">
-    <mc:Choice xmlns:p159="http://schemas.microsoft.com/office/powerpoint/2015/09/main" Requires="p159">
+  <mc:AlternateContent xmlns:mc="http://schemas.openxmlformats.org/markup-compatibility/2006" xmlns:p159="http://schemas.microsoft.com/office/powerpoint/2015/09/main">
+    <mc:Choice Requires="p159">
       <p:transition>
         <p159:morph option="byObject"/>
       </p:transition>
     </mc:Choice>
-    <mc:Fallback>
+    <mc:Fallback xmlns="">
       <p:transition>
         <p:fade/>
       </p:transition>
@@ -5198,13 +5345,13 @@
   <p:clrMapOvr>
     <a:masterClrMapping/>
   </p:clrMapOvr>
-  <mc:AlternateContent xmlns:mc="http://schemas.openxmlformats.org/markup-compatibility/2006">
-    <mc:Choice xmlns:p159="http://schemas.microsoft.com/office/powerpoint/2015/09/main" Requires="p159">
+  <mc:AlternateContent xmlns:mc="http://schemas.openxmlformats.org/markup-compatibility/2006" xmlns:p159="http://schemas.microsoft.com/office/powerpoint/2015/09/main">
+    <mc:Choice Requires="p159">
       <p:transition>
         <p159:morph option="byObject"/>
       </p:transition>
     </mc:Choice>
-    <mc:Fallback>
+    <mc:Fallback xmlns="">
       <p:transition>
         <p:fade/>
       </p:transition>
@@ -5477,13 +5624,13 @@
   <p:clrMapOvr>
     <a:masterClrMapping/>
   </p:clrMapOvr>
-  <mc:AlternateContent xmlns:mc="http://schemas.openxmlformats.org/markup-compatibility/2006">
-    <mc:Choice xmlns:p159="http://schemas.microsoft.com/office/powerpoint/2015/09/main" Requires="p159">
+  <mc:AlternateContent xmlns:mc="http://schemas.openxmlformats.org/markup-compatibility/2006" xmlns:p159="http://schemas.microsoft.com/office/powerpoint/2015/09/main">
+    <mc:Choice Requires="p159">
       <p:transition>
         <p159:morph option="byObject"/>
       </p:transition>
     </mc:Choice>
-    <mc:Fallback>
+    <mc:Fallback xmlns="">
       <p:transition>
         <p:fade/>
       </p:transition>
@@ -5734,13 +5881,13 @@
   <p:clrMapOvr>
     <a:masterClrMapping/>
   </p:clrMapOvr>
-  <mc:AlternateContent xmlns:mc="http://schemas.openxmlformats.org/markup-compatibility/2006">
-    <mc:Choice xmlns:p159="http://schemas.microsoft.com/office/powerpoint/2015/09/main" Requires="p159">
+  <mc:AlternateContent xmlns:mc="http://schemas.openxmlformats.org/markup-compatibility/2006" xmlns:p159="http://schemas.microsoft.com/office/powerpoint/2015/09/main">
+    <mc:Choice Requires="p159">
       <p:transition>
         <p159:morph option="byObject"/>
       </p:transition>
     </mc:Choice>
-    <mc:Fallback>
+    <mc:Fallback xmlns="">
       <p:transition>
         <p:fade/>
       </p:transition>
@@ -5975,13 +6122,13 @@
   <p:clrMapOvr>
     <a:masterClrMapping/>
   </p:clrMapOvr>
-  <mc:AlternateContent xmlns:mc="http://schemas.openxmlformats.org/markup-compatibility/2006">
-    <mc:Choice xmlns:p159="http://schemas.microsoft.com/office/powerpoint/2015/09/main" Requires="p159">
+  <mc:AlternateContent xmlns:mc="http://schemas.openxmlformats.org/markup-compatibility/2006" xmlns:p159="http://schemas.microsoft.com/office/powerpoint/2015/09/main">
+    <mc:Choice Requires="p159">
       <p:transition>
         <p159:morph option="byObject"/>
       </p:transition>
     </mc:Choice>
-    <mc:Fallback>
+    <mc:Fallback xmlns="">
       <p:transition>
         <p:fade/>
       </p:transition>
@@ -6351,13 +6498,13 @@
   <p:clrMapOvr>
     <a:masterClrMapping/>
   </p:clrMapOvr>
-  <mc:AlternateContent xmlns:mc="http://schemas.openxmlformats.org/markup-compatibility/2006">
-    <mc:Choice xmlns:p159="http://schemas.microsoft.com/office/powerpoint/2015/09/main" Requires="p159">
+  <mc:AlternateContent xmlns:mc="http://schemas.openxmlformats.org/markup-compatibility/2006" xmlns:p159="http://schemas.microsoft.com/office/powerpoint/2015/09/main">
+    <mc:Choice Requires="p159">
       <p:transition>
         <p159:morph option="byObject"/>
       </p:transition>
     </mc:Choice>
-    <mc:Fallback>
+    <mc:Fallback xmlns="">
       <p:transition>
         <p:fade/>
       </p:transition>
@@ -6480,13 +6627,13 @@
   <p:clrMapOvr>
     <a:masterClrMapping/>
   </p:clrMapOvr>
-  <mc:AlternateContent xmlns:mc="http://schemas.openxmlformats.org/markup-compatibility/2006">
-    <mc:Choice xmlns:p159="http://schemas.microsoft.com/office/powerpoint/2015/09/main" Requires="p159">
+  <mc:AlternateContent xmlns:mc="http://schemas.openxmlformats.org/markup-compatibility/2006" xmlns:p159="http://schemas.microsoft.com/office/powerpoint/2015/09/main">
+    <mc:Choice Requires="p159">
       <p:transition>
         <p159:morph option="byObject"/>
       </p:transition>
     </mc:Choice>
-    <mc:Fallback>
+    <mc:Fallback xmlns="">
       <p:transition>
         <p:fade/>
       </p:transition>
@@ -6587,13 +6734,13 @@
   <p:clrMapOvr>
     <a:masterClrMapping/>
   </p:clrMapOvr>
-  <mc:AlternateContent xmlns:mc="http://schemas.openxmlformats.org/markup-compatibility/2006">
-    <mc:Choice xmlns:p159="http://schemas.microsoft.com/office/powerpoint/2015/09/main" Requires="p159">
+  <mc:AlternateContent xmlns:mc="http://schemas.openxmlformats.org/markup-compatibility/2006" xmlns:p159="http://schemas.microsoft.com/office/powerpoint/2015/09/main">
+    <mc:Choice Requires="p159">
       <p:transition>
         <p159:morph option="byObject"/>
       </p:transition>
     </mc:Choice>
-    <mc:Fallback>
+    <mc:Fallback xmlns="">
       <p:transition>
         <p:fade/>
       </p:transition>
@@ -6874,13 +7021,13 @@
   <p:clrMapOvr>
     <a:masterClrMapping/>
   </p:clrMapOvr>
-  <mc:AlternateContent xmlns:mc="http://schemas.openxmlformats.org/markup-compatibility/2006">
-    <mc:Choice xmlns:p159="http://schemas.microsoft.com/office/powerpoint/2015/09/main" Requires="p159">
+  <mc:AlternateContent xmlns:mc="http://schemas.openxmlformats.org/markup-compatibility/2006" xmlns:p159="http://schemas.microsoft.com/office/powerpoint/2015/09/main">
+    <mc:Choice Requires="p159">
       <p:transition>
         <p159:morph option="byObject"/>
       </p:transition>
     </mc:Choice>
-    <mc:Fallback>
+    <mc:Fallback xmlns="">
       <p:transition>
         <p:fade/>
       </p:transition>
@@ -7138,13 +7285,13 @@
   <p:clrMapOvr>
     <a:masterClrMapping/>
   </p:clrMapOvr>
-  <mc:AlternateContent xmlns:mc="http://schemas.openxmlformats.org/markup-compatibility/2006">
-    <mc:Choice xmlns:p159="http://schemas.microsoft.com/office/powerpoint/2015/09/main" Requires="p159">
+  <mc:AlternateContent xmlns:mc="http://schemas.openxmlformats.org/markup-compatibility/2006" xmlns:p159="http://schemas.microsoft.com/office/powerpoint/2015/09/main">
+    <mc:Choice Requires="p159">
       <p:transition>
         <p159:morph option="byObject"/>
       </p:transition>
     </mc:Choice>
-    <mc:Fallback>
+    <mc:Fallback xmlns="">
       <p:transition>
         <p:fade/>
       </p:transition>
@@ -7408,13 +7555,13 @@
     <p:sldLayoutId id="2147483658" r:id="rId10"/>
     <p:sldLayoutId id="2147483659" r:id="rId11"/>
   </p:sldLayoutIdLst>
-  <mc:AlternateContent xmlns:mc="http://schemas.openxmlformats.org/markup-compatibility/2006">
-    <mc:Choice xmlns:p159="http://schemas.microsoft.com/office/powerpoint/2015/09/main" Requires="p159">
+  <mc:AlternateContent xmlns:mc="http://schemas.openxmlformats.org/markup-compatibility/2006" xmlns:p159="http://schemas.microsoft.com/office/powerpoint/2015/09/main">
+    <mc:Choice Requires="p159">
       <p:transition>
         <p159:morph option="byObject"/>
       </p:transition>
     </mc:Choice>
-    <mc:Fallback>
+    <mc:Fallback xmlns="">
       <p:transition>
         <p:fade/>
       </p:transition>
@@ -7962,13 +8109,13 @@
     <p:sldLayoutId id="2147483671" r:id="rId11"/>
     <p:sldLayoutId id="2147483672" r:id="rId12"/>
   </p:sldLayoutIdLst>
-  <mc:AlternateContent xmlns:mc="http://schemas.openxmlformats.org/markup-compatibility/2006">
-    <mc:Choice xmlns:p159="http://schemas.microsoft.com/office/powerpoint/2015/09/main" Requires="p159">
+  <mc:AlternateContent xmlns:mc="http://schemas.openxmlformats.org/markup-compatibility/2006" xmlns:p159="http://schemas.microsoft.com/office/powerpoint/2015/09/main">
+    <mc:Choice Requires="p159">
       <p:transition>
         <p159:morph option="byObject"/>
       </p:transition>
     </mc:Choice>
-    <mc:Fallback>
+    <mc:Fallback xmlns="">
       <p:transition>
         <p:fade/>
       </p:transition>
@@ -8456,13 +8603,13 @@
   <p:clrMapOvr>
     <a:masterClrMapping/>
   </p:clrMapOvr>
-  <mc:AlternateContent xmlns:mc="http://schemas.openxmlformats.org/markup-compatibility/2006">
-    <mc:Choice xmlns:p159="http://schemas.microsoft.com/office/powerpoint/2015/09/main" Requires="p159">
+  <mc:AlternateContent xmlns:mc="http://schemas.openxmlformats.org/markup-compatibility/2006" xmlns:p159="http://schemas.microsoft.com/office/powerpoint/2015/09/main">
+    <mc:Choice Requires="p159">
       <p:transition>
         <p159:morph option="byObject"/>
       </p:transition>
     </mc:Choice>
-    <mc:Fallback>
+    <mc:Fallback xmlns="">
       <p:transition>
         <p:fade/>
       </p:transition>
@@ -9313,13 +9460,13 @@
   <p:clrMapOvr>
     <a:masterClrMapping/>
   </p:clrMapOvr>
-  <mc:AlternateContent xmlns:mc="http://schemas.openxmlformats.org/markup-compatibility/2006">
-    <mc:Choice xmlns:p159="http://schemas.microsoft.com/office/powerpoint/2015/09/main" Requires="p159">
+  <mc:AlternateContent xmlns:mc="http://schemas.openxmlformats.org/markup-compatibility/2006" xmlns:p159="http://schemas.microsoft.com/office/powerpoint/2015/09/main">
+    <mc:Choice Requires="p159">
       <p:transition>
         <p159:morph option="byObject"/>
       </p:transition>
     </mc:Choice>
-    <mc:Fallback>
+    <mc:Fallback xmlns="">
       <p:transition>
         <p:fade/>
       </p:transition>
@@ -10060,8 +10207,8 @@
         </p:nvSpPr>
         <p:spPr>
           <a:xfrm>
-            <a:off x="2450740" y="3866767"/>
-            <a:ext cx="6942175" cy="1323439"/>
+            <a:off x="2237594" y="3866767"/>
+            <a:ext cx="7368466" cy="1323439"/>
           </a:xfrm>
           <a:prstGeom prst="rect">
             <a:avLst/>
@@ -10082,11 +10229,20 @@
                 </a:solidFill>
                 <a:latin typeface="Arial Black" panose="020B0A04020102020204" pitchFamily="34" charset="0"/>
               </a:rPr>
-              <a:t>They are all through some certain industries</a:t>
+              <a:t>They are all through some certain </a:t>
+            </a:r>
+            <a:r>
+              <a:rPr lang="en-US" altLang="zh-CN" sz="4000" dirty="0">
+                <a:solidFill>
+                  <a:srgbClr val="FF0000"/>
+                </a:solidFill>
+                <a:latin typeface="Arial Black" panose="020B0A04020102020204" pitchFamily="34" charset="0"/>
+              </a:rPr>
+              <a:t>institutions</a:t>
             </a:r>
             <a:endParaRPr lang="zh-CN" altLang="en-US" sz="4000" dirty="0">
               <a:solidFill>
-                <a:schemeClr val="bg1"/>
+                <a:srgbClr val="FF0000"/>
               </a:solidFill>
               <a:latin typeface="Arial Black" panose="020B0A04020102020204" pitchFamily="34" charset="0"/>
             </a:endParaRPr>
@@ -10103,13 +10259,13 @@
   <p:clrMapOvr>
     <a:masterClrMapping/>
   </p:clrMapOvr>
-  <mc:AlternateContent xmlns:mc="http://schemas.openxmlformats.org/markup-compatibility/2006">
-    <mc:Choice xmlns:p159="http://schemas.microsoft.com/office/powerpoint/2015/09/main" Requires="p159">
+  <mc:AlternateContent xmlns:mc="http://schemas.openxmlformats.org/markup-compatibility/2006" xmlns:p159="http://schemas.microsoft.com/office/powerpoint/2015/09/main">
+    <mc:Choice Requires="p159">
       <p:transition>
         <p159:morph option="byObject"/>
       </p:transition>
     </mc:Choice>
-    <mc:Fallback>
+    <mc:Fallback xmlns="">
       <p:transition>
         <p:fade/>
       </p:transition>
@@ -10135,48 +10291,311 @@
           <a:chExt cx="0" cy="0"/>
         </a:xfrm>
       </p:grpSpPr>
-    </p:spTree>
-    <p:extLst>
-      <p:ext uri="{BB962C8B-B14F-4D97-AF65-F5344CB8AC3E}">
-        <p14:creationId xmlns:p14="http://schemas.microsoft.com/office/powerpoint/2010/main" val="2152961318"/>
-      </p:ext>
-    </p:extLst>
-  </p:cSld>
-  <p:clrMapOvr>
-    <a:masterClrMapping/>
-  </p:clrMapOvr>
-  <mc:AlternateContent xmlns:mc="http://schemas.openxmlformats.org/markup-compatibility/2006">
-    <mc:Choice xmlns:p159="http://schemas.microsoft.com/office/powerpoint/2015/09/main" Requires="p159">
-      <p:transition>
-        <p159:morph option="byObject"/>
-      </p:transition>
-    </mc:Choice>
-    <mc:Fallback>
-      <p:transition>
-        <p:fade/>
-      </p:transition>
-    </mc:Fallback>
-  </mc:AlternateContent>
-</p:sld>
-</file>
-
-<file path=ppt/slides/slide2.xml><?xml version="1.0" encoding="utf-8"?>
-<p:sld xmlns:a="http://schemas.openxmlformats.org/drawingml/2006/main" xmlns:r="http://schemas.openxmlformats.org/officeDocument/2006/relationships" xmlns:p="http://schemas.openxmlformats.org/presentationml/2006/main">
-  <p:cSld>
-    <p:spTree>
-      <p:nvGrpSpPr>
-        <p:cNvPr id="1" name=""/>
-        <p:cNvGrpSpPr/>
-        <p:nvPr/>
-      </p:nvGrpSpPr>
-      <p:grpSpPr>
-        <a:xfrm>
-          <a:off x="0" y="0"/>
-          <a:ext cx="0" cy="0"/>
-          <a:chOff x="0" y="0"/>
-          <a:chExt cx="0" cy="0"/>
-        </a:xfrm>
-      </p:grpSpPr>
+      <p:sp>
+        <p:nvSpPr>
+          <p:cNvPr id="5" name="文本框 4">
+            <a:extLst>
+              <a:ext uri="{FF2B5EF4-FFF2-40B4-BE49-F238E27FC236}">
+                <a16:creationId xmlns:a16="http://schemas.microsoft.com/office/drawing/2014/main" id="{DCCA718E-C358-F7DA-ED18-8105C6BD48DD}"/>
+              </a:ext>
+            </a:extLst>
+          </p:cNvPr>
+          <p:cNvSpPr txBox="1"/>
+          <p:nvPr/>
+        </p:nvSpPr>
+        <p:spPr>
+          <a:xfrm>
+            <a:off x="1681407" y="2405849"/>
+            <a:ext cx="4015843" cy="584775"/>
+          </a:xfrm>
+          <a:prstGeom prst="rect">
+            <a:avLst/>
+          </a:prstGeom>
+          <a:noFill/>
+        </p:spPr>
+        <p:txBody>
+          <a:bodyPr wrap="none" rtlCol="0">
+            <a:spAutoFit/>
+          </a:bodyPr>
+          <a:lstStyle/>
+          <a:p>
+            <a:r>
+              <a:rPr lang="en-US" altLang="zh-CN" sz="3200" dirty="0">
+                <a:latin typeface="Arial Black" panose="020B0A04020102020204" pitchFamily="34" charset="0"/>
+              </a:rPr>
+              <a:t>Buy a cellphone?</a:t>
+            </a:r>
+            <a:endParaRPr lang="zh-CN" altLang="en-US" sz="3200" dirty="0">
+              <a:latin typeface="Arial Black" panose="020B0A04020102020204" pitchFamily="34" charset="0"/>
+            </a:endParaRPr>
+          </a:p>
+        </p:txBody>
+      </p:sp>
+      <p:sp>
+        <p:nvSpPr>
+          <p:cNvPr id="7" name="文本框 6">
+            <a:extLst>
+              <a:ext uri="{FF2B5EF4-FFF2-40B4-BE49-F238E27FC236}">
+                <a16:creationId xmlns:a16="http://schemas.microsoft.com/office/drawing/2014/main" id="{671BD886-77DD-BC83-F2E9-A92031A2E881}"/>
+              </a:ext>
+            </a:extLst>
+          </p:cNvPr>
+          <p:cNvSpPr txBox="1"/>
+          <p:nvPr/>
+        </p:nvSpPr>
+        <p:spPr>
+          <a:xfrm>
+            <a:off x="6163397" y="2238274"/>
+            <a:ext cx="3664184" cy="1077218"/>
+          </a:xfrm>
+          <a:prstGeom prst="rect">
+            <a:avLst/>
+          </a:prstGeom>
+          <a:noFill/>
+        </p:spPr>
+        <p:txBody>
+          <a:bodyPr wrap="square" rtlCol="0">
+            <a:spAutoFit/>
+          </a:bodyPr>
+          <a:lstStyle/>
+          <a:p>
+            <a:pPr algn="ctr"/>
+            <a:r>
+              <a:rPr lang="en-US" altLang="zh-CN" sz="3200" dirty="0">
+                <a:latin typeface="Arial Black" panose="020B0A04020102020204" pitchFamily="34" charset="0"/>
+              </a:rPr>
+              <a:t>Exchange for some dollars?</a:t>
+            </a:r>
+            <a:endParaRPr lang="zh-CN" altLang="en-US" sz="3200" dirty="0">
+              <a:latin typeface="Arial Black" panose="020B0A04020102020204" pitchFamily="34" charset="0"/>
+            </a:endParaRPr>
+          </a:p>
+        </p:txBody>
+      </p:sp>
+      <p:sp>
+        <p:nvSpPr>
+          <p:cNvPr id="8" name="文本框 7">
+            <a:extLst>
+              <a:ext uri="{FF2B5EF4-FFF2-40B4-BE49-F238E27FC236}">
+                <a16:creationId xmlns:a16="http://schemas.microsoft.com/office/drawing/2014/main" id="{51B65565-1C85-9DE6-621B-462403B3A2D9}"/>
+              </a:ext>
+            </a:extLst>
+          </p:cNvPr>
+          <p:cNvSpPr txBox="1"/>
+          <p:nvPr/>
+        </p:nvSpPr>
+        <p:spPr>
+          <a:xfrm>
+            <a:off x="2278841" y="4753440"/>
+            <a:ext cx="2464136" cy="584775"/>
+          </a:xfrm>
+          <a:prstGeom prst="rect">
+            <a:avLst/>
+          </a:prstGeom>
+          <a:noFill/>
+        </p:spPr>
+        <p:txBody>
+          <a:bodyPr wrap="none" rtlCol="0">
+            <a:spAutoFit/>
+          </a:bodyPr>
+          <a:lstStyle/>
+          <a:p>
+            <a:r>
+              <a:rPr lang="en-US" altLang="zh-CN" sz="3200" dirty="0">
+                <a:latin typeface="Arial Black" panose="020B0A04020102020204" pitchFamily="34" charset="0"/>
+              </a:rPr>
+              <a:t>Get a job?</a:t>
+            </a:r>
+            <a:endParaRPr lang="zh-CN" altLang="en-US" sz="3200" dirty="0">
+              <a:latin typeface="Arial Black" panose="020B0A04020102020204" pitchFamily="34" charset="0"/>
+            </a:endParaRPr>
+          </a:p>
+        </p:txBody>
+      </p:sp>
+      <p:sp>
+        <p:nvSpPr>
+          <p:cNvPr id="9" name="文本框 8">
+            <a:extLst>
+              <a:ext uri="{FF2B5EF4-FFF2-40B4-BE49-F238E27FC236}">
+                <a16:creationId xmlns:a16="http://schemas.microsoft.com/office/drawing/2014/main" id="{190E9E79-BD21-2E29-03BD-3BC6B63EE4F4}"/>
+              </a:ext>
+            </a:extLst>
+          </p:cNvPr>
+          <p:cNvSpPr txBox="1"/>
+          <p:nvPr/>
+        </p:nvSpPr>
+        <p:spPr>
+          <a:xfrm>
+            <a:off x="6400609" y="4753439"/>
+            <a:ext cx="3198311" cy="584775"/>
+          </a:xfrm>
+          <a:prstGeom prst="rect">
+            <a:avLst/>
+          </a:prstGeom>
+          <a:noFill/>
+        </p:spPr>
+        <p:txBody>
+          <a:bodyPr wrap="none" rtlCol="0">
+            <a:spAutoFit/>
+          </a:bodyPr>
+          <a:lstStyle/>
+          <a:p>
+            <a:r>
+              <a:rPr lang="en-US" altLang="zh-CN" sz="3200" dirty="0">
+                <a:latin typeface="Arial Black" panose="020B0A04020102020204" pitchFamily="34" charset="0"/>
+              </a:rPr>
+              <a:t>Have a meal?</a:t>
+            </a:r>
+            <a:endParaRPr lang="zh-CN" altLang="en-US" sz="3200" dirty="0">
+              <a:latin typeface="Arial Black" panose="020B0A04020102020204" pitchFamily="34" charset="0"/>
+            </a:endParaRPr>
+          </a:p>
+        </p:txBody>
+      </p:sp>
+      <p:pic>
+        <p:nvPicPr>
+          <p:cNvPr id="18" name="图片 17">
+            <a:extLst>
+              <a:ext uri="{FF2B5EF4-FFF2-40B4-BE49-F238E27FC236}">
+                <a16:creationId xmlns:a16="http://schemas.microsoft.com/office/drawing/2014/main" id="{72589CA8-30D4-6B4B-2B4F-03A61C45E4D7}"/>
+              </a:ext>
+            </a:extLst>
+          </p:cNvPr>
+          <p:cNvPicPr>
+            <a:picLocks noChangeAspect="1"/>
+          </p:cNvPicPr>
+          <p:nvPr/>
+        </p:nvPicPr>
+        <p:blipFill>
+          <a:blip r:embed="rId3">
+            <a:extLst>
+              <a:ext uri="{BEBA8EAE-BF5A-486C-A8C5-ECC9F3942E4B}">
+                <a14:imgProps xmlns:a14="http://schemas.microsoft.com/office/drawing/2010/main">
+                  <a14:imgLayer r:embed="rId4">
+                    <a14:imgEffect>
+                      <a14:artisticBlur/>
+                    </a14:imgEffect>
+                  </a14:imgLayer>
+                </a14:imgProps>
+              </a:ext>
+              <a:ext uri="{28A0092B-C50C-407E-A947-70E740481C1C}">
+                <a14:useLocalDpi xmlns:a14="http://schemas.microsoft.com/office/drawing/2010/main" val="0"/>
+              </a:ext>
+            </a:extLst>
+          </a:blip>
+          <a:stretch>
+            <a:fillRect/>
+          </a:stretch>
+        </p:blipFill>
+        <p:spPr>
+          <a:xfrm>
+            <a:off x="1319637" y="897407"/>
+            <a:ext cx="9534970" cy="5773412"/>
+          </a:xfrm>
+          <a:prstGeom prst="rect">
+            <a:avLst/>
+          </a:prstGeom>
+        </p:spPr>
+      </p:pic>
+      <p:sp>
+        <p:nvSpPr>
+          <p:cNvPr id="16" name="矩形 15">
+            <a:extLst>
+              <a:ext uri="{FF2B5EF4-FFF2-40B4-BE49-F238E27FC236}">
+                <a16:creationId xmlns:a16="http://schemas.microsoft.com/office/drawing/2014/main" id="{F7033078-40CB-784D-DBFD-C48DF91AE3D7}"/>
+              </a:ext>
+            </a:extLst>
+          </p:cNvPr>
+          <p:cNvSpPr/>
+          <p:nvPr/>
+        </p:nvSpPr>
+        <p:spPr>
+          <a:xfrm>
+            <a:off x="658427" y="905519"/>
+            <a:ext cx="10875145" cy="5708344"/>
+          </a:xfrm>
+          <a:prstGeom prst="rect">
+            <a:avLst/>
+          </a:prstGeom>
+          <a:solidFill>
+            <a:srgbClr val="002060">
+              <a:alpha val="50196"/>
+            </a:srgbClr>
+          </a:solidFill>
+          <a:ln>
+            <a:noFill/>
+          </a:ln>
+          <a:effectLst>
+            <a:softEdge rad="317500"/>
+          </a:effectLst>
+        </p:spPr>
+        <p:style>
+          <a:lnRef idx="0">
+            <a:scrgbClr r="0" g="0" b="0"/>
+          </a:lnRef>
+          <a:fillRef idx="0">
+            <a:scrgbClr r="0" g="0" b="0"/>
+          </a:fillRef>
+          <a:effectRef idx="0">
+            <a:scrgbClr r="0" g="0" b="0"/>
+          </a:effectRef>
+          <a:fontRef idx="minor">
+            <a:schemeClr val="lt1"/>
+          </a:fontRef>
+        </p:style>
+        <p:txBody>
+          <a:bodyPr rtlCol="0" anchor="ctr"/>
+          <a:lstStyle/>
+          <a:p>
+            <a:pPr algn="ctr"/>
+            <a:endParaRPr lang="zh-CN" altLang="en-US" dirty="0"/>
+          </a:p>
+        </p:txBody>
+      </p:sp>
+      <p:sp>
+        <p:nvSpPr>
+          <p:cNvPr id="6" name="矩形: 圆角 5">
+            <a:extLst>
+              <a:ext uri="{FF2B5EF4-FFF2-40B4-BE49-F238E27FC236}">
+                <a16:creationId xmlns:a16="http://schemas.microsoft.com/office/drawing/2014/main" id="{DB17CDFB-8543-9585-EE7B-7F3758C8AE6C}"/>
+              </a:ext>
+            </a:extLst>
+          </p:cNvPr>
+          <p:cNvSpPr/>
+          <p:nvPr/>
+        </p:nvSpPr>
+        <p:spPr>
+          <a:xfrm>
+            <a:off x="2237594" y="3680112"/>
+            <a:ext cx="7368466" cy="1815166"/>
+          </a:xfrm>
+          <a:prstGeom prst="roundRect">
+            <a:avLst/>
+          </a:prstGeom>
+        </p:spPr>
+        <p:style>
+          <a:lnRef idx="0">
+            <a:schemeClr val="dk1"/>
+          </a:lnRef>
+          <a:fillRef idx="3">
+            <a:schemeClr val="dk1"/>
+          </a:fillRef>
+          <a:effectRef idx="3">
+            <a:schemeClr val="dk1"/>
+          </a:effectRef>
+          <a:fontRef idx="minor">
+            <a:schemeClr val="lt1"/>
+          </a:fontRef>
+        </p:style>
+        <p:txBody>
+          <a:bodyPr rtlCol="0" anchor="ctr"/>
+          <a:lstStyle/>
+          <a:p>
+            <a:pPr algn="ctr"/>
+            <a:endParaRPr lang="zh-CN" altLang="en-US"/>
+          </a:p>
+        </p:txBody>
+      </p:sp>
       <p:pic>
         <p:nvPicPr>
           <p:cNvPr id="2" name="图片 1">
@@ -10192,7 +10611,7 @@
           <p:nvPr/>
         </p:nvPicPr>
         <p:blipFill rotWithShape="1">
-          <a:blip r:embed="rId3" cstate="print">
+          <a:blip r:embed="rId5" cstate="print">
             <a:extLst>
               <a:ext uri="{28A0092B-C50C-407E-A947-70E740481C1C}">
                 <a14:useLocalDpi xmlns:a14="http://schemas.microsoft.com/office/drawing/2010/main" val="0"/>
@@ -10293,843 +10712,6 @@
           </a:p>
         </p:txBody>
       </p:sp>
-      <p:sp>
-        <p:nvSpPr>
-          <p:cNvPr id="4" name="箭头: 右 3">
-            <a:extLst>
-              <a:ext uri="{FF2B5EF4-FFF2-40B4-BE49-F238E27FC236}">
-                <a16:creationId xmlns:a16="http://schemas.microsoft.com/office/drawing/2014/main" id="{9E40FFC4-6026-1ADB-FD5F-B1D4EFF8E9A6}"/>
-              </a:ext>
-            </a:extLst>
-          </p:cNvPr>
-          <p:cNvSpPr/>
-          <p:nvPr/>
-        </p:nvSpPr>
-        <p:spPr>
-          <a:xfrm>
-            <a:off x="1390835" y="3565514"/>
-            <a:ext cx="9410330" cy="449159"/>
-          </a:xfrm>
-          <a:prstGeom prst="rightArrow">
-            <a:avLst>
-              <a:gd name="adj1" fmla="val 50000"/>
-              <a:gd name="adj2" fmla="val 202191"/>
-            </a:avLst>
-          </a:prstGeom>
-          <a:ln/>
-        </p:spPr>
-        <p:style>
-          <a:lnRef idx="0">
-            <a:schemeClr val="accent1"/>
-          </a:lnRef>
-          <a:fillRef idx="3">
-            <a:schemeClr val="accent1"/>
-          </a:fillRef>
-          <a:effectRef idx="3">
-            <a:schemeClr val="accent1"/>
-          </a:effectRef>
-          <a:fontRef idx="minor">
-            <a:schemeClr val="lt1"/>
-          </a:fontRef>
-        </p:style>
-        <p:txBody>
-          <a:bodyPr rtlCol="0" anchor="ctr"/>
-          <a:lstStyle/>
-          <a:p>
-            <a:pPr algn="ctr"/>
-            <a:endParaRPr lang="zh-CN" altLang="en-US"/>
-          </a:p>
-        </p:txBody>
-      </p:sp>
-      <p:sp>
-        <p:nvSpPr>
-          <p:cNvPr id="6" name="箭头: 右 5">
-            <a:extLst>
-              <a:ext uri="{FF2B5EF4-FFF2-40B4-BE49-F238E27FC236}">
-                <a16:creationId xmlns:a16="http://schemas.microsoft.com/office/drawing/2014/main" id="{6C291EAC-EECD-B907-6113-AAE3740DDAE2}"/>
-              </a:ext>
-            </a:extLst>
-          </p:cNvPr>
-          <p:cNvSpPr/>
-          <p:nvPr/>
-        </p:nvSpPr>
-        <p:spPr>
-          <a:xfrm rot="16200000">
-            <a:off x="3098731" y="3539551"/>
-            <a:ext cx="5646197" cy="449159"/>
-          </a:xfrm>
-          <a:prstGeom prst="rightArrow">
-            <a:avLst>
-              <a:gd name="adj1" fmla="val 50000"/>
-              <a:gd name="adj2" fmla="val 202191"/>
-            </a:avLst>
-          </a:prstGeom>
-          <a:ln/>
-        </p:spPr>
-        <p:style>
-          <a:lnRef idx="0">
-            <a:schemeClr val="accent1"/>
-          </a:lnRef>
-          <a:fillRef idx="3">
-            <a:schemeClr val="accent1"/>
-          </a:fillRef>
-          <a:effectRef idx="3">
-            <a:schemeClr val="accent1"/>
-          </a:effectRef>
-          <a:fontRef idx="minor">
-            <a:schemeClr val="lt1"/>
-          </a:fontRef>
-        </p:style>
-        <p:txBody>
-          <a:bodyPr rtlCol="0" anchor="ctr"/>
-          <a:lstStyle/>
-          <a:p>
-            <a:pPr algn="ctr"/>
-            <a:endParaRPr lang="zh-CN" altLang="en-US"/>
-          </a:p>
-        </p:txBody>
-      </p:sp>
-      <p:sp>
-        <p:nvSpPr>
-          <p:cNvPr id="5" name="文本框 4">
-            <a:extLst>
-              <a:ext uri="{FF2B5EF4-FFF2-40B4-BE49-F238E27FC236}">
-                <a16:creationId xmlns:a16="http://schemas.microsoft.com/office/drawing/2014/main" id="{DCCA718E-C358-F7DA-ED18-8105C6BD48DD}"/>
-              </a:ext>
-            </a:extLst>
-          </p:cNvPr>
-          <p:cNvSpPr txBox="1"/>
-          <p:nvPr/>
-        </p:nvSpPr>
-        <p:spPr>
-          <a:xfrm>
-            <a:off x="1681407" y="2405849"/>
-            <a:ext cx="4015843" cy="584775"/>
-          </a:xfrm>
-          <a:prstGeom prst="rect">
-            <a:avLst/>
-          </a:prstGeom>
-          <a:noFill/>
-        </p:spPr>
-        <p:txBody>
-          <a:bodyPr wrap="none" rtlCol="0">
-            <a:spAutoFit/>
-          </a:bodyPr>
-          <a:lstStyle/>
-          <a:p>
-            <a:r>
-              <a:rPr lang="en-US" altLang="zh-CN" sz="3200" dirty="0">
-                <a:latin typeface="Arial Black" panose="020B0A04020102020204" pitchFamily="34" charset="0"/>
-              </a:rPr>
-              <a:t>Buy a cellphone?</a:t>
-            </a:r>
-            <a:endParaRPr lang="zh-CN" altLang="en-US" sz="3200" dirty="0">
-              <a:latin typeface="Arial Black" panose="020B0A04020102020204" pitchFamily="34" charset="0"/>
-            </a:endParaRPr>
-          </a:p>
-        </p:txBody>
-      </p:sp>
-    </p:spTree>
-    <p:extLst>
-      <p:ext uri="{BB962C8B-B14F-4D97-AF65-F5344CB8AC3E}">
-        <p14:creationId xmlns:p14="http://schemas.microsoft.com/office/powerpoint/2010/main" val="1639566261"/>
-      </p:ext>
-    </p:extLst>
-  </p:cSld>
-  <p:clrMapOvr>
-    <a:masterClrMapping/>
-  </p:clrMapOvr>
-  <mc:AlternateContent xmlns:mc="http://schemas.openxmlformats.org/markup-compatibility/2006">
-    <mc:Choice xmlns:p159="http://schemas.microsoft.com/office/powerpoint/2015/09/main" Requires="p159">
-      <p:transition>
-        <p159:morph option="byObject"/>
-      </p:transition>
-    </mc:Choice>
-    <mc:Fallback>
-      <p:transition>
-        <p:fade/>
-      </p:transition>
-    </mc:Fallback>
-  </mc:AlternateContent>
-</p:sld>
-</file>
-
-<file path=ppt/slides/slide3.xml><?xml version="1.0" encoding="utf-8"?>
-<p:sld xmlns:a="http://schemas.openxmlformats.org/drawingml/2006/main" xmlns:r="http://schemas.openxmlformats.org/officeDocument/2006/relationships" xmlns:p="http://schemas.openxmlformats.org/presentationml/2006/main">
-  <p:cSld>
-    <p:spTree>
-      <p:nvGrpSpPr>
-        <p:cNvPr id="1" name=""/>
-        <p:cNvGrpSpPr/>
-        <p:nvPr/>
-      </p:nvGrpSpPr>
-      <p:grpSpPr>
-        <a:xfrm>
-          <a:off x="0" y="0"/>
-          <a:ext cx="0" cy="0"/>
-          <a:chOff x="0" y="0"/>
-          <a:chExt cx="0" cy="0"/>
-        </a:xfrm>
-      </p:grpSpPr>
-      <p:pic>
-        <p:nvPicPr>
-          <p:cNvPr id="2" name="图片 1">
-            <a:extLst>
-              <a:ext uri="{FF2B5EF4-FFF2-40B4-BE49-F238E27FC236}">
-                <a16:creationId xmlns:a16="http://schemas.microsoft.com/office/drawing/2014/main" id="{DA5B5388-F131-2590-D4FC-77B39DEAB4A9}"/>
-              </a:ext>
-            </a:extLst>
-          </p:cNvPr>
-          <p:cNvPicPr>
-            <a:picLocks noChangeAspect="1"/>
-          </p:cNvPicPr>
-          <p:nvPr/>
-        </p:nvPicPr>
-        <p:blipFill rotWithShape="1">
-          <a:blip r:embed="rId3" cstate="print">
-            <a:extLst>
-              <a:ext uri="{28A0092B-C50C-407E-A947-70E740481C1C}">
-                <a14:useLocalDpi xmlns:a14="http://schemas.microsoft.com/office/drawing/2010/main" val="0"/>
-              </a:ext>
-            </a:extLst>
-          </a:blip>
-          <a:srcRect b="87581"/>
-          <a:stretch/>
-        </p:blipFill>
-        <p:spPr>
-          <a:xfrm>
-            <a:off x="0" y="0"/>
-            <a:ext cx="12192000" cy="851712"/>
-          </a:xfrm>
-          <a:prstGeom prst="rect">
-            <a:avLst/>
-          </a:prstGeom>
-        </p:spPr>
-      </p:pic>
-      <p:sp>
-        <p:nvSpPr>
-          <p:cNvPr id="3" name="TextBox 294">
-            <a:extLst>
-              <a:ext uri="{FF2B5EF4-FFF2-40B4-BE49-F238E27FC236}">
-                <a16:creationId xmlns:a16="http://schemas.microsoft.com/office/drawing/2014/main" id="{2F296BD8-65D7-9EEA-53E8-1991C472A0E5}"/>
-              </a:ext>
-            </a:extLst>
-          </p:cNvPr>
-          <p:cNvSpPr txBox="1"/>
-          <p:nvPr/>
-        </p:nvSpPr>
-        <p:spPr>
-          <a:xfrm>
-            <a:off x="3510909" y="401708"/>
-            <a:ext cx="4821839" cy="295528"/>
-          </a:xfrm>
-          <a:prstGeom prst="rect">
-            <a:avLst/>
-          </a:prstGeom>
-          <a:noFill/>
-        </p:spPr>
-        <p:txBody>
-          <a:bodyPr wrap="none" lIns="360000" tIns="0" rIns="0" bIns="0" anchor="b" anchorCtr="0">
-            <a:noAutofit/>
-          </a:bodyPr>
-          <a:lstStyle/>
-          <a:p>
-            <a:pPr marL="0" marR="0" lvl="0" indent="0" algn="ctr" defTabSz="914400" eaLnBrk="1" fontAlgn="auto" latinLnBrk="0" hangingPunct="1">
-              <a:lnSpc>
-                <a:spcPct val="100000"/>
-              </a:lnSpc>
-              <a:spcBef>
-                <a:spcPts val="0"/>
-              </a:spcBef>
-              <a:spcAft>
-                <a:spcPts val="0"/>
-              </a:spcAft>
-              <a:buClrTx/>
-              <a:buSzTx/>
-              <a:buFontTx/>
-              <a:buNone/>
-              <a:tabLst/>
-              <a:defRPr/>
-            </a:pPr>
-            <a:r>
-              <a:rPr kumimoji="0" lang="en-US" altLang="zh-CN" sz="3200" b="1" i="0" u="none" strike="noStrike" kern="0" cap="none" normalizeH="0" baseline="0" noProof="0" dirty="0">
-                <a:ln>
-                  <a:noFill/>
-                </a:ln>
-                <a:solidFill>
-                  <a:schemeClr val="bg1"/>
-                </a:solidFill>
-                <a:effectLst/>
-                <a:uLnTx/>
-                <a:uFillTx/>
-                <a:latin typeface="微软雅黑" panose="020B0503020204020204" pitchFamily="34" charset="-122"/>
-                <a:ea typeface="微软雅黑" panose="020B0503020204020204" pitchFamily="34" charset="-122"/>
-                <a:cs typeface="+mn-ea"/>
-                <a:sym typeface="+mn-lt"/>
-              </a:rPr>
-              <a:t>BACKGROUND</a:t>
-            </a:r>
-            <a:endParaRPr kumimoji="0" lang="zh-CN" altLang="en-US" sz="3200" b="1" i="0" u="none" strike="noStrike" kern="0" cap="none" normalizeH="0" baseline="0" noProof="0" dirty="0">
-              <a:ln>
-                <a:noFill/>
-              </a:ln>
-              <a:solidFill>
-                <a:schemeClr val="bg1"/>
-              </a:solidFill>
-              <a:effectLst/>
-              <a:uLnTx/>
-              <a:uFillTx/>
-              <a:latin typeface="微软雅黑" panose="020B0503020204020204" pitchFamily="34" charset="-122"/>
-              <a:ea typeface="微软雅黑" panose="020B0503020204020204" pitchFamily="34" charset="-122"/>
-              <a:cs typeface="+mn-ea"/>
-              <a:sym typeface="+mn-lt"/>
-            </a:endParaRPr>
-          </a:p>
-        </p:txBody>
-      </p:sp>
-      <p:sp>
-        <p:nvSpPr>
-          <p:cNvPr id="4" name="箭头: 右 3">
-            <a:extLst>
-              <a:ext uri="{FF2B5EF4-FFF2-40B4-BE49-F238E27FC236}">
-                <a16:creationId xmlns:a16="http://schemas.microsoft.com/office/drawing/2014/main" id="{9E40FFC4-6026-1ADB-FD5F-B1D4EFF8E9A6}"/>
-              </a:ext>
-            </a:extLst>
-          </p:cNvPr>
-          <p:cNvSpPr/>
-          <p:nvPr/>
-        </p:nvSpPr>
-        <p:spPr>
-          <a:xfrm>
-            <a:off x="1390835" y="3565514"/>
-            <a:ext cx="9410330" cy="449159"/>
-          </a:xfrm>
-          <a:prstGeom prst="rightArrow">
-            <a:avLst>
-              <a:gd name="adj1" fmla="val 50000"/>
-              <a:gd name="adj2" fmla="val 202191"/>
-            </a:avLst>
-          </a:prstGeom>
-          <a:ln/>
-        </p:spPr>
-        <p:style>
-          <a:lnRef idx="0">
-            <a:schemeClr val="accent1"/>
-          </a:lnRef>
-          <a:fillRef idx="3">
-            <a:schemeClr val="accent1"/>
-          </a:fillRef>
-          <a:effectRef idx="3">
-            <a:schemeClr val="accent1"/>
-          </a:effectRef>
-          <a:fontRef idx="minor">
-            <a:schemeClr val="lt1"/>
-          </a:fontRef>
-        </p:style>
-        <p:txBody>
-          <a:bodyPr rtlCol="0" anchor="ctr"/>
-          <a:lstStyle/>
-          <a:p>
-            <a:pPr algn="ctr"/>
-            <a:endParaRPr lang="zh-CN" altLang="en-US"/>
-          </a:p>
-        </p:txBody>
-      </p:sp>
-      <p:sp>
-        <p:nvSpPr>
-          <p:cNvPr id="6" name="箭头: 右 5">
-            <a:extLst>
-              <a:ext uri="{FF2B5EF4-FFF2-40B4-BE49-F238E27FC236}">
-                <a16:creationId xmlns:a16="http://schemas.microsoft.com/office/drawing/2014/main" id="{6C291EAC-EECD-B907-6113-AAE3740DDAE2}"/>
-              </a:ext>
-            </a:extLst>
-          </p:cNvPr>
-          <p:cNvSpPr/>
-          <p:nvPr/>
-        </p:nvSpPr>
-        <p:spPr>
-          <a:xfrm rot="16200000">
-            <a:off x="3098731" y="3539551"/>
-            <a:ext cx="5646197" cy="449159"/>
-          </a:xfrm>
-          <a:prstGeom prst="rightArrow">
-            <a:avLst>
-              <a:gd name="adj1" fmla="val 50000"/>
-              <a:gd name="adj2" fmla="val 202191"/>
-            </a:avLst>
-          </a:prstGeom>
-          <a:ln/>
-        </p:spPr>
-        <p:style>
-          <a:lnRef idx="0">
-            <a:schemeClr val="accent1"/>
-          </a:lnRef>
-          <a:fillRef idx="3">
-            <a:schemeClr val="accent1"/>
-          </a:fillRef>
-          <a:effectRef idx="3">
-            <a:schemeClr val="accent1"/>
-          </a:effectRef>
-          <a:fontRef idx="minor">
-            <a:schemeClr val="lt1"/>
-          </a:fontRef>
-        </p:style>
-        <p:txBody>
-          <a:bodyPr rtlCol="0" anchor="ctr"/>
-          <a:lstStyle/>
-          <a:p>
-            <a:pPr algn="ctr"/>
-            <a:endParaRPr lang="zh-CN" altLang="en-US"/>
-          </a:p>
-        </p:txBody>
-      </p:sp>
-      <p:sp>
-        <p:nvSpPr>
-          <p:cNvPr id="5" name="文本框 4">
-            <a:extLst>
-              <a:ext uri="{FF2B5EF4-FFF2-40B4-BE49-F238E27FC236}">
-                <a16:creationId xmlns:a16="http://schemas.microsoft.com/office/drawing/2014/main" id="{DCCA718E-C358-F7DA-ED18-8105C6BD48DD}"/>
-              </a:ext>
-            </a:extLst>
-          </p:cNvPr>
-          <p:cNvSpPr txBox="1"/>
-          <p:nvPr/>
-        </p:nvSpPr>
-        <p:spPr>
-          <a:xfrm>
-            <a:off x="1681407" y="2405849"/>
-            <a:ext cx="4015843" cy="584775"/>
-          </a:xfrm>
-          <a:prstGeom prst="rect">
-            <a:avLst/>
-          </a:prstGeom>
-          <a:noFill/>
-        </p:spPr>
-        <p:txBody>
-          <a:bodyPr wrap="none" rtlCol="0">
-            <a:spAutoFit/>
-          </a:bodyPr>
-          <a:lstStyle/>
-          <a:p>
-            <a:r>
-              <a:rPr lang="en-US" altLang="zh-CN" sz="3200" dirty="0">
-                <a:latin typeface="Arial Black" panose="020B0A04020102020204" pitchFamily="34" charset="0"/>
-              </a:rPr>
-              <a:t>Buy a cellphone?</a:t>
-            </a:r>
-            <a:endParaRPr lang="zh-CN" altLang="en-US" sz="3200" dirty="0">
-              <a:latin typeface="Arial Black" panose="020B0A04020102020204" pitchFamily="34" charset="0"/>
-            </a:endParaRPr>
-          </a:p>
-        </p:txBody>
-      </p:sp>
-      <p:pic>
-        <p:nvPicPr>
-          <p:cNvPr id="11" name="图片 10">
-            <a:extLst>
-              <a:ext uri="{FF2B5EF4-FFF2-40B4-BE49-F238E27FC236}">
-                <a16:creationId xmlns:a16="http://schemas.microsoft.com/office/drawing/2014/main" id="{E0C654A6-5C59-D4CC-F37E-3F3285974BFA}"/>
-              </a:ext>
-            </a:extLst>
-          </p:cNvPr>
-          <p:cNvPicPr>
-            <a:picLocks noChangeAspect="1"/>
-          </p:cNvPicPr>
-          <p:nvPr/>
-        </p:nvPicPr>
-        <p:blipFill>
-          <a:blip r:embed="rId4">
-            <a:extLst>
-              <a:ext uri="{28A0092B-C50C-407E-A947-70E740481C1C}">
-                <a14:useLocalDpi xmlns:a14="http://schemas.microsoft.com/office/drawing/2010/main" val="0"/>
-              </a:ext>
-            </a:extLst>
-          </a:blip>
-          <a:stretch>
-            <a:fillRect/>
-          </a:stretch>
-        </p:blipFill>
-        <p:spPr>
-          <a:xfrm>
-            <a:off x="1729712" y="1605736"/>
-            <a:ext cx="3950550" cy="1975275"/>
-          </a:xfrm>
-          <a:prstGeom prst="rect">
-            <a:avLst/>
-          </a:prstGeom>
-        </p:spPr>
-      </p:pic>
-    </p:spTree>
-    <p:extLst>
-      <p:ext uri="{BB962C8B-B14F-4D97-AF65-F5344CB8AC3E}">
-        <p14:creationId xmlns:p14="http://schemas.microsoft.com/office/powerpoint/2010/main" val="1455481507"/>
-      </p:ext>
-    </p:extLst>
-  </p:cSld>
-  <p:clrMapOvr>
-    <a:masterClrMapping/>
-  </p:clrMapOvr>
-  <mc:AlternateContent xmlns:mc="http://schemas.openxmlformats.org/markup-compatibility/2006">
-    <mc:Choice xmlns:p159="http://schemas.microsoft.com/office/powerpoint/2015/09/main" Requires="p159">
-      <p:transition>
-        <p159:morph option="byObject"/>
-      </p:transition>
-    </mc:Choice>
-    <mc:Fallback>
-      <p:transition>
-        <p:fade/>
-      </p:transition>
-    </mc:Fallback>
-  </mc:AlternateContent>
-</p:sld>
-</file>
-
-<file path=ppt/slides/slide4.xml><?xml version="1.0" encoding="utf-8"?>
-<p:sld xmlns:a="http://schemas.openxmlformats.org/drawingml/2006/main" xmlns:r="http://schemas.openxmlformats.org/officeDocument/2006/relationships" xmlns:p="http://schemas.openxmlformats.org/presentationml/2006/main">
-  <p:cSld>
-    <p:spTree>
-      <p:nvGrpSpPr>
-        <p:cNvPr id="1" name=""/>
-        <p:cNvGrpSpPr/>
-        <p:nvPr/>
-      </p:nvGrpSpPr>
-      <p:grpSpPr>
-        <a:xfrm>
-          <a:off x="0" y="0"/>
-          <a:ext cx="0" cy="0"/>
-          <a:chOff x="0" y="0"/>
-          <a:chExt cx="0" cy="0"/>
-        </a:xfrm>
-      </p:grpSpPr>
-      <p:pic>
-        <p:nvPicPr>
-          <p:cNvPr id="2" name="图片 1">
-            <a:extLst>
-              <a:ext uri="{FF2B5EF4-FFF2-40B4-BE49-F238E27FC236}">
-                <a16:creationId xmlns:a16="http://schemas.microsoft.com/office/drawing/2014/main" id="{DA5B5388-F131-2590-D4FC-77B39DEAB4A9}"/>
-              </a:ext>
-            </a:extLst>
-          </p:cNvPr>
-          <p:cNvPicPr>
-            <a:picLocks noChangeAspect="1"/>
-          </p:cNvPicPr>
-          <p:nvPr/>
-        </p:nvPicPr>
-        <p:blipFill rotWithShape="1">
-          <a:blip r:embed="rId3" cstate="print">
-            <a:extLst>
-              <a:ext uri="{28A0092B-C50C-407E-A947-70E740481C1C}">
-                <a14:useLocalDpi xmlns:a14="http://schemas.microsoft.com/office/drawing/2010/main" val="0"/>
-              </a:ext>
-            </a:extLst>
-          </a:blip>
-          <a:srcRect b="87581"/>
-          <a:stretch/>
-        </p:blipFill>
-        <p:spPr>
-          <a:xfrm>
-            <a:off x="0" y="0"/>
-            <a:ext cx="12192000" cy="851712"/>
-          </a:xfrm>
-          <a:prstGeom prst="rect">
-            <a:avLst/>
-          </a:prstGeom>
-        </p:spPr>
-      </p:pic>
-      <p:sp>
-        <p:nvSpPr>
-          <p:cNvPr id="3" name="TextBox 294">
-            <a:extLst>
-              <a:ext uri="{FF2B5EF4-FFF2-40B4-BE49-F238E27FC236}">
-                <a16:creationId xmlns:a16="http://schemas.microsoft.com/office/drawing/2014/main" id="{2F296BD8-65D7-9EEA-53E8-1991C472A0E5}"/>
-              </a:ext>
-            </a:extLst>
-          </p:cNvPr>
-          <p:cNvSpPr txBox="1"/>
-          <p:nvPr/>
-        </p:nvSpPr>
-        <p:spPr>
-          <a:xfrm>
-            <a:off x="3510909" y="401708"/>
-            <a:ext cx="4821839" cy="295528"/>
-          </a:xfrm>
-          <a:prstGeom prst="rect">
-            <a:avLst/>
-          </a:prstGeom>
-          <a:noFill/>
-        </p:spPr>
-        <p:txBody>
-          <a:bodyPr wrap="none" lIns="360000" tIns="0" rIns="0" bIns="0" anchor="b" anchorCtr="0">
-            <a:noAutofit/>
-          </a:bodyPr>
-          <a:lstStyle/>
-          <a:p>
-            <a:pPr marL="0" marR="0" lvl="0" indent="0" algn="ctr" defTabSz="914400" eaLnBrk="1" fontAlgn="auto" latinLnBrk="0" hangingPunct="1">
-              <a:lnSpc>
-                <a:spcPct val="100000"/>
-              </a:lnSpc>
-              <a:spcBef>
-                <a:spcPts val="0"/>
-              </a:spcBef>
-              <a:spcAft>
-                <a:spcPts val="0"/>
-              </a:spcAft>
-              <a:buClrTx/>
-              <a:buSzTx/>
-              <a:buFontTx/>
-              <a:buNone/>
-              <a:tabLst/>
-              <a:defRPr/>
-            </a:pPr>
-            <a:r>
-              <a:rPr kumimoji="0" lang="en-US" altLang="zh-CN" sz="3200" b="1" i="0" u="none" strike="noStrike" kern="0" cap="none" normalizeH="0" baseline="0" noProof="0" dirty="0">
-                <a:ln>
-                  <a:noFill/>
-                </a:ln>
-                <a:solidFill>
-                  <a:schemeClr val="bg1"/>
-                </a:solidFill>
-                <a:effectLst/>
-                <a:uLnTx/>
-                <a:uFillTx/>
-                <a:latin typeface="微软雅黑" panose="020B0503020204020204" pitchFamily="34" charset="-122"/>
-                <a:ea typeface="微软雅黑" panose="020B0503020204020204" pitchFamily="34" charset="-122"/>
-                <a:cs typeface="+mn-ea"/>
-                <a:sym typeface="+mn-lt"/>
-              </a:rPr>
-              <a:t>BACKGROUND</a:t>
-            </a:r>
-            <a:endParaRPr kumimoji="0" lang="zh-CN" altLang="en-US" sz="3200" b="1" i="0" u="none" strike="noStrike" kern="0" cap="none" normalizeH="0" baseline="0" noProof="0" dirty="0">
-              <a:ln>
-                <a:noFill/>
-              </a:ln>
-              <a:solidFill>
-                <a:schemeClr val="bg1"/>
-              </a:solidFill>
-              <a:effectLst/>
-              <a:uLnTx/>
-              <a:uFillTx/>
-              <a:latin typeface="微软雅黑" panose="020B0503020204020204" pitchFamily="34" charset="-122"/>
-              <a:ea typeface="微软雅黑" panose="020B0503020204020204" pitchFamily="34" charset="-122"/>
-              <a:cs typeface="+mn-ea"/>
-              <a:sym typeface="+mn-lt"/>
-            </a:endParaRPr>
-          </a:p>
-        </p:txBody>
-      </p:sp>
-      <p:sp>
-        <p:nvSpPr>
-          <p:cNvPr id="4" name="箭头: 右 3">
-            <a:extLst>
-              <a:ext uri="{FF2B5EF4-FFF2-40B4-BE49-F238E27FC236}">
-                <a16:creationId xmlns:a16="http://schemas.microsoft.com/office/drawing/2014/main" id="{9E40FFC4-6026-1ADB-FD5F-B1D4EFF8E9A6}"/>
-              </a:ext>
-            </a:extLst>
-          </p:cNvPr>
-          <p:cNvSpPr/>
-          <p:nvPr/>
-        </p:nvSpPr>
-        <p:spPr>
-          <a:xfrm>
-            <a:off x="1390835" y="3565514"/>
-            <a:ext cx="9410330" cy="449159"/>
-          </a:xfrm>
-          <a:prstGeom prst="rightArrow">
-            <a:avLst>
-              <a:gd name="adj1" fmla="val 50000"/>
-              <a:gd name="adj2" fmla="val 202191"/>
-            </a:avLst>
-          </a:prstGeom>
-          <a:ln/>
-        </p:spPr>
-        <p:style>
-          <a:lnRef idx="0">
-            <a:schemeClr val="accent1"/>
-          </a:lnRef>
-          <a:fillRef idx="3">
-            <a:schemeClr val="accent1"/>
-          </a:fillRef>
-          <a:effectRef idx="3">
-            <a:schemeClr val="accent1"/>
-          </a:effectRef>
-          <a:fontRef idx="minor">
-            <a:schemeClr val="lt1"/>
-          </a:fontRef>
-        </p:style>
-        <p:txBody>
-          <a:bodyPr rtlCol="0" anchor="ctr"/>
-          <a:lstStyle/>
-          <a:p>
-            <a:pPr algn="ctr"/>
-            <a:endParaRPr lang="zh-CN" altLang="en-US"/>
-          </a:p>
-        </p:txBody>
-      </p:sp>
-      <p:sp>
-        <p:nvSpPr>
-          <p:cNvPr id="6" name="箭头: 右 5">
-            <a:extLst>
-              <a:ext uri="{FF2B5EF4-FFF2-40B4-BE49-F238E27FC236}">
-                <a16:creationId xmlns:a16="http://schemas.microsoft.com/office/drawing/2014/main" id="{6C291EAC-EECD-B907-6113-AAE3740DDAE2}"/>
-              </a:ext>
-            </a:extLst>
-          </p:cNvPr>
-          <p:cNvSpPr/>
-          <p:nvPr/>
-        </p:nvSpPr>
-        <p:spPr>
-          <a:xfrm rot="16200000">
-            <a:off x="3098731" y="3539551"/>
-            <a:ext cx="5646197" cy="449159"/>
-          </a:xfrm>
-          <a:prstGeom prst="rightArrow">
-            <a:avLst>
-              <a:gd name="adj1" fmla="val 50000"/>
-              <a:gd name="adj2" fmla="val 202191"/>
-            </a:avLst>
-          </a:prstGeom>
-          <a:ln/>
-        </p:spPr>
-        <p:style>
-          <a:lnRef idx="0">
-            <a:schemeClr val="accent1"/>
-          </a:lnRef>
-          <a:fillRef idx="3">
-            <a:schemeClr val="accent1"/>
-          </a:fillRef>
-          <a:effectRef idx="3">
-            <a:schemeClr val="accent1"/>
-          </a:effectRef>
-          <a:fontRef idx="minor">
-            <a:schemeClr val="lt1"/>
-          </a:fontRef>
-        </p:style>
-        <p:txBody>
-          <a:bodyPr rtlCol="0" anchor="ctr"/>
-          <a:lstStyle/>
-          <a:p>
-            <a:pPr algn="ctr"/>
-            <a:endParaRPr lang="zh-CN" altLang="en-US"/>
-          </a:p>
-        </p:txBody>
-      </p:sp>
-      <p:sp>
-        <p:nvSpPr>
-          <p:cNvPr id="5" name="文本框 4">
-            <a:extLst>
-              <a:ext uri="{FF2B5EF4-FFF2-40B4-BE49-F238E27FC236}">
-                <a16:creationId xmlns:a16="http://schemas.microsoft.com/office/drawing/2014/main" id="{DCCA718E-C358-F7DA-ED18-8105C6BD48DD}"/>
-              </a:ext>
-            </a:extLst>
-          </p:cNvPr>
-          <p:cNvSpPr txBox="1"/>
-          <p:nvPr/>
-        </p:nvSpPr>
-        <p:spPr>
-          <a:xfrm>
-            <a:off x="1681407" y="2405849"/>
-            <a:ext cx="4015843" cy="584775"/>
-          </a:xfrm>
-          <a:prstGeom prst="rect">
-            <a:avLst/>
-          </a:prstGeom>
-          <a:noFill/>
-        </p:spPr>
-        <p:txBody>
-          <a:bodyPr wrap="none" rtlCol="0">
-            <a:spAutoFit/>
-          </a:bodyPr>
-          <a:lstStyle/>
-          <a:p>
-            <a:r>
-              <a:rPr lang="en-US" altLang="zh-CN" sz="3200" dirty="0">
-                <a:latin typeface="Arial Black" panose="020B0A04020102020204" pitchFamily="34" charset="0"/>
-              </a:rPr>
-              <a:t>Buy a cellphone?</a:t>
-            </a:r>
-            <a:endParaRPr lang="zh-CN" altLang="en-US" sz="3200" dirty="0">
-              <a:latin typeface="Arial Black" panose="020B0A04020102020204" pitchFamily="34" charset="0"/>
-            </a:endParaRPr>
-          </a:p>
-        </p:txBody>
-      </p:sp>
-      <p:sp>
-        <p:nvSpPr>
-          <p:cNvPr id="7" name="文本框 6">
-            <a:extLst>
-              <a:ext uri="{FF2B5EF4-FFF2-40B4-BE49-F238E27FC236}">
-                <a16:creationId xmlns:a16="http://schemas.microsoft.com/office/drawing/2014/main" id="{671BD886-77DD-BC83-F2E9-A92031A2E881}"/>
-              </a:ext>
-            </a:extLst>
-          </p:cNvPr>
-          <p:cNvSpPr txBox="1"/>
-          <p:nvPr/>
-        </p:nvSpPr>
-        <p:spPr>
-          <a:xfrm>
-            <a:off x="6163397" y="2238274"/>
-            <a:ext cx="3664184" cy="1077218"/>
-          </a:xfrm>
-          <a:prstGeom prst="rect">
-            <a:avLst/>
-          </a:prstGeom>
-          <a:noFill/>
-        </p:spPr>
-        <p:txBody>
-          <a:bodyPr wrap="square" rtlCol="0">
-            <a:spAutoFit/>
-          </a:bodyPr>
-          <a:lstStyle/>
-          <a:p>
-            <a:pPr algn="ctr"/>
-            <a:r>
-              <a:rPr lang="en-US" altLang="zh-CN" sz="3200" dirty="0">
-                <a:latin typeface="Arial Black" panose="020B0A04020102020204" pitchFamily="34" charset="0"/>
-              </a:rPr>
-              <a:t>Exchange for some dollars?</a:t>
-            </a:r>
-            <a:endParaRPr lang="zh-CN" altLang="en-US" sz="3200" dirty="0">
-              <a:latin typeface="Arial Black" panose="020B0A04020102020204" pitchFamily="34" charset="0"/>
-            </a:endParaRPr>
-          </a:p>
-        </p:txBody>
-      </p:sp>
-      <p:pic>
-        <p:nvPicPr>
-          <p:cNvPr id="11" name="图片 10">
-            <a:extLst>
-              <a:ext uri="{FF2B5EF4-FFF2-40B4-BE49-F238E27FC236}">
-                <a16:creationId xmlns:a16="http://schemas.microsoft.com/office/drawing/2014/main" id="{E0C654A6-5C59-D4CC-F37E-3F3285974BFA}"/>
-              </a:ext>
-            </a:extLst>
-          </p:cNvPr>
-          <p:cNvPicPr>
-            <a:picLocks noChangeAspect="1"/>
-          </p:cNvPicPr>
-          <p:nvPr/>
-        </p:nvPicPr>
-        <p:blipFill>
-          <a:blip r:embed="rId4">
-            <a:extLst>
-              <a:ext uri="{28A0092B-C50C-407E-A947-70E740481C1C}">
-                <a14:useLocalDpi xmlns:a14="http://schemas.microsoft.com/office/drawing/2010/main" val="0"/>
-              </a:ext>
-            </a:extLst>
-          </a:blip>
-          <a:stretch>
-            <a:fillRect/>
-          </a:stretch>
-        </p:blipFill>
-        <p:spPr>
-          <a:xfrm>
-            <a:off x="1729712" y="1605736"/>
-            <a:ext cx="3950550" cy="1975275"/>
-          </a:xfrm>
-          <a:prstGeom prst="rect">
-            <a:avLst/>
-          </a:prstGeom>
-        </p:spPr>
-      </p:pic>
       <p:sp>
         <p:nvSpPr>
           <p:cNvPr id="10" name="Rectangle 1">
@@ -11364,10 +10946,1297 @@
           </a:p>
         </p:txBody>
       </p:sp>
+      <p:sp>
+        <p:nvSpPr>
+          <p:cNvPr id="19" name="文本框 18">
+            <a:extLst>
+              <a:ext uri="{FF2B5EF4-FFF2-40B4-BE49-F238E27FC236}">
+                <a16:creationId xmlns:a16="http://schemas.microsoft.com/office/drawing/2014/main" id="{24525BCC-A530-2F77-8474-11414D5EB37A}"/>
+              </a:ext>
+            </a:extLst>
+          </p:cNvPr>
+          <p:cNvSpPr txBox="1"/>
+          <p:nvPr/>
+        </p:nvSpPr>
+        <p:spPr>
+          <a:xfrm>
+            <a:off x="3157296" y="2181318"/>
+            <a:ext cx="5803448" cy="707886"/>
+          </a:xfrm>
+          <a:prstGeom prst="rect">
+            <a:avLst/>
+          </a:prstGeom>
+          <a:noFill/>
+        </p:spPr>
+        <p:txBody>
+          <a:bodyPr wrap="none" rtlCol="0">
+            <a:spAutoFit/>
+          </a:bodyPr>
+          <a:lstStyle/>
+          <a:p>
+            <a:r>
+              <a:rPr lang="en-US" altLang="zh-CN" sz="4000" dirty="0">
+                <a:solidFill>
+                  <a:schemeClr val="bg1"/>
+                </a:solidFill>
+                <a:latin typeface="Arial Black" panose="020B0A04020102020204" pitchFamily="34" charset="0"/>
+              </a:rPr>
+              <a:t>What's in common? </a:t>
+            </a:r>
+            <a:endParaRPr lang="zh-CN" altLang="en-US" sz="4000" dirty="0">
+              <a:solidFill>
+                <a:schemeClr val="bg1"/>
+              </a:solidFill>
+              <a:latin typeface="Arial Black" panose="020B0A04020102020204" pitchFamily="34" charset="0"/>
+            </a:endParaRPr>
+          </a:p>
+        </p:txBody>
+      </p:sp>
+      <p:sp>
+        <p:nvSpPr>
+          <p:cNvPr id="4" name="文本框 3">
+            <a:extLst>
+              <a:ext uri="{FF2B5EF4-FFF2-40B4-BE49-F238E27FC236}">
+                <a16:creationId xmlns:a16="http://schemas.microsoft.com/office/drawing/2014/main" id="{FD568707-85B0-49E5-BFAB-D877CFD401FA}"/>
+              </a:ext>
+            </a:extLst>
+          </p:cNvPr>
+          <p:cNvSpPr txBox="1"/>
+          <p:nvPr/>
+        </p:nvSpPr>
+        <p:spPr>
+          <a:xfrm>
+            <a:off x="2237594" y="3866767"/>
+            <a:ext cx="7368466" cy="1323439"/>
+          </a:xfrm>
+          <a:prstGeom prst="rect">
+            <a:avLst/>
+          </a:prstGeom>
+          <a:noFill/>
+        </p:spPr>
+        <p:txBody>
+          <a:bodyPr wrap="square" rtlCol="0">
+            <a:spAutoFit/>
+          </a:bodyPr>
+          <a:lstStyle/>
+          <a:p>
+            <a:pPr algn="ctr"/>
+            <a:r>
+              <a:rPr lang="en-US" altLang="zh-CN" sz="4000" dirty="0">
+                <a:solidFill>
+                  <a:schemeClr val="bg1"/>
+                </a:solidFill>
+                <a:latin typeface="Arial Black" panose="020B0A04020102020204" pitchFamily="34" charset="0"/>
+              </a:rPr>
+              <a:t>They are all through some certain </a:t>
+            </a:r>
+            <a:r>
+              <a:rPr lang="en-US" altLang="zh-CN" sz="4000" dirty="0">
+                <a:solidFill>
+                  <a:srgbClr val="FF0000"/>
+                </a:solidFill>
+                <a:latin typeface="Arial Black" panose="020B0A04020102020204" pitchFamily="34" charset="0"/>
+              </a:rPr>
+              <a:t>institutions</a:t>
+            </a:r>
+            <a:endParaRPr lang="zh-CN" altLang="en-US" sz="4000" dirty="0">
+              <a:solidFill>
+                <a:srgbClr val="FF0000"/>
+              </a:solidFill>
+              <a:latin typeface="Arial Black" panose="020B0A04020102020204" pitchFamily="34" charset="0"/>
+            </a:endParaRPr>
+          </a:p>
+        </p:txBody>
+      </p:sp>
+      <p:sp>
+        <p:nvSpPr>
+          <p:cNvPr id="11" name="对话气泡: 椭圆形 10">
+            <a:extLst>
+              <a:ext uri="{FF2B5EF4-FFF2-40B4-BE49-F238E27FC236}">
+                <a16:creationId xmlns:a16="http://schemas.microsoft.com/office/drawing/2014/main" id="{2A53A4D4-5EA6-B5A2-9130-055BEA71A67A}"/>
+              </a:ext>
+            </a:extLst>
+          </p:cNvPr>
+          <p:cNvSpPr/>
+          <p:nvPr/>
+        </p:nvSpPr>
+        <p:spPr>
+          <a:xfrm>
+            <a:off x="4694940" y="1644807"/>
+            <a:ext cx="4812147" cy="2054486"/>
+          </a:xfrm>
+          <a:prstGeom prst="wedgeEllipseCallout">
+            <a:avLst/>
+          </a:prstGeom>
+          <a:gradFill flip="none" rotWithShape="1">
+            <a:gsLst>
+              <a:gs pos="0">
+                <a:srgbClr val="FFC000">
+                  <a:shade val="30000"/>
+                  <a:satMod val="115000"/>
+                </a:srgbClr>
+              </a:gs>
+              <a:gs pos="50000">
+                <a:srgbClr val="FFC000">
+                  <a:shade val="67500"/>
+                  <a:satMod val="115000"/>
+                </a:srgbClr>
+              </a:gs>
+              <a:gs pos="100000">
+                <a:srgbClr val="FFC000">
+                  <a:shade val="100000"/>
+                  <a:satMod val="115000"/>
+                </a:srgbClr>
+              </a:gs>
+            </a:gsLst>
+            <a:lin ang="16200000" scaled="1"/>
+            <a:tileRect/>
+          </a:gradFill>
+          <a:effectLst>
+            <a:outerShdw blurRad="50800" dist="38100" dir="2700000" algn="tl" rotWithShape="0">
+              <a:prstClr val="black">
+                <a:alpha val="40000"/>
+              </a:prstClr>
+            </a:outerShdw>
+          </a:effectLst>
+        </p:spPr>
+        <p:style>
+          <a:lnRef idx="2">
+            <a:schemeClr val="accent1">
+              <a:shade val="50000"/>
+            </a:schemeClr>
+          </a:lnRef>
+          <a:fillRef idx="1">
+            <a:schemeClr val="accent1"/>
+          </a:fillRef>
+          <a:effectRef idx="0">
+            <a:schemeClr val="accent1"/>
+          </a:effectRef>
+          <a:fontRef idx="minor">
+            <a:schemeClr val="lt1"/>
+          </a:fontRef>
+        </p:style>
+        <p:txBody>
+          <a:bodyPr rtlCol="0" anchor="ctr"/>
+          <a:lstStyle/>
+          <a:p>
+            <a:pPr algn="ctr"/>
+            <a:r>
+              <a:rPr lang="en-US" altLang="zh-CN" sz="4000" dirty="0">
+                <a:solidFill>
+                  <a:schemeClr val="tx1"/>
+                </a:solidFill>
+                <a:latin typeface="Arial Black" panose="020B0A04020102020204" pitchFamily="34" charset="0"/>
+              </a:rPr>
+              <a:t>Centralized</a:t>
+            </a:r>
+            <a:endParaRPr lang="zh-CN" altLang="en-US" sz="4000" dirty="0">
+              <a:solidFill>
+                <a:schemeClr val="tx1"/>
+              </a:solidFill>
+              <a:latin typeface="Arial Black" panose="020B0A04020102020204" pitchFamily="34" charset="0"/>
+            </a:endParaRPr>
+          </a:p>
+        </p:txBody>
+      </p:sp>
     </p:spTree>
     <p:extLst>
       <p:ext uri="{BB962C8B-B14F-4D97-AF65-F5344CB8AC3E}">
-        <p14:creationId xmlns:p14="http://schemas.microsoft.com/office/powerpoint/2010/main" val="1751229888"/>
+        <p14:creationId xmlns:p14="http://schemas.microsoft.com/office/powerpoint/2010/main" val="1530603753"/>
+      </p:ext>
+    </p:extLst>
+  </p:cSld>
+  <p:clrMapOvr>
+    <a:masterClrMapping/>
+  </p:clrMapOvr>
+  <mc:AlternateContent xmlns:mc="http://schemas.openxmlformats.org/markup-compatibility/2006" xmlns:p159="http://schemas.microsoft.com/office/powerpoint/2015/09/main">
+    <mc:Choice Requires="p159">
+      <p:transition>
+        <p159:morph option="byObject"/>
+      </p:transition>
+    </mc:Choice>
+    <mc:Fallback xmlns="">
+      <p:transition>
+        <p:fade/>
+      </p:transition>
+    </mc:Fallback>
+  </mc:AlternateContent>
+</p:sld>
+</file>
+
+<file path=ppt/slides/slide13.xml><?xml version="1.0" encoding="utf-8"?>
+<p:sld xmlns:a="http://schemas.openxmlformats.org/drawingml/2006/main" xmlns:r="http://schemas.openxmlformats.org/officeDocument/2006/relationships" xmlns:p="http://schemas.openxmlformats.org/presentationml/2006/main">
+  <p:cSld>
+    <p:spTree>
+      <p:nvGrpSpPr>
+        <p:cNvPr id="1" name=""/>
+        <p:cNvGrpSpPr/>
+        <p:nvPr/>
+      </p:nvGrpSpPr>
+      <p:grpSpPr>
+        <a:xfrm>
+          <a:off x="0" y="0"/>
+          <a:ext cx="0" cy="0"/>
+          <a:chOff x="0" y="0"/>
+          <a:chExt cx="0" cy="0"/>
+        </a:xfrm>
+      </p:grpSpPr>
+      <p:pic>
+        <p:nvPicPr>
+          <p:cNvPr id="2" name="图片 1">
+            <a:extLst>
+              <a:ext uri="{FF2B5EF4-FFF2-40B4-BE49-F238E27FC236}">
+                <a16:creationId xmlns:a16="http://schemas.microsoft.com/office/drawing/2014/main" id="{6DDF9463-ABE6-88D8-BFE1-8734C30DC238}"/>
+              </a:ext>
+            </a:extLst>
+          </p:cNvPr>
+          <p:cNvPicPr>
+            <a:picLocks noChangeAspect="1"/>
+          </p:cNvPicPr>
+          <p:nvPr/>
+        </p:nvPicPr>
+        <p:blipFill rotWithShape="1">
+          <a:blip r:embed="rId2" cstate="print">
+            <a:extLst>
+              <a:ext uri="{28A0092B-C50C-407E-A947-70E740481C1C}">
+                <a14:useLocalDpi xmlns:a14="http://schemas.microsoft.com/office/drawing/2010/main" val="0"/>
+              </a:ext>
+            </a:extLst>
+          </a:blip>
+          <a:srcRect b="87581"/>
+          <a:stretch/>
+        </p:blipFill>
+        <p:spPr>
+          <a:xfrm>
+            <a:off x="0" y="0"/>
+            <a:ext cx="12192000" cy="851712"/>
+          </a:xfrm>
+          <a:prstGeom prst="rect">
+            <a:avLst/>
+          </a:prstGeom>
+        </p:spPr>
+      </p:pic>
+      <p:sp>
+        <p:nvSpPr>
+          <p:cNvPr id="3" name="TextBox 294">
+            <a:extLst>
+              <a:ext uri="{FF2B5EF4-FFF2-40B4-BE49-F238E27FC236}">
+                <a16:creationId xmlns:a16="http://schemas.microsoft.com/office/drawing/2014/main" id="{2737FE5B-DF2D-2AF9-695F-A8EA8C99D57E}"/>
+              </a:ext>
+            </a:extLst>
+          </p:cNvPr>
+          <p:cNvSpPr txBox="1"/>
+          <p:nvPr/>
+        </p:nvSpPr>
+        <p:spPr>
+          <a:xfrm>
+            <a:off x="3510909" y="401708"/>
+            <a:ext cx="4821839" cy="295528"/>
+          </a:xfrm>
+          <a:prstGeom prst="rect">
+            <a:avLst/>
+          </a:prstGeom>
+          <a:noFill/>
+        </p:spPr>
+        <p:txBody>
+          <a:bodyPr wrap="none" lIns="360000" tIns="0" rIns="0" bIns="0" anchor="b" anchorCtr="0">
+            <a:noAutofit/>
+          </a:bodyPr>
+          <a:lstStyle/>
+          <a:p>
+            <a:pPr marL="0" marR="0" lvl="0" indent="0" algn="ctr" defTabSz="914400" eaLnBrk="1" fontAlgn="auto" latinLnBrk="0" hangingPunct="1">
+              <a:lnSpc>
+                <a:spcPct val="100000"/>
+              </a:lnSpc>
+              <a:spcBef>
+                <a:spcPts val="0"/>
+              </a:spcBef>
+              <a:spcAft>
+                <a:spcPts val="0"/>
+              </a:spcAft>
+              <a:buClrTx/>
+              <a:buSzTx/>
+              <a:buFontTx/>
+              <a:buNone/>
+              <a:tabLst/>
+              <a:defRPr/>
+            </a:pPr>
+            <a:r>
+              <a:rPr kumimoji="0" lang="en-US" altLang="zh-CN" sz="3200" b="1" i="0" u="none" strike="noStrike" kern="0" cap="none" normalizeH="0" baseline="0" noProof="0" dirty="0">
+                <a:ln>
+                  <a:noFill/>
+                </a:ln>
+                <a:solidFill>
+                  <a:schemeClr val="bg1"/>
+                </a:solidFill>
+                <a:effectLst/>
+                <a:uLnTx/>
+                <a:uFillTx/>
+                <a:latin typeface="微软雅黑" panose="020B0503020204020204" pitchFamily="34" charset="-122"/>
+                <a:ea typeface="微软雅黑" panose="020B0503020204020204" pitchFamily="34" charset="-122"/>
+                <a:cs typeface="+mn-ea"/>
+                <a:sym typeface="+mn-lt"/>
+              </a:rPr>
+              <a:t>BACKGROUND</a:t>
+            </a:r>
+            <a:endParaRPr kumimoji="0" lang="zh-CN" altLang="en-US" sz="3200" b="1" i="0" u="none" strike="noStrike" kern="0" cap="none" normalizeH="0" baseline="0" noProof="0" dirty="0">
+              <a:ln>
+                <a:noFill/>
+              </a:ln>
+              <a:solidFill>
+                <a:schemeClr val="bg1"/>
+              </a:solidFill>
+              <a:effectLst/>
+              <a:uLnTx/>
+              <a:uFillTx/>
+              <a:latin typeface="微软雅黑" panose="020B0503020204020204" pitchFamily="34" charset="-122"/>
+              <a:ea typeface="微软雅黑" panose="020B0503020204020204" pitchFamily="34" charset="-122"/>
+              <a:cs typeface="+mn-ea"/>
+              <a:sym typeface="+mn-lt"/>
+            </a:endParaRPr>
+          </a:p>
+        </p:txBody>
+      </p:sp>
+      <p:pic>
+        <p:nvPicPr>
+          <p:cNvPr id="5" name="图片 4">
+            <a:extLst>
+              <a:ext uri="{FF2B5EF4-FFF2-40B4-BE49-F238E27FC236}">
+                <a16:creationId xmlns:a16="http://schemas.microsoft.com/office/drawing/2014/main" id="{F0EB64D8-32F4-742C-4FDC-1F7314B20D7E}"/>
+              </a:ext>
+            </a:extLst>
+          </p:cNvPr>
+          <p:cNvPicPr>
+            <a:picLocks noChangeAspect="1"/>
+          </p:cNvPicPr>
+          <p:nvPr/>
+        </p:nvPicPr>
+        <p:blipFill rotWithShape="1">
+          <a:blip r:embed="rId3"/>
+          <a:srcRect b="8224"/>
+          <a:stretch/>
+        </p:blipFill>
+        <p:spPr>
+          <a:xfrm>
+            <a:off x="3445200" y="1263525"/>
+            <a:ext cx="8005583" cy="3691713"/>
+          </a:xfrm>
+          <a:prstGeom prst="rect">
+            <a:avLst/>
+          </a:prstGeom>
+        </p:spPr>
+      </p:pic>
+      <p:sp>
+        <p:nvSpPr>
+          <p:cNvPr id="9" name="箭头: 右 8">
+            <a:extLst>
+              <a:ext uri="{FF2B5EF4-FFF2-40B4-BE49-F238E27FC236}">
+                <a16:creationId xmlns:a16="http://schemas.microsoft.com/office/drawing/2014/main" id="{A09A998C-842B-5B91-28FD-4CFEF9FC486D}"/>
+              </a:ext>
+            </a:extLst>
+          </p:cNvPr>
+          <p:cNvSpPr/>
+          <p:nvPr/>
+        </p:nvSpPr>
+        <p:spPr>
+          <a:xfrm>
+            <a:off x="0" y="4838045"/>
+            <a:ext cx="12192000" cy="572941"/>
+          </a:xfrm>
+          <a:prstGeom prst="rightArrow">
+            <a:avLst>
+              <a:gd name="adj1" fmla="val 43558"/>
+              <a:gd name="adj2" fmla="val 124641"/>
+            </a:avLst>
+          </a:prstGeom>
+          <a:gradFill flip="none" rotWithShape="1">
+            <a:gsLst>
+              <a:gs pos="0">
+                <a:srgbClr val="FFC000"/>
+              </a:gs>
+              <a:gs pos="100000">
+                <a:srgbClr val="FF0000"/>
+              </a:gs>
+            </a:gsLst>
+            <a:lin ang="0" scaled="1"/>
+            <a:tileRect/>
+          </a:gradFill>
+          <a:ln>
+            <a:noFill/>
+          </a:ln>
+        </p:spPr>
+        <p:style>
+          <a:lnRef idx="2">
+            <a:schemeClr val="accent1">
+              <a:shade val="50000"/>
+            </a:schemeClr>
+          </a:lnRef>
+          <a:fillRef idx="1">
+            <a:schemeClr val="accent1"/>
+          </a:fillRef>
+          <a:effectRef idx="0">
+            <a:schemeClr val="accent1"/>
+          </a:effectRef>
+          <a:fontRef idx="minor">
+            <a:schemeClr val="lt1"/>
+          </a:fontRef>
+        </p:style>
+        <p:txBody>
+          <a:bodyPr rtlCol="0" anchor="ctr"/>
+          <a:lstStyle/>
+          <a:p>
+            <a:pPr algn="ctr"/>
+            <a:endParaRPr lang="zh-CN" altLang="en-US"/>
+          </a:p>
+        </p:txBody>
+      </p:sp>
+      <p:sp>
+        <p:nvSpPr>
+          <p:cNvPr id="12" name="文本框 11">
+            <a:extLst>
+              <a:ext uri="{FF2B5EF4-FFF2-40B4-BE49-F238E27FC236}">
+                <a16:creationId xmlns:a16="http://schemas.microsoft.com/office/drawing/2014/main" id="{F4FA63FF-64F2-C9A6-6854-933CB775A889}"/>
+              </a:ext>
+            </a:extLst>
+          </p:cNvPr>
+          <p:cNvSpPr txBox="1"/>
+          <p:nvPr/>
+        </p:nvSpPr>
+        <p:spPr>
+          <a:xfrm>
+            <a:off x="4130117" y="4955238"/>
+            <a:ext cx="772998" cy="338554"/>
+          </a:xfrm>
+          <a:prstGeom prst="rect">
+            <a:avLst/>
+          </a:prstGeom>
+          <a:noFill/>
+        </p:spPr>
+        <p:txBody>
+          <a:bodyPr wrap="square" rtlCol="0">
+            <a:spAutoFit/>
+          </a:bodyPr>
+          <a:lstStyle/>
+          <a:p>
+            <a:r>
+              <a:rPr lang="en-US" altLang="zh-CN" sz="1600" dirty="0">
+                <a:latin typeface="Arial Black" panose="020B0A04020102020204" pitchFamily="34" charset="0"/>
+              </a:rPr>
+              <a:t>2014</a:t>
+            </a:r>
+            <a:endParaRPr lang="zh-CN" altLang="en-US" sz="1600" dirty="0">
+              <a:latin typeface="Arial Black" panose="020B0A04020102020204" pitchFamily="34" charset="0"/>
+            </a:endParaRPr>
+          </a:p>
+        </p:txBody>
+      </p:sp>
+      <p:sp>
+        <p:nvSpPr>
+          <p:cNvPr id="13" name="文本框 12">
+            <a:extLst>
+              <a:ext uri="{FF2B5EF4-FFF2-40B4-BE49-F238E27FC236}">
+                <a16:creationId xmlns:a16="http://schemas.microsoft.com/office/drawing/2014/main" id="{4D72FE2F-01B0-1B39-DC9C-5219CF7B0997}"/>
+              </a:ext>
+            </a:extLst>
+          </p:cNvPr>
+          <p:cNvSpPr txBox="1"/>
+          <p:nvPr/>
+        </p:nvSpPr>
+        <p:spPr>
+          <a:xfrm>
+            <a:off x="6594832" y="4955238"/>
+            <a:ext cx="772998" cy="338554"/>
+          </a:xfrm>
+          <a:prstGeom prst="rect">
+            <a:avLst/>
+          </a:prstGeom>
+          <a:noFill/>
+        </p:spPr>
+        <p:txBody>
+          <a:bodyPr wrap="square" rtlCol="0">
+            <a:spAutoFit/>
+          </a:bodyPr>
+          <a:lstStyle/>
+          <a:p>
+            <a:r>
+              <a:rPr lang="en-US" altLang="zh-CN" sz="1600" dirty="0">
+                <a:latin typeface="Arial Black" panose="020B0A04020102020204" pitchFamily="34" charset="0"/>
+              </a:rPr>
+              <a:t>2017</a:t>
+            </a:r>
+            <a:endParaRPr lang="zh-CN" altLang="en-US" sz="1600" dirty="0">
+              <a:latin typeface="Arial Black" panose="020B0A04020102020204" pitchFamily="34" charset="0"/>
+            </a:endParaRPr>
+          </a:p>
+        </p:txBody>
+      </p:sp>
+      <p:sp>
+        <p:nvSpPr>
+          <p:cNvPr id="14" name="文本框 13">
+            <a:extLst>
+              <a:ext uri="{FF2B5EF4-FFF2-40B4-BE49-F238E27FC236}">
+                <a16:creationId xmlns:a16="http://schemas.microsoft.com/office/drawing/2014/main" id="{32F9F7A6-EB8C-F758-F46F-C5A5673A224E}"/>
+              </a:ext>
+            </a:extLst>
+          </p:cNvPr>
+          <p:cNvSpPr txBox="1"/>
+          <p:nvPr/>
+        </p:nvSpPr>
+        <p:spPr>
+          <a:xfrm>
+            <a:off x="9921716" y="4955238"/>
+            <a:ext cx="772998" cy="338554"/>
+          </a:xfrm>
+          <a:prstGeom prst="rect">
+            <a:avLst/>
+          </a:prstGeom>
+          <a:noFill/>
+        </p:spPr>
+        <p:txBody>
+          <a:bodyPr wrap="square" rtlCol="0">
+            <a:spAutoFit/>
+          </a:bodyPr>
+          <a:lstStyle/>
+          <a:p>
+            <a:r>
+              <a:rPr lang="en-US" altLang="zh-CN" sz="1600" dirty="0">
+                <a:latin typeface="Arial Black" panose="020B0A04020102020204" pitchFamily="34" charset="0"/>
+              </a:rPr>
+              <a:t>2021</a:t>
+            </a:r>
+            <a:endParaRPr lang="zh-CN" altLang="en-US" sz="1600" dirty="0">
+              <a:latin typeface="Arial Black" panose="020B0A04020102020204" pitchFamily="34" charset="0"/>
+            </a:endParaRPr>
+          </a:p>
+        </p:txBody>
+      </p:sp>
+      <p:pic>
+        <p:nvPicPr>
+          <p:cNvPr id="1032" name="Picture 8">
+            <a:extLst>
+              <a:ext uri="{FF2B5EF4-FFF2-40B4-BE49-F238E27FC236}">
+                <a16:creationId xmlns:a16="http://schemas.microsoft.com/office/drawing/2014/main" id="{3A99FFB5-21EE-DB99-AE15-52B396244644}"/>
+              </a:ext>
+            </a:extLst>
+          </p:cNvPr>
+          <p:cNvPicPr>
+            <a:picLocks noChangeAspect="1" noChangeArrowheads="1"/>
+          </p:cNvPicPr>
+          <p:nvPr/>
+        </p:nvPicPr>
+        <p:blipFill>
+          <a:blip r:embed="rId4" cstate="print">
+            <a:clrChange>
+              <a:clrFrom>
+                <a:srgbClr val="FFFFFF"/>
+              </a:clrFrom>
+              <a:clrTo>
+                <a:srgbClr val="FFFFFF">
+                  <a:alpha val="0"/>
+                </a:srgbClr>
+              </a:clrTo>
+            </a:clrChange>
+            <a:extLst>
+              <a:ext uri="{28A0092B-C50C-407E-A947-70E740481C1C}">
+                <a14:useLocalDpi xmlns:a14="http://schemas.microsoft.com/office/drawing/2010/main" val="0"/>
+              </a:ext>
+            </a:extLst>
+          </a:blip>
+          <a:srcRect/>
+          <a:stretch>
+            <a:fillRect/>
+          </a:stretch>
+        </p:blipFill>
+        <p:spPr bwMode="auto">
+          <a:xfrm>
+            <a:off x="764353" y="2511784"/>
+            <a:ext cx="1371517" cy="1361166"/>
+          </a:xfrm>
+          <a:prstGeom prst="rect">
+            <a:avLst/>
+          </a:prstGeom>
+          <a:noFill/>
+          <a:extLst>
+            <a:ext uri="{909E8E84-426E-40DD-AFC4-6F175D3DCCD1}">
+              <a14:hiddenFill xmlns:a14="http://schemas.microsoft.com/office/drawing/2010/main">
+                <a:solidFill>
+                  <a:srgbClr val="FFFFFF"/>
+                </a:solidFill>
+              </a14:hiddenFill>
+            </a:ext>
+          </a:extLst>
+        </p:spPr>
+      </p:pic>
+      <p:sp>
+        <p:nvSpPr>
+          <p:cNvPr id="22" name="文本框 21">
+            <a:extLst>
+              <a:ext uri="{FF2B5EF4-FFF2-40B4-BE49-F238E27FC236}">
+                <a16:creationId xmlns:a16="http://schemas.microsoft.com/office/drawing/2014/main" id="{15A39E91-F457-8140-8CE0-4F454B0A52A2}"/>
+              </a:ext>
+            </a:extLst>
+          </p:cNvPr>
+          <p:cNvSpPr txBox="1"/>
+          <p:nvPr/>
+        </p:nvSpPr>
+        <p:spPr>
+          <a:xfrm>
+            <a:off x="514743" y="4960998"/>
+            <a:ext cx="772998" cy="338554"/>
+          </a:xfrm>
+          <a:prstGeom prst="rect">
+            <a:avLst/>
+          </a:prstGeom>
+          <a:noFill/>
+        </p:spPr>
+        <p:txBody>
+          <a:bodyPr wrap="square" rtlCol="0">
+            <a:spAutoFit/>
+          </a:bodyPr>
+          <a:lstStyle/>
+          <a:p>
+            <a:r>
+              <a:rPr lang="en-US" altLang="zh-CN" sz="1600" dirty="0">
+                <a:latin typeface="Arial Black" panose="020B0A04020102020204" pitchFamily="34" charset="0"/>
+              </a:rPr>
+              <a:t>2009</a:t>
+            </a:r>
+            <a:endParaRPr lang="zh-CN" altLang="en-US" sz="1600" dirty="0">
+              <a:latin typeface="Arial Black" panose="020B0A04020102020204" pitchFamily="34" charset="0"/>
+            </a:endParaRPr>
+          </a:p>
+        </p:txBody>
+      </p:sp>
+      <p:pic>
+        <p:nvPicPr>
+          <p:cNvPr id="23" name="图片 22">
+            <a:extLst>
+              <a:ext uri="{FF2B5EF4-FFF2-40B4-BE49-F238E27FC236}">
+                <a16:creationId xmlns:a16="http://schemas.microsoft.com/office/drawing/2014/main" id="{94A99855-E695-2E91-2769-F06A7CF5C9C6}"/>
+              </a:ext>
+            </a:extLst>
+          </p:cNvPr>
+          <p:cNvPicPr>
+            <a:picLocks noChangeAspect="1"/>
+          </p:cNvPicPr>
+          <p:nvPr/>
+        </p:nvPicPr>
+        <p:blipFill rotWithShape="1">
+          <a:blip r:embed="rId5" cstate="print">
+            <a:extLst>
+              <a:ext uri="{28A0092B-C50C-407E-A947-70E740481C1C}">
+                <a14:useLocalDpi xmlns:a14="http://schemas.microsoft.com/office/drawing/2010/main" val="0"/>
+              </a:ext>
+            </a:extLst>
+          </a:blip>
+          <a:srcRect l="3638" t="18333" r="54548"/>
+          <a:stretch/>
+        </p:blipFill>
+        <p:spPr>
+          <a:xfrm flipH="1">
+            <a:off x="271742" y="3011607"/>
+            <a:ext cx="1390803" cy="1943631"/>
+          </a:xfrm>
+          <a:prstGeom prst="rect">
+            <a:avLst/>
+          </a:prstGeom>
+        </p:spPr>
+      </p:pic>
+      <p:sp>
+        <p:nvSpPr>
+          <p:cNvPr id="24" name="文本框 23">
+            <a:extLst>
+              <a:ext uri="{FF2B5EF4-FFF2-40B4-BE49-F238E27FC236}">
+                <a16:creationId xmlns:a16="http://schemas.microsoft.com/office/drawing/2014/main" id="{3718BB5C-4EE7-9B2F-C443-E4601BDD8048}"/>
+              </a:ext>
+            </a:extLst>
+          </p:cNvPr>
+          <p:cNvSpPr txBox="1"/>
+          <p:nvPr/>
+        </p:nvSpPr>
+        <p:spPr>
+          <a:xfrm>
+            <a:off x="0" y="2715507"/>
+            <a:ext cx="2543820" cy="369332"/>
+          </a:xfrm>
+          <a:prstGeom prst="rect">
+            <a:avLst/>
+          </a:prstGeom>
+          <a:noFill/>
+        </p:spPr>
+        <p:txBody>
+          <a:bodyPr wrap="square">
+            <a:spAutoFit/>
+          </a:bodyPr>
+          <a:lstStyle/>
+          <a:p>
+            <a:r>
+              <a:rPr lang="en-US" altLang="zh-CN" b="0" i="0" dirty="0">
+                <a:solidFill>
+                  <a:srgbClr val="333333"/>
+                </a:solidFill>
+                <a:effectLst/>
+                <a:latin typeface="Arial Black" panose="020B0A04020102020204" pitchFamily="34" charset="0"/>
+              </a:rPr>
+              <a:t>Satoshi Nakamoto</a:t>
+            </a:r>
+            <a:endParaRPr lang="zh-CN" altLang="en-US" dirty="0">
+              <a:latin typeface="Arial Black" panose="020B0A04020102020204" pitchFamily="34" charset="0"/>
+            </a:endParaRPr>
+          </a:p>
+        </p:txBody>
+      </p:sp>
+    </p:spTree>
+    <p:extLst>
+      <p:ext uri="{BB962C8B-B14F-4D97-AF65-F5344CB8AC3E}">
+        <p14:creationId xmlns:p14="http://schemas.microsoft.com/office/powerpoint/2010/main" val="2152961318"/>
+      </p:ext>
+    </p:extLst>
+  </p:cSld>
+  <p:clrMapOvr>
+    <a:masterClrMapping/>
+  </p:clrMapOvr>
+  <mc:AlternateContent xmlns:mc="http://schemas.openxmlformats.org/markup-compatibility/2006" xmlns:p159="http://schemas.microsoft.com/office/powerpoint/2015/09/main">
+    <mc:Choice Requires="p159">
+      <p:transition>
+        <p159:morph option="byObject"/>
+      </p:transition>
+    </mc:Choice>
+    <mc:Fallback xmlns="">
+      <p:transition>
+        <p:fade/>
+      </p:transition>
+    </mc:Fallback>
+  </mc:AlternateContent>
+</p:sld>
+</file>
+
+<file path=ppt/slides/slide14.xml><?xml version="1.0" encoding="utf-8"?>
+<p:sld xmlns:a="http://schemas.openxmlformats.org/drawingml/2006/main" xmlns:r="http://schemas.openxmlformats.org/officeDocument/2006/relationships" xmlns:p="http://schemas.openxmlformats.org/presentationml/2006/main">
+  <p:cSld>
+    <p:spTree>
+      <p:nvGrpSpPr>
+        <p:cNvPr id="1" name=""/>
+        <p:cNvGrpSpPr/>
+        <p:nvPr/>
+      </p:nvGrpSpPr>
+      <p:grpSpPr>
+        <a:xfrm>
+          <a:off x="0" y="0"/>
+          <a:ext cx="0" cy="0"/>
+          <a:chOff x="0" y="0"/>
+          <a:chExt cx="0" cy="0"/>
+        </a:xfrm>
+      </p:grpSpPr>
+      <p:pic>
+        <p:nvPicPr>
+          <p:cNvPr id="2" name="图片 1">
+            <a:extLst>
+              <a:ext uri="{FF2B5EF4-FFF2-40B4-BE49-F238E27FC236}">
+                <a16:creationId xmlns:a16="http://schemas.microsoft.com/office/drawing/2014/main" id="{6DDF9463-ABE6-88D8-BFE1-8734C30DC238}"/>
+              </a:ext>
+            </a:extLst>
+          </p:cNvPr>
+          <p:cNvPicPr>
+            <a:picLocks noChangeAspect="1"/>
+          </p:cNvPicPr>
+          <p:nvPr/>
+        </p:nvPicPr>
+        <p:blipFill rotWithShape="1">
+          <a:blip r:embed="rId2" cstate="print">
+            <a:extLst>
+              <a:ext uri="{28A0092B-C50C-407E-A947-70E740481C1C}">
+                <a14:useLocalDpi xmlns:a14="http://schemas.microsoft.com/office/drawing/2010/main" val="0"/>
+              </a:ext>
+            </a:extLst>
+          </a:blip>
+          <a:srcRect b="87581"/>
+          <a:stretch/>
+        </p:blipFill>
+        <p:spPr>
+          <a:xfrm>
+            <a:off x="0" y="0"/>
+            <a:ext cx="12192000" cy="851712"/>
+          </a:xfrm>
+          <a:prstGeom prst="rect">
+            <a:avLst/>
+          </a:prstGeom>
+        </p:spPr>
+      </p:pic>
+      <p:sp>
+        <p:nvSpPr>
+          <p:cNvPr id="3" name="TextBox 294">
+            <a:extLst>
+              <a:ext uri="{FF2B5EF4-FFF2-40B4-BE49-F238E27FC236}">
+                <a16:creationId xmlns:a16="http://schemas.microsoft.com/office/drawing/2014/main" id="{2737FE5B-DF2D-2AF9-695F-A8EA8C99D57E}"/>
+              </a:ext>
+            </a:extLst>
+          </p:cNvPr>
+          <p:cNvSpPr txBox="1"/>
+          <p:nvPr/>
+        </p:nvSpPr>
+        <p:spPr>
+          <a:xfrm>
+            <a:off x="3510909" y="401708"/>
+            <a:ext cx="4821839" cy="295528"/>
+          </a:xfrm>
+          <a:prstGeom prst="rect">
+            <a:avLst/>
+          </a:prstGeom>
+          <a:noFill/>
+        </p:spPr>
+        <p:txBody>
+          <a:bodyPr wrap="none" lIns="360000" tIns="0" rIns="0" bIns="0" anchor="b" anchorCtr="0">
+            <a:noAutofit/>
+          </a:bodyPr>
+          <a:lstStyle/>
+          <a:p>
+            <a:pPr marL="0" marR="0" lvl="0" indent="0" algn="ctr" defTabSz="914400" eaLnBrk="1" fontAlgn="auto" latinLnBrk="0" hangingPunct="1">
+              <a:lnSpc>
+                <a:spcPct val="100000"/>
+              </a:lnSpc>
+              <a:spcBef>
+                <a:spcPts val="0"/>
+              </a:spcBef>
+              <a:spcAft>
+                <a:spcPts val="0"/>
+              </a:spcAft>
+              <a:buClrTx/>
+              <a:buSzTx/>
+              <a:buFontTx/>
+              <a:buNone/>
+              <a:tabLst/>
+              <a:defRPr/>
+            </a:pPr>
+            <a:r>
+              <a:rPr kumimoji="0" lang="en-US" altLang="zh-CN" sz="3200" b="1" i="0" u="none" strike="noStrike" kern="0" cap="none" normalizeH="0" baseline="0" noProof="0" dirty="0">
+                <a:ln>
+                  <a:noFill/>
+                </a:ln>
+                <a:solidFill>
+                  <a:schemeClr val="bg1"/>
+                </a:solidFill>
+                <a:effectLst/>
+                <a:uLnTx/>
+                <a:uFillTx/>
+                <a:latin typeface="微软雅黑" panose="020B0503020204020204" pitchFamily="34" charset="-122"/>
+                <a:ea typeface="微软雅黑" panose="020B0503020204020204" pitchFamily="34" charset="-122"/>
+                <a:cs typeface="+mn-ea"/>
+                <a:sym typeface="+mn-lt"/>
+              </a:rPr>
+              <a:t>BACKGROUND</a:t>
+            </a:r>
+            <a:endParaRPr kumimoji="0" lang="zh-CN" altLang="en-US" sz="3200" b="1" i="0" u="none" strike="noStrike" kern="0" cap="none" normalizeH="0" baseline="0" noProof="0" dirty="0">
+              <a:ln>
+                <a:noFill/>
+              </a:ln>
+              <a:solidFill>
+                <a:schemeClr val="bg1"/>
+              </a:solidFill>
+              <a:effectLst/>
+              <a:uLnTx/>
+              <a:uFillTx/>
+              <a:latin typeface="微软雅黑" panose="020B0503020204020204" pitchFamily="34" charset="-122"/>
+              <a:ea typeface="微软雅黑" panose="020B0503020204020204" pitchFamily="34" charset="-122"/>
+              <a:cs typeface="+mn-ea"/>
+              <a:sym typeface="+mn-lt"/>
+            </a:endParaRPr>
+          </a:p>
+        </p:txBody>
+      </p:sp>
+      <p:pic>
+        <p:nvPicPr>
+          <p:cNvPr id="5" name="图片 4">
+            <a:extLst>
+              <a:ext uri="{FF2B5EF4-FFF2-40B4-BE49-F238E27FC236}">
+                <a16:creationId xmlns:a16="http://schemas.microsoft.com/office/drawing/2014/main" id="{F0EB64D8-32F4-742C-4FDC-1F7314B20D7E}"/>
+              </a:ext>
+            </a:extLst>
+          </p:cNvPr>
+          <p:cNvPicPr>
+            <a:picLocks noChangeAspect="1"/>
+          </p:cNvPicPr>
+          <p:nvPr/>
+        </p:nvPicPr>
+        <p:blipFill rotWithShape="1">
+          <a:blip r:embed="rId3"/>
+          <a:srcRect b="8224"/>
+          <a:stretch/>
+        </p:blipFill>
+        <p:spPr>
+          <a:xfrm>
+            <a:off x="3445200" y="1263525"/>
+            <a:ext cx="8005583" cy="3691713"/>
+          </a:xfrm>
+          <a:prstGeom prst="rect">
+            <a:avLst/>
+          </a:prstGeom>
+        </p:spPr>
+      </p:pic>
+      <p:sp>
+        <p:nvSpPr>
+          <p:cNvPr id="9" name="箭头: 右 8">
+            <a:extLst>
+              <a:ext uri="{FF2B5EF4-FFF2-40B4-BE49-F238E27FC236}">
+                <a16:creationId xmlns:a16="http://schemas.microsoft.com/office/drawing/2014/main" id="{A09A998C-842B-5B91-28FD-4CFEF9FC486D}"/>
+              </a:ext>
+            </a:extLst>
+          </p:cNvPr>
+          <p:cNvSpPr/>
+          <p:nvPr/>
+        </p:nvSpPr>
+        <p:spPr>
+          <a:xfrm>
+            <a:off x="0" y="4838045"/>
+            <a:ext cx="12192000" cy="572941"/>
+          </a:xfrm>
+          <a:prstGeom prst="rightArrow">
+            <a:avLst>
+              <a:gd name="adj1" fmla="val 43558"/>
+              <a:gd name="adj2" fmla="val 124641"/>
+            </a:avLst>
+          </a:prstGeom>
+          <a:gradFill flip="none" rotWithShape="1">
+            <a:gsLst>
+              <a:gs pos="0">
+                <a:srgbClr val="FFC000"/>
+              </a:gs>
+              <a:gs pos="100000">
+                <a:srgbClr val="FF0000"/>
+              </a:gs>
+            </a:gsLst>
+            <a:lin ang="0" scaled="1"/>
+            <a:tileRect/>
+          </a:gradFill>
+          <a:ln>
+            <a:noFill/>
+          </a:ln>
+        </p:spPr>
+        <p:style>
+          <a:lnRef idx="2">
+            <a:schemeClr val="accent1">
+              <a:shade val="50000"/>
+            </a:schemeClr>
+          </a:lnRef>
+          <a:fillRef idx="1">
+            <a:schemeClr val="accent1"/>
+          </a:fillRef>
+          <a:effectRef idx="0">
+            <a:schemeClr val="accent1"/>
+          </a:effectRef>
+          <a:fontRef idx="minor">
+            <a:schemeClr val="lt1"/>
+          </a:fontRef>
+        </p:style>
+        <p:txBody>
+          <a:bodyPr rtlCol="0" anchor="ctr"/>
+          <a:lstStyle/>
+          <a:p>
+            <a:pPr algn="ctr"/>
+            <a:endParaRPr lang="zh-CN" altLang="en-US"/>
+          </a:p>
+        </p:txBody>
+      </p:sp>
+      <p:sp>
+        <p:nvSpPr>
+          <p:cNvPr id="12" name="文本框 11">
+            <a:extLst>
+              <a:ext uri="{FF2B5EF4-FFF2-40B4-BE49-F238E27FC236}">
+                <a16:creationId xmlns:a16="http://schemas.microsoft.com/office/drawing/2014/main" id="{F4FA63FF-64F2-C9A6-6854-933CB775A889}"/>
+              </a:ext>
+            </a:extLst>
+          </p:cNvPr>
+          <p:cNvSpPr txBox="1"/>
+          <p:nvPr/>
+        </p:nvSpPr>
+        <p:spPr>
+          <a:xfrm>
+            <a:off x="4130117" y="4955238"/>
+            <a:ext cx="772998" cy="338554"/>
+          </a:xfrm>
+          <a:prstGeom prst="rect">
+            <a:avLst/>
+          </a:prstGeom>
+          <a:noFill/>
+        </p:spPr>
+        <p:txBody>
+          <a:bodyPr wrap="square" rtlCol="0">
+            <a:spAutoFit/>
+          </a:bodyPr>
+          <a:lstStyle/>
+          <a:p>
+            <a:r>
+              <a:rPr lang="en-US" altLang="zh-CN" sz="1600" dirty="0">
+                <a:latin typeface="Arial Black" panose="020B0A04020102020204" pitchFamily="34" charset="0"/>
+              </a:rPr>
+              <a:t>2014</a:t>
+            </a:r>
+            <a:endParaRPr lang="zh-CN" altLang="en-US" sz="1600" dirty="0">
+              <a:latin typeface="Arial Black" panose="020B0A04020102020204" pitchFamily="34" charset="0"/>
+            </a:endParaRPr>
+          </a:p>
+        </p:txBody>
+      </p:sp>
+      <p:sp>
+        <p:nvSpPr>
+          <p:cNvPr id="13" name="文本框 12">
+            <a:extLst>
+              <a:ext uri="{FF2B5EF4-FFF2-40B4-BE49-F238E27FC236}">
+                <a16:creationId xmlns:a16="http://schemas.microsoft.com/office/drawing/2014/main" id="{4D72FE2F-01B0-1B39-DC9C-5219CF7B0997}"/>
+              </a:ext>
+            </a:extLst>
+          </p:cNvPr>
+          <p:cNvSpPr txBox="1"/>
+          <p:nvPr/>
+        </p:nvSpPr>
+        <p:spPr>
+          <a:xfrm>
+            <a:off x="6594832" y="4955238"/>
+            <a:ext cx="772998" cy="338554"/>
+          </a:xfrm>
+          <a:prstGeom prst="rect">
+            <a:avLst/>
+          </a:prstGeom>
+          <a:noFill/>
+        </p:spPr>
+        <p:txBody>
+          <a:bodyPr wrap="square" rtlCol="0">
+            <a:spAutoFit/>
+          </a:bodyPr>
+          <a:lstStyle/>
+          <a:p>
+            <a:r>
+              <a:rPr lang="en-US" altLang="zh-CN" sz="1600" dirty="0">
+                <a:latin typeface="Arial Black" panose="020B0A04020102020204" pitchFamily="34" charset="0"/>
+              </a:rPr>
+              <a:t>2017</a:t>
+            </a:r>
+            <a:endParaRPr lang="zh-CN" altLang="en-US" sz="1600" dirty="0">
+              <a:latin typeface="Arial Black" panose="020B0A04020102020204" pitchFamily="34" charset="0"/>
+            </a:endParaRPr>
+          </a:p>
+        </p:txBody>
+      </p:sp>
+      <p:sp>
+        <p:nvSpPr>
+          <p:cNvPr id="14" name="文本框 13">
+            <a:extLst>
+              <a:ext uri="{FF2B5EF4-FFF2-40B4-BE49-F238E27FC236}">
+                <a16:creationId xmlns:a16="http://schemas.microsoft.com/office/drawing/2014/main" id="{32F9F7A6-EB8C-F758-F46F-C5A5673A224E}"/>
+              </a:ext>
+            </a:extLst>
+          </p:cNvPr>
+          <p:cNvSpPr txBox="1"/>
+          <p:nvPr/>
+        </p:nvSpPr>
+        <p:spPr>
+          <a:xfrm>
+            <a:off x="9921716" y="4955238"/>
+            <a:ext cx="772998" cy="338554"/>
+          </a:xfrm>
+          <a:prstGeom prst="rect">
+            <a:avLst/>
+          </a:prstGeom>
+          <a:noFill/>
+        </p:spPr>
+        <p:txBody>
+          <a:bodyPr wrap="square" rtlCol="0">
+            <a:spAutoFit/>
+          </a:bodyPr>
+          <a:lstStyle/>
+          <a:p>
+            <a:r>
+              <a:rPr lang="en-US" altLang="zh-CN" sz="1600" dirty="0">
+                <a:latin typeface="Arial Black" panose="020B0A04020102020204" pitchFamily="34" charset="0"/>
+              </a:rPr>
+              <a:t>2021</a:t>
+            </a:r>
+            <a:endParaRPr lang="zh-CN" altLang="en-US" sz="1600" dirty="0">
+              <a:latin typeface="Arial Black" panose="020B0A04020102020204" pitchFamily="34" charset="0"/>
+            </a:endParaRPr>
+          </a:p>
+        </p:txBody>
+      </p:sp>
+      <p:sp>
+        <p:nvSpPr>
+          <p:cNvPr id="15" name="文本框 14">
+            <a:extLst>
+              <a:ext uri="{FF2B5EF4-FFF2-40B4-BE49-F238E27FC236}">
+                <a16:creationId xmlns:a16="http://schemas.microsoft.com/office/drawing/2014/main" id="{726008A6-DC08-91F6-E373-0B6984016F00}"/>
+              </a:ext>
+            </a:extLst>
+          </p:cNvPr>
+          <p:cNvSpPr txBox="1"/>
+          <p:nvPr/>
+        </p:nvSpPr>
+        <p:spPr>
+          <a:xfrm>
+            <a:off x="514743" y="4960998"/>
+            <a:ext cx="772998" cy="338554"/>
+          </a:xfrm>
+          <a:prstGeom prst="rect">
+            <a:avLst/>
+          </a:prstGeom>
+          <a:noFill/>
+        </p:spPr>
+        <p:txBody>
+          <a:bodyPr wrap="square" rtlCol="0">
+            <a:spAutoFit/>
+          </a:bodyPr>
+          <a:lstStyle/>
+          <a:p>
+            <a:r>
+              <a:rPr lang="en-US" altLang="zh-CN" sz="1600" dirty="0">
+                <a:latin typeface="Arial Black" panose="020B0A04020102020204" pitchFamily="34" charset="0"/>
+              </a:rPr>
+              <a:t>2009</a:t>
+            </a:r>
+            <a:endParaRPr lang="zh-CN" altLang="en-US" sz="1600" dirty="0">
+              <a:latin typeface="Arial Black" panose="020B0A04020102020204" pitchFamily="34" charset="0"/>
+            </a:endParaRPr>
+          </a:p>
+        </p:txBody>
+      </p:sp>
+      <p:pic>
+        <p:nvPicPr>
+          <p:cNvPr id="1032" name="Picture 8">
+            <a:extLst>
+              <a:ext uri="{FF2B5EF4-FFF2-40B4-BE49-F238E27FC236}">
+                <a16:creationId xmlns:a16="http://schemas.microsoft.com/office/drawing/2014/main" id="{3A99FFB5-21EE-DB99-AE15-52B396244644}"/>
+              </a:ext>
+            </a:extLst>
+          </p:cNvPr>
+          <p:cNvPicPr>
+            <a:picLocks noChangeAspect="1" noChangeArrowheads="1"/>
+          </p:cNvPicPr>
+          <p:nvPr/>
+        </p:nvPicPr>
+        <p:blipFill>
+          <a:blip r:embed="rId4" cstate="print">
+            <a:clrChange>
+              <a:clrFrom>
+                <a:srgbClr val="FFFFFF"/>
+              </a:clrFrom>
+              <a:clrTo>
+                <a:srgbClr val="FFFFFF">
+                  <a:alpha val="0"/>
+                </a:srgbClr>
+              </a:clrTo>
+            </a:clrChange>
+            <a:extLst>
+              <a:ext uri="{28A0092B-C50C-407E-A947-70E740481C1C}">
+                <a14:useLocalDpi xmlns:a14="http://schemas.microsoft.com/office/drawing/2010/main" val="0"/>
+              </a:ext>
+            </a:extLst>
+          </a:blip>
+          <a:srcRect/>
+          <a:stretch>
+            <a:fillRect/>
+          </a:stretch>
+        </p:blipFill>
+        <p:spPr bwMode="auto">
+          <a:xfrm>
+            <a:off x="3363988" y="4426232"/>
+            <a:ext cx="577298" cy="572941"/>
+          </a:xfrm>
+          <a:prstGeom prst="rect">
+            <a:avLst/>
+          </a:prstGeom>
+          <a:noFill/>
+          <a:extLst>
+            <a:ext uri="{909E8E84-426E-40DD-AFC4-6F175D3DCCD1}">
+              <a14:hiddenFill xmlns:a14="http://schemas.microsoft.com/office/drawing/2010/main">
+                <a:solidFill>
+                  <a:srgbClr val="FFFFFF"/>
+                </a:solidFill>
+              </a14:hiddenFill>
+            </a:ext>
+          </a:extLst>
+        </p:spPr>
+      </p:pic>
+      <p:pic>
+        <p:nvPicPr>
+          <p:cNvPr id="21" name="图片 20">
+            <a:extLst>
+              <a:ext uri="{FF2B5EF4-FFF2-40B4-BE49-F238E27FC236}">
+                <a16:creationId xmlns:a16="http://schemas.microsoft.com/office/drawing/2014/main" id="{34F2BEF5-0CF4-7DBC-CE7B-159969AC7729}"/>
+              </a:ext>
+            </a:extLst>
+          </p:cNvPr>
+          <p:cNvPicPr>
+            <a:picLocks noChangeAspect="1"/>
+          </p:cNvPicPr>
+          <p:nvPr/>
+        </p:nvPicPr>
+        <p:blipFill rotWithShape="1">
+          <a:blip r:embed="rId5" cstate="print">
+            <a:extLst>
+              <a:ext uri="{28A0092B-C50C-407E-A947-70E740481C1C}">
+                <a14:useLocalDpi xmlns:a14="http://schemas.microsoft.com/office/drawing/2010/main" val="0"/>
+              </a:ext>
+            </a:extLst>
+          </a:blip>
+          <a:srcRect l="3638" t="18333" r="54548"/>
+          <a:stretch/>
+        </p:blipFill>
+        <p:spPr>
+          <a:xfrm flipH="1">
+            <a:off x="271742" y="3011607"/>
+            <a:ext cx="1390803" cy="1943631"/>
+          </a:xfrm>
+          <a:prstGeom prst="rect">
+            <a:avLst/>
+          </a:prstGeom>
+        </p:spPr>
+      </p:pic>
+      <p:sp>
+        <p:nvSpPr>
+          <p:cNvPr id="6" name="文本框 5">
+            <a:extLst>
+              <a:ext uri="{FF2B5EF4-FFF2-40B4-BE49-F238E27FC236}">
+                <a16:creationId xmlns:a16="http://schemas.microsoft.com/office/drawing/2014/main" id="{1226797B-99F5-C133-E4D3-3D33F4B1C045}"/>
+              </a:ext>
+            </a:extLst>
+          </p:cNvPr>
+          <p:cNvSpPr txBox="1"/>
+          <p:nvPr/>
+        </p:nvSpPr>
+        <p:spPr>
+          <a:xfrm>
+            <a:off x="0" y="2715507"/>
+            <a:ext cx="2543820" cy="369332"/>
+          </a:xfrm>
+          <a:prstGeom prst="rect">
+            <a:avLst/>
+          </a:prstGeom>
+          <a:noFill/>
+        </p:spPr>
+        <p:txBody>
+          <a:bodyPr wrap="square">
+            <a:spAutoFit/>
+          </a:bodyPr>
+          <a:lstStyle/>
+          <a:p>
+            <a:r>
+              <a:rPr lang="en-US" altLang="zh-CN" b="0" i="0" dirty="0">
+                <a:solidFill>
+                  <a:srgbClr val="333333"/>
+                </a:solidFill>
+                <a:effectLst/>
+                <a:latin typeface="Arial Black" panose="020B0A04020102020204" pitchFamily="34" charset="0"/>
+              </a:rPr>
+              <a:t>Satoshi Nakamoto</a:t>
+            </a:r>
+            <a:endParaRPr lang="zh-CN" altLang="en-US" dirty="0">
+              <a:latin typeface="Arial Black" panose="020B0A04020102020204" pitchFamily="34" charset="0"/>
+            </a:endParaRPr>
+          </a:p>
+        </p:txBody>
+      </p:sp>
+    </p:spTree>
+    <p:extLst>
+      <p:ext uri="{BB962C8B-B14F-4D97-AF65-F5344CB8AC3E}">
+        <p14:creationId xmlns:p14="http://schemas.microsoft.com/office/powerpoint/2010/main" val="1079148516"/>
       </p:ext>
     </p:extLst>
   </p:cSld>
@@ -11376,11 +12245,778 @@
   </p:clrMapOvr>
   <mc:AlternateContent xmlns:mc="http://schemas.openxmlformats.org/markup-compatibility/2006">
     <mc:Choice xmlns:p159="http://schemas.microsoft.com/office/powerpoint/2015/09/main" Requires="p159">
+      <p:transition xmlns:p14="http://schemas.microsoft.com/office/powerpoint/2010/main" spd="slow" p14:dur="1500">
+        <p159:morph option="byObject"/>
+      </p:transition>
+    </mc:Choice>
+    <mc:Fallback>
+      <p:transition spd="slow">
+        <p:fade/>
+      </p:transition>
+    </mc:Fallback>
+  </mc:AlternateContent>
+  <p:timing>
+    <p:tnLst>
+      <p:par>
+        <p:cTn id="1" dur="indefinite" restart="never" nodeType="tmRoot">
+          <p:childTnLst>
+            <p:seq concurrent="1" nextAc="seek">
+              <p:cTn id="2" dur="indefinite" nodeType="mainSeq">
+                <p:childTnLst>
+                  <p:par>
+                    <p:cTn id="3" fill="hold">
+                      <p:stCondLst>
+                        <p:cond delay="indefinite"/>
+                      </p:stCondLst>
+                      <p:childTnLst>
+                        <p:par>
+                          <p:cTn id="4" fill="hold">
+                            <p:stCondLst>
+                              <p:cond delay="0"/>
+                            </p:stCondLst>
+                            <p:childTnLst>
+                              <p:par>
+                                <p:cTn id="5" presetID="0" presetClass="path" presetSubtype="0" accel="50000" decel="50000" fill="hold" nodeType="clickEffect">
+                                  <p:stCondLst>
+                                    <p:cond delay="0"/>
+                                  </p:stCondLst>
+                                  <p:childTnLst>
+                                    <p:animMotion origin="layout" path="M -0.00117 0.00254 L -0.00117 0.00277 C 0.01849 -0.00695 0.00625 -0.00324 0.03594 -0.00023 C 0.03867 -0.0007 0.04141 -0.00093 0.04427 -0.00162 C 0.04505 -0.00185 0.0457 -0.00301 0.04648 -0.00301 C 0.06823 -0.00116 0.07292 0.00023 0.09049 0.00393 L 0.1306 0.00254 C 0.13242 0.00231 0.13411 0.00162 0.13594 0.00115 L 0.14883 -0.00162 C 0.16992 -0.01088 0.14674 -0.00116 0.20716 -0.00023 C 0.21771 2.96296E-6 0.22838 -0.00093 0.23893 -0.00162 C 0.24857 -0.00209 0.25742 -0.00324 0.26693 -0.00417 C 0.26953 -0.00602 0.27266 -0.00625 0.27448 -0.00973 C 0.27552 -0.01135 0.27643 -0.01343 0.2776 -0.01505 C 0.27904 -0.01713 0.28112 -0.01806 0.28281 -0.01898 C 0.28581 -0.01783 0.2888 -0.01574 0.29193 -0.01898 C 0.29818 -0.0257 0.28906 -0.02547 0.2957 -0.02986 C 0.29766 -0.03102 0.29974 -0.03079 0.30182 -0.03125 C 0.30299 -0.03635 0.30404 -0.04051 0.30482 -0.04607 C 0.30573 -0.05185 0.30703 -0.07037 0.30716 -0.07153 C 0.30729 -0.07338 0.30768 -0.07523 0.30781 -0.07709 C 0.30794 -0.07801 0.30898 -0.09028 0.30937 -0.0919 C 0.30977 -0.09329 0.31042 -0.09445 0.31094 -0.09584 C 0.31172 -0.09815 0.3125 -0.10023 0.31315 -0.10255 C 0.31354 -0.10394 0.31367 -0.10533 0.31393 -0.10672 C 0.31406 -0.10787 0.31588 -0.11852 0.31615 -0.12153 C 0.31758 -0.13519 0.31615 -0.12662 0.31771 -0.13496 C 0.31849 -0.13264 0.3194 -0.13056 0.32005 -0.12824 C 0.32109 -0.12385 0.32305 -0.11482 0.32305 -0.11459 C 0.32331 -0.10718 0.32344 -0.09954 0.32383 -0.0919 C 0.32383 -0.09005 0.32396 -0.08797 0.32448 -0.08635 C 0.325 -0.08519 0.32604 -0.08473 0.32682 -0.0838 C 0.32708 -0.08148 0.32708 -0.07917 0.3276 -0.07709 C 0.32786 -0.07547 0.32865 -0.07431 0.32904 -0.07292 C 0.33294 -0.06111 0.32838 -0.07338 0.33216 -0.06343 C 0.33542 -0.06412 0.34219 -0.06644 0.3457 -0.06343 C 0.34648 -0.06297 0.34635 -0.06088 0.34648 -0.05949 C 0.34674 -0.05764 0.34674 -0.05579 0.34727 -0.05417 C 0.34896 -0.04815 0.34909 -0.04908 0.35182 -0.04746 L 0.35859 -0.04861 C 0.36068 -0.04908 0.36276 -0.05116 0.36471 -0.05 C 0.36575 -0.04954 0.36549 -0.0463 0.36615 -0.04468 C 0.36836 -0.03935 0.36875 -0.04051 0.37227 -0.03935 C 0.37305 -0.03843 0.3737 -0.03727 0.37448 -0.03658 C 0.37773 -0.03403 0.37969 -0.0338 0.38281 -0.03264 C 0.38997 -0.02454 0.38698 -0.02848 0.39193 -0.02176 C 0.39531 -0.02269 0.3987 -0.02269 0.40182 -0.02454 C 0.40286 -0.025 0.40325 -0.02732 0.40404 -0.02848 C 0.40495 -0.02963 0.40612 -0.03033 0.40716 -0.03125 C 0.40885 -0.04375 0.40638 -0.02824 0.41016 -0.04329 C 0.41055 -0.04491 0.41055 -0.04699 0.41094 -0.04861 C 0.41133 -0.05023 0.41445 -0.05764 0.41471 -0.0581 C 0.41497 -0.05949 0.41523 -0.06088 0.41549 -0.06227 C 0.41602 -0.06667 0.41615 -0.0713 0.41693 -0.0757 L 0.41849 -0.0838 C 0.41927 -0.08287 0.42005 -0.08218 0.4207 -0.08102 C 0.42161 -0.07986 0.42213 -0.07801 0.42305 -0.07709 C 0.42396 -0.07616 0.425 -0.07616 0.42604 -0.0757 C 0.4276 -0.07477 0.4306 -0.07292 0.4306 -0.07269 C 0.44713 -0.05185 0.44036 -0.05648 0.44883 -0.05139 C 0.44974 -0.05232 0.45104 -0.05278 0.45182 -0.05417 C 0.45664 -0.0625 0.45299 -0.06135 0.45794 -0.06898 C 0.45846 -0.06991 0.45937 -0.06991 0.46016 -0.07037 C 0.46224 -0.06829 0.46562 -0.06644 0.46693 -0.06227 C 0.46966 -0.05371 0.46667 -0.0551 0.4707 -0.05139 C 0.47148 -0.0507 0.47227 -0.05047 0.47305 -0.05 C 0.47331 -0.05139 0.47331 -0.05301 0.47383 -0.05417 C 0.47422 -0.05533 0.47721 -0.06042 0.47838 -0.06088 C 0.48086 -0.06181 0.48333 -0.06181 0.48594 -0.06227 C 0.48711 -0.06273 0.4888 -0.06181 0.48971 -0.06343 C 0.49128 -0.06644 0.49271 -0.07431 0.49271 -0.07408 C 0.49336 -0.07408 0.50234 -0.06898 0.50404 -0.07292 C 0.50534 -0.07593 0.50456 -0.0801 0.50482 -0.0838 C 0.50547 -0.09121 0.50534 -0.08935 0.50716 -0.09584 C 0.50755 -0.10093 0.50794 -0.10579 0.50859 -0.11065 C 0.50911 -0.11435 0.50963 -0.11783 0.51016 -0.12153 L 0.51094 -0.12685 C 0.5112 -0.13079 0.51133 -0.13496 0.51172 -0.13889 C 0.51198 -0.1419 0.51328 -0.14584 0.51393 -0.14838 C 0.51497 -0.16922 0.51471 -0.16968 0.51849 -0.1956 C 0.51875 -0.19723 0.51953 -0.19815 0.52005 -0.19954 C 0.52031 -0.20093 0.52044 -0.20232 0.5207 -0.20371 C 0.52122 -0.2051 0.52227 -0.20602 0.52227 -0.20764 C 0.52305 -0.22963 0.52253 -0.25162 0.52305 -0.27361 C 0.52305 -0.27547 0.52344 -0.27732 0.52383 -0.27917 C 0.52448 -0.2831 0.52526 -0.28704 0.52604 -0.29121 L 0.52682 -0.29514 C 0.52708 -0.31135 0.52682 -0.32755 0.5276 -0.34375 C 0.5276 -0.34537 0.52878 -0.3463 0.52904 -0.34769 C 0.5319 -0.35949 0.52708 -0.34653 0.53216 -0.35857 C 0.53268 -0.36135 0.5332 -0.36389 0.53359 -0.36667 C 0.53385 -0.36852 0.53398 -0.37037 0.53437 -0.37199 C 0.53477 -0.37385 0.53555 -0.37547 0.53594 -0.37732 C 0.5388 -0.39283 0.53581 -0.3838 0.53893 -0.39213 C 0.54062 -0.40139 0.5388 -0.39028 0.54049 -0.40695 C 0.54062 -0.40834 0.54102 -0.40973 0.54128 -0.41111 C 0.54154 -0.41297 0.54115 -0.41528 0.54193 -0.41644 C 0.54297 -0.41783 0.54453 -0.41736 0.5457 -0.41783 C 0.54596 -0.41598 0.54609 -0.41412 0.54648 -0.4125 C 0.54687 -0.41065 0.54792 -0.40903 0.54805 -0.40695 C 0.54818 -0.40139 0.54831 -0.3419 0.54961 -0.32223 C 0.54987 -0.31713 0.55052 -0.31227 0.55104 -0.30741 C 0.55182 -0.29375 0.55143 -0.29537 0.5526 -0.28449 C 0.55286 -0.28218 0.55312 -0.27986 0.55338 -0.27778 C 0.55352 -0.27593 0.55391 -0.27408 0.55404 -0.27223 C 0.55573 -0.25486 0.55352 -0.26806 0.55716 -0.2507 C 0.55742 -0.2463 0.55755 -0.24167 0.55794 -0.23727 C 0.55807 -0.23542 0.55859 -0.2301 0.55859 -0.23195 C 0.55924 -0.25209 0.55898 -0.27246 0.55937 -0.2926 C 0.55963 -0.30463 0.56029 -0.3169 0.56094 -0.32894 C 0.56094 -0.32871 0.56211 -0.34028 0.56237 -0.34098 C 0.56289 -0.34236 0.56393 -0.34283 0.56471 -0.34375 C 0.56549 -0.3419 0.56641 -0.34028 0.56693 -0.33843 C 0.56745 -0.33658 0.56745 -0.33473 0.56771 -0.33287 C 0.56797 -0.33148 0.56836 -0.33033 0.56849 -0.32894 C 0.56901 -0.32454 0.56953 -0.31991 0.57005 -0.31551 C 0.57057 -0.34815 0.56927 -0.38125 0.57148 -0.41366 C 0.57422 -0.45278 0.5707 -0.40463 0.57305 -0.43125 C 0.57331 -0.43496 0.57292 -0.43866 0.57383 -0.44213 C 0.57409 -0.44329 0.57526 -0.44306 0.57604 -0.44329 C 0.57708 -0.44167 0.57852 -0.44028 0.57904 -0.43797 C 0.57982 -0.43565 0.57956 -0.43264 0.57982 -0.42986 C 0.58021 -0.42755 0.58177 -0.42037 0.58216 -0.41922 C 0.58242 -0.41412 0.58255 -0.40926 0.58294 -0.4044 C 0.58307 -0.40162 0.58346 -0.39908 0.58359 -0.3963 C 0.58437 -0.38588 0.58424 -0.38287 0.58516 -0.37338 C 0.58529 -0.37153 0.58568 -0.36968 0.58594 -0.36806 C 0.5862 -0.36528 0.58646 -0.3625 0.58672 -0.35996 C 0.58763 -0.35023 0.5875 -0.35278 0.58971 -0.34098 L 0.59049 -0.33704 C 0.59206 -0.30973 0.58997 -0.33473 0.59271 -0.31551 C 0.5931 -0.31273 0.59323 -0.30996 0.59349 -0.30741 C 0.59401 -0.30278 0.5944 -0.29838 0.59505 -0.29398 C 0.59544 -0.29121 0.59596 -0.28843 0.59648 -0.28588 C 0.59805 -0.2875 0.59987 -0.28866 0.60104 -0.29121 C 0.60195 -0.29306 0.60234 -0.2956 0.6026 -0.29792 C 0.60338 -0.30463 0.60365 -0.31135 0.60404 -0.31806 C 0.60456 -0.31551 0.60534 -0.31273 0.6056 -0.30996 C 0.60612 -0.30602 0.60599 -0.30185 0.60638 -0.29792 C 0.60677 -0.29375 0.60742 -0.28982 0.60794 -0.28588 C 0.6082 -0.28125 0.6082 -0.27685 0.60859 -0.27223 C 0.60898 -0.26875 0.60963 -0.26505 0.61016 -0.26158 C 0.61042 -0.25973 0.61055 -0.25787 0.61094 -0.25625 L 0.61393 -0.24005 C 0.61575 -0.21111 0.61354 -0.24699 0.61549 -0.21181 C 0.61588 -0.20486 0.61628 -0.19815 0.61693 -0.19144 C 0.61719 -0.18935 0.61797 -0.18426 0.61849 -0.18218 C 0.61888 -0.18033 0.61953 -0.17848 0.62005 -0.17662 C 0.62031 -0.17454 0.62044 -0.17223 0.6207 -0.16991 C 0.62122 -0.16644 0.62187 -0.16273 0.62227 -0.15926 C 0.62331 -0.14977 0.62279 -0.15463 0.62383 -0.14445 C 0.62409 -0.14746 0.62422 -0.1507 0.62461 -0.15371 C 0.62487 -0.15648 0.62565 -0.15903 0.62604 -0.16181 C 0.62643 -0.16412 0.62656 -0.16644 0.62682 -0.16852 C 0.6276 -0.1669 0.62852 -0.16528 0.62904 -0.1632 C 0.62956 -0.16204 0.62956 -0.16042 0.62982 -0.15926 C 0.63034 -0.15695 0.63073 -0.15463 0.63138 -0.15255 C 0.63203 -0.15047 0.63294 -0.14885 0.63359 -0.14699 C 0.63411 -0.14398 0.63463 -0.13866 0.63594 -0.13635 C 0.63633 -0.13565 0.63698 -0.13635 0.63737 -0.13635 " pathEditMode="relative" rAng="0" ptsTypes="AAAAAAAAAAAAAAAAAAAAAAAAAAAAAAAAAAAAAAAAAAAAAAAAAAAAAAAAAAAAAAAAAAAAAAAAAAAAAAAAAAAAAAAAAAAAAAAAAAAAAAAAAAAAAAAAAAAAAAAAAAAAAAAAAAAAAAAAAAAAAAAAAAAAAAAAAAAAAAAA">
+                                      <p:cBhvr>
+                                        <p:cTn id="6" dur="5000" fill="hold"/>
+                                        <p:tgtEl>
+                                          <p:spTgt spid="1032"/>
+                                        </p:tgtEl>
+                                        <p:attrNameLst>
+                                          <p:attrName>ppt_x</p:attrName>
+                                          <p:attrName>ppt_y</p:attrName>
+                                        </p:attrNameLst>
+                                      </p:cBhvr>
+                                      <p:rCtr x="31927" y="-22222"/>
+                                    </p:animMotion>
+                                  </p:childTnLst>
+                                </p:cTn>
+                              </p:par>
+                            </p:childTnLst>
+                          </p:cTn>
+                        </p:par>
+                      </p:childTnLst>
+                    </p:cTn>
+                  </p:par>
+                </p:childTnLst>
+              </p:cTn>
+              <p:prevCondLst>
+                <p:cond evt="onPrev" delay="0">
+                  <p:tgtEl>
+                    <p:sldTgt/>
+                  </p:tgtEl>
+                </p:cond>
+              </p:prevCondLst>
+              <p:nextCondLst>
+                <p:cond evt="onNext" delay="0">
+                  <p:tgtEl>
+                    <p:sldTgt/>
+                  </p:tgtEl>
+                </p:cond>
+              </p:nextCondLst>
+            </p:seq>
+          </p:childTnLst>
+        </p:cTn>
+      </p:par>
+    </p:tnLst>
+  </p:timing>
+</p:sld>
+</file>
+
+<file path=ppt/slides/slide15.xml><?xml version="1.0" encoding="utf-8"?>
+<p:sld xmlns:a="http://schemas.openxmlformats.org/drawingml/2006/main" xmlns:r="http://schemas.openxmlformats.org/officeDocument/2006/relationships" xmlns:p="http://schemas.openxmlformats.org/presentationml/2006/main">
+  <p:cSld>
+    <p:spTree>
+      <p:nvGrpSpPr>
+        <p:cNvPr id="1" name=""/>
+        <p:cNvGrpSpPr/>
+        <p:nvPr/>
+      </p:nvGrpSpPr>
+      <p:grpSpPr>
+        <a:xfrm>
+          <a:off x="0" y="0"/>
+          <a:ext cx="0" cy="0"/>
+          <a:chOff x="0" y="0"/>
+          <a:chExt cx="0" cy="0"/>
+        </a:xfrm>
+      </p:grpSpPr>
+      <p:pic>
+        <p:nvPicPr>
+          <p:cNvPr id="7" name="图片 6">
+            <a:extLst>
+              <a:ext uri="{FF2B5EF4-FFF2-40B4-BE49-F238E27FC236}">
+                <a16:creationId xmlns:a16="http://schemas.microsoft.com/office/drawing/2014/main" id="{90A1B37D-634D-E633-FA42-5BAE215A5C44}"/>
+              </a:ext>
+            </a:extLst>
+          </p:cNvPr>
+          <p:cNvPicPr>
+            <a:picLocks noChangeAspect="1"/>
+          </p:cNvPicPr>
+          <p:nvPr/>
+        </p:nvPicPr>
+        <p:blipFill>
+          <a:blip r:embed="rId2">
+            <a:extLst>
+              <a:ext uri="{BEBA8EAE-BF5A-486C-A8C5-ECC9F3942E4B}">
+                <a14:imgProps xmlns:a14="http://schemas.microsoft.com/office/drawing/2010/main">
+                  <a14:imgLayer r:embed="rId3">
+                    <a14:imgEffect>
+                      <a14:artisticBlur/>
+                    </a14:imgEffect>
+                  </a14:imgLayer>
+                </a14:imgProps>
+              </a:ext>
+              <a:ext uri="{28A0092B-C50C-407E-A947-70E740481C1C}">
+                <a14:useLocalDpi xmlns:a14="http://schemas.microsoft.com/office/drawing/2010/main" val="0"/>
+              </a:ext>
+            </a:extLst>
+          </a:blip>
+          <a:stretch>
+            <a:fillRect/>
+          </a:stretch>
+        </p:blipFill>
+        <p:spPr>
+          <a:xfrm>
+            <a:off x="-39756" y="1282069"/>
+            <a:ext cx="12192000" cy="4134837"/>
+          </a:xfrm>
+          <a:prstGeom prst="rect">
+            <a:avLst/>
+          </a:prstGeom>
+        </p:spPr>
+      </p:pic>
+      <p:pic>
+        <p:nvPicPr>
+          <p:cNvPr id="2" name="图片 1">
+            <a:extLst>
+              <a:ext uri="{FF2B5EF4-FFF2-40B4-BE49-F238E27FC236}">
+                <a16:creationId xmlns:a16="http://schemas.microsoft.com/office/drawing/2014/main" id="{6DDF9463-ABE6-88D8-BFE1-8734C30DC238}"/>
+              </a:ext>
+            </a:extLst>
+          </p:cNvPr>
+          <p:cNvPicPr>
+            <a:picLocks noChangeAspect="1"/>
+          </p:cNvPicPr>
+          <p:nvPr/>
+        </p:nvPicPr>
+        <p:blipFill rotWithShape="1">
+          <a:blip r:embed="rId4" cstate="print">
+            <a:extLst>
+              <a:ext uri="{28A0092B-C50C-407E-A947-70E740481C1C}">
+                <a14:useLocalDpi xmlns:a14="http://schemas.microsoft.com/office/drawing/2010/main" val="0"/>
+              </a:ext>
+            </a:extLst>
+          </a:blip>
+          <a:srcRect b="87581"/>
+          <a:stretch/>
+        </p:blipFill>
+        <p:spPr>
+          <a:xfrm>
+            <a:off x="0" y="0"/>
+            <a:ext cx="12192000" cy="851712"/>
+          </a:xfrm>
+          <a:prstGeom prst="rect">
+            <a:avLst/>
+          </a:prstGeom>
+        </p:spPr>
+      </p:pic>
+      <p:sp>
+        <p:nvSpPr>
+          <p:cNvPr id="3" name="TextBox 294">
+            <a:extLst>
+              <a:ext uri="{FF2B5EF4-FFF2-40B4-BE49-F238E27FC236}">
+                <a16:creationId xmlns:a16="http://schemas.microsoft.com/office/drawing/2014/main" id="{2737FE5B-DF2D-2AF9-695F-A8EA8C99D57E}"/>
+              </a:ext>
+            </a:extLst>
+          </p:cNvPr>
+          <p:cNvSpPr txBox="1"/>
+          <p:nvPr/>
+        </p:nvSpPr>
+        <p:spPr>
+          <a:xfrm>
+            <a:off x="3510909" y="401708"/>
+            <a:ext cx="4821839" cy="295528"/>
+          </a:xfrm>
+          <a:prstGeom prst="rect">
+            <a:avLst/>
+          </a:prstGeom>
+          <a:noFill/>
+        </p:spPr>
+        <p:txBody>
+          <a:bodyPr wrap="none" lIns="360000" tIns="0" rIns="0" bIns="0" anchor="b" anchorCtr="0">
+            <a:noAutofit/>
+          </a:bodyPr>
+          <a:lstStyle/>
+          <a:p>
+            <a:pPr marL="0" marR="0" lvl="0" indent="0" algn="ctr" defTabSz="914400" eaLnBrk="1" fontAlgn="auto" latinLnBrk="0" hangingPunct="1">
+              <a:lnSpc>
+                <a:spcPct val="100000"/>
+              </a:lnSpc>
+              <a:spcBef>
+                <a:spcPts val="0"/>
+              </a:spcBef>
+              <a:spcAft>
+                <a:spcPts val="0"/>
+              </a:spcAft>
+              <a:buClrTx/>
+              <a:buSzTx/>
+              <a:buFontTx/>
+              <a:buNone/>
+              <a:tabLst/>
+              <a:defRPr/>
+            </a:pPr>
+            <a:r>
+              <a:rPr kumimoji="0" lang="en-US" altLang="zh-CN" sz="3200" b="1" i="0" u="none" strike="noStrike" kern="0" cap="none" normalizeH="0" baseline="0" noProof="0" dirty="0">
+                <a:ln>
+                  <a:noFill/>
+                </a:ln>
+                <a:solidFill>
+                  <a:schemeClr val="bg1"/>
+                </a:solidFill>
+                <a:effectLst/>
+                <a:uLnTx/>
+                <a:uFillTx/>
+                <a:latin typeface="微软雅黑" panose="020B0503020204020204" pitchFamily="34" charset="-122"/>
+                <a:ea typeface="微软雅黑" panose="020B0503020204020204" pitchFamily="34" charset="-122"/>
+                <a:cs typeface="+mn-ea"/>
+                <a:sym typeface="+mn-lt"/>
+              </a:rPr>
+              <a:t>BACKGROUND</a:t>
+            </a:r>
+            <a:endParaRPr kumimoji="0" lang="zh-CN" altLang="en-US" sz="3200" b="1" i="0" u="none" strike="noStrike" kern="0" cap="none" normalizeH="0" baseline="0" noProof="0" dirty="0">
+              <a:ln>
+                <a:noFill/>
+              </a:ln>
+              <a:solidFill>
+                <a:schemeClr val="bg1"/>
+              </a:solidFill>
+              <a:effectLst/>
+              <a:uLnTx/>
+              <a:uFillTx/>
+              <a:latin typeface="微软雅黑" panose="020B0503020204020204" pitchFamily="34" charset="-122"/>
+              <a:ea typeface="微软雅黑" panose="020B0503020204020204" pitchFamily="34" charset="-122"/>
+              <a:cs typeface="+mn-ea"/>
+              <a:sym typeface="+mn-lt"/>
+            </a:endParaRPr>
+          </a:p>
+        </p:txBody>
+      </p:sp>
+      <p:sp>
+        <p:nvSpPr>
+          <p:cNvPr id="8" name="矩形 7">
+            <a:extLst>
+              <a:ext uri="{FF2B5EF4-FFF2-40B4-BE49-F238E27FC236}">
+                <a16:creationId xmlns:a16="http://schemas.microsoft.com/office/drawing/2014/main" id="{FC2C50CD-0005-06D1-7881-46C95546286C}"/>
+              </a:ext>
+            </a:extLst>
+          </p:cNvPr>
+          <p:cNvSpPr/>
+          <p:nvPr/>
+        </p:nvSpPr>
+        <p:spPr>
+          <a:xfrm>
+            <a:off x="0" y="851712"/>
+            <a:ext cx="12191999" cy="5797566"/>
+          </a:xfrm>
+          <a:prstGeom prst="rect">
+            <a:avLst/>
+          </a:prstGeom>
+          <a:gradFill flip="none" rotWithShape="1">
+            <a:gsLst>
+              <a:gs pos="0">
+                <a:srgbClr val="FFC000">
+                  <a:alpha val="50000"/>
+                </a:srgbClr>
+              </a:gs>
+              <a:gs pos="100000">
+                <a:srgbClr val="FF0000"/>
+              </a:gs>
+            </a:gsLst>
+            <a:lin ang="5400000" scaled="1"/>
+            <a:tileRect/>
+          </a:gradFill>
+          <a:ln>
+            <a:noFill/>
+          </a:ln>
+          <a:effectLst>
+            <a:softEdge rad="317500"/>
+          </a:effectLst>
+        </p:spPr>
+        <p:style>
+          <a:lnRef idx="0">
+            <a:scrgbClr r="0" g="0" b="0"/>
+          </a:lnRef>
+          <a:fillRef idx="0">
+            <a:scrgbClr r="0" g="0" b="0"/>
+          </a:fillRef>
+          <a:effectRef idx="0">
+            <a:scrgbClr r="0" g="0" b="0"/>
+          </a:effectRef>
+          <a:fontRef idx="minor">
+            <a:schemeClr val="lt1"/>
+          </a:fontRef>
+        </p:style>
+        <p:txBody>
+          <a:bodyPr rtlCol="0" anchor="ctr"/>
+          <a:lstStyle/>
+          <a:p>
+            <a:pPr algn="ctr"/>
+            <a:endParaRPr lang="zh-CN" altLang="en-US" dirty="0"/>
+          </a:p>
+        </p:txBody>
+      </p:sp>
+      <p:sp>
+        <p:nvSpPr>
+          <p:cNvPr id="10" name="文本框 9">
+            <a:extLst>
+              <a:ext uri="{FF2B5EF4-FFF2-40B4-BE49-F238E27FC236}">
+                <a16:creationId xmlns:a16="http://schemas.microsoft.com/office/drawing/2014/main" id="{5EC7E971-8AA4-5696-7F99-8E685E78E82D}"/>
+              </a:ext>
+            </a:extLst>
+          </p:cNvPr>
+          <p:cNvSpPr txBox="1"/>
+          <p:nvPr/>
+        </p:nvSpPr>
+        <p:spPr>
+          <a:xfrm>
+            <a:off x="858043" y="1282069"/>
+            <a:ext cx="8477611" cy="1323439"/>
+          </a:xfrm>
+          <a:prstGeom prst="rect">
+            <a:avLst/>
+          </a:prstGeom>
+          <a:noFill/>
+        </p:spPr>
+        <p:txBody>
+          <a:bodyPr wrap="square" rtlCol="0">
+            <a:spAutoFit/>
+          </a:bodyPr>
+          <a:lstStyle/>
+          <a:p>
+            <a:pPr algn="just"/>
+            <a:r>
+              <a:rPr lang="en-US" altLang="zh-CN" sz="4000" dirty="0">
+                <a:latin typeface="Arial Black" panose="020B0A04020102020204" pitchFamily="34" charset="0"/>
+              </a:rPr>
+              <a:t>Why are the capital markets so bullish on Bitcoin?</a:t>
+            </a:r>
+          </a:p>
+        </p:txBody>
+      </p:sp>
+      <p:sp>
+        <p:nvSpPr>
+          <p:cNvPr id="11" name="文本框 10">
+            <a:extLst>
+              <a:ext uri="{FF2B5EF4-FFF2-40B4-BE49-F238E27FC236}">
+                <a16:creationId xmlns:a16="http://schemas.microsoft.com/office/drawing/2014/main" id="{7722DF11-7305-13AB-EB65-AB6C9DF5D89C}"/>
+              </a:ext>
+            </a:extLst>
+          </p:cNvPr>
+          <p:cNvSpPr txBox="1"/>
+          <p:nvPr/>
+        </p:nvSpPr>
+        <p:spPr>
+          <a:xfrm>
+            <a:off x="2546792" y="4682849"/>
+            <a:ext cx="8477611" cy="1323439"/>
+          </a:xfrm>
+          <a:prstGeom prst="rect">
+            <a:avLst/>
+          </a:prstGeom>
+          <a:noFill/>
+        </p:spPr>
+        <p:txBody>
+          <a:bodyPr wrap="square" rtlCol="0">
+            <a:spAutoFit/>
+          </a:bodyPr>
+          <a:lstStyle/>
+          <a:p>
+            <a:pPr algn="r"/>
+            <a:r>
+              <a:rPr lang="en-US" altLang="zh-CN" sz="4000" dirty="0">
+                <a:solidFill>
+                  <a:schemeClr val="bg1"/>
+                </a:solidFill>
+                <a:latin typeface="Arial Black" panose="020B0A04020102020204" pitchFamily="34" charset="0"/>
+              </a:rPr>
+              <a:t>How exactly will blockchain affect our economy?</a:t>
+            </a:r>
+          </a:p>
+        </p:txBody>
+      </p:sp>
+      <p:pic>
+        <p:nvPicPr>
+          <p:cNvPr id="16" name="Picture 8">
+            <a:extLst>
+              <a:ext uri="{FF2B5EF4-FFF2-40B4-BE49-F238E27FC236}">
+                <a16:creationId xmlns:a16="http://schemas.microsoft.com/office/drawing/2014/main" id="{844A3C82-9092-76F3-F6C4-7A5BEE7FE58E}"/>
+              </a:ext>
+            </a:extLst>
+          </p:cNvPr>
+          <p:cNvPicPr>
+            <a:picLocks noChangeAspect="1" noChangeArrowheads="1"/>
+          </p:cNvPicPr>
+          <p:nvPr/>
+        </p:nvPicPr>
+        <p:blipFill>
+          <a:blip r:embed="rId5" cstate="print">
+            <a:clrChange>
+              <a:clrFrom>
+                <a:srgbClr val="FFFFFF"/>
+              </a:clrFrom>
+              <a:clrTo>
+                <a:srgbClr val="FFFFFF">
+                  <a:alpha val="0"/>
+                </a:srgbClr>
+              </a:clrTo>
+            </a:clrChange>
+            <a:extLst>
+              <a:ext uri="{28A0092B-C50C-407E-A947-70E740481C1C}">
+                <a14:useLocalDpi xmlns:a14="http://schemas.microsoft.com/office/drawing/2010/main" val="0"/>
+              </a:ext>
+            </a:extLst>
+          </a:blip>
+          <a:srcRect/>
+          <a:stretch>
+            <a:fillRect/>
+          </a:stretch>
+        </p:blipFill>
+        <p:spPr bwMode="auto">
+          <a:xfrm>
+            <a:off x="5189021" y="2720396"/>
+            <a:ext cx="1813956" cy="1800266"/>
+          </a:xfrm>
+          <a:prstGeom prst="rect">
+            <a:avLst/>
+          </a:prstGeom>
+          <a:noFill/>
+          <a:extLst>
+            <a:ext uri="{909E8E84-426E-40DD-AFC4-6F175D3DCCD1}">
+              <a14:hiddenFill xmlns:a14="http://schemas.microsoft.com/office/drawing/2010/main">
+                <a:solidFill>
+                  <a:srgbClr val="FFFFFF"/>
+                </a:solidFill>
+              </a14:hiddenFill>
+            </a:ext>
+          </a:extLst>
+        </p:spPr>
+      </p:pic>
+    </p:spTree>
+    <p:extLst>
+      <p:ext uri="{BB962C8B-B14F-4D97-AF65-F5344CB8AC3E}">
+        <p14:creationId xmlns:p14="http://schemas.microsoft.com/office/powerpoint/2010/main" val="2048732952"/>
+      </p:ext>
+    </p:extLst>
+  </p:cSld>
+  <p:clrMapOvr>
+    <a:masterClrMapping/>
+  </p:clrMapOvr>
+  <mc:AlternateContent xmlns:mc="http://schemas.openxmlformats.org/markup-compatibility/2006">
+    <mc:Choice xmlns:p159="http://schemas.microsoft.com/office/powerpoint/2015/09/main" Requires="p159">
+      <p:transition xmlns:p14="http://schemas.microsoft.com/office/powerpoint/2010/main" spd="slow" p14:dur="1500">
+        <p159:morph option="byObject"/>
+      </p:transition>
+    </mc:Choice>
+    <mc:Fallback>
+      <p:transition spd="slow">
+        <p:fade/>
+      </p:transition>
+    </mc:Fallback>
+  </mc:AlternateContent>
+</p:sld>
+</file>
+
+<file path=ppt/slides/slide2.xml><?xml version="1.0" encoding="utf-8"?>
+<p:sld xmlns:a="http://schemas.openxmlformats.org/drawingml/2006/main" xmlns:r="http://schemas.openxmlformats.org/officeDocument/2006/relationships" xmlns:p="http://schemas.openxmlformats.org/presentationml/2006/main">
+  <p:cSld>
+    <p:spTree>
+      <p:nvGrpSpPr>
+        <p:cNvPr id="1" name=""/>
+        <p:cNvGrpSpPr/>
+        <p:nvPr/>
+      </p:nvGrpSpPr>
+      <p:grpSpPr>
+        <a:xfrm>
+          <a:off x="0" y="0"/>
+          <a:ext cx="0" cy="0"/>
+          <a:chOff x="0" y="0"/>
+          <a:chExt cx="0" cy="0"/>
+        </a:xfrm>
+      </p:grpSpPr>
+      <p:pic>
+        <p:nvPicPr>
+          <p:cNvPr id="2" name="图片 1">
+            <a:extLst>
+              <a:ext uri="{FF2B5EF4-FFF2-40B4-BE49-F238E27FC236}">
+                <a16:creationId xmlns:a16="http://schemas.microsoft.com/office/drawing/2014/main" id="{DA5B5388-F131-2590-D4FC-77B39DEAB4A9}"/>
+              </a:ext>
+            </a:extLst>
+          </p:cNvPr>
+          <p:cNvPicPr>
+            <a:picLocks noChangeAspect="1"/>
+          </p:cNvPicPr>
+          <p:nvPr/>
+        </p:nvPicPr>
+        <p:blipFill rotWithShape="1">
+          <a:blip r:embed="rId3" cstate="print">
+            <a:extLst>
+              <a:ext uri="{28A0092B-C50C-407E-A947-70E740481C1C}">
+                <a14:useLocalDpi xmlns:a14="http://schemas.microsoft.com/office/drawing/2010/main" val="0"/>
+              </a:ext>
+            </a:extLst>
+          </a:blip>
+          <a:srcRect b="87581"/>
+          <a:stretch/>
+        </p:blipFill>
+        <p:spPr>
+          <a:xfrm>
+            <a:off x="0" y="0"/>
+            <a:ext cx="12192000" cy="851712"/>
+          </a:xfrm>
+          <a:prstGeom prst="rect">
+            <a:avLst/>
+          </a:prstGeom>
+        </p:spPr>
+      </p:pic>
+      <p:sp>
+        <p:nvSpPr>
+          <p:cNvPr id="3" name="TextBox 294">
+            <a:extLst>
+              <a:ext uri="{FF2B5EF4-FFF2-40B4-BE49-F238E27FC236}">
+                <a16:creationId xmlns:a16="http://schemas.microsoft.com/office/drawing/2014/main" id="{2F296BD8-65D7-9EEA-53E8-1991C472A0E5}"/>
+              </a:ext>
+            </a:extLst>
+          </p:cNvPr>
+          <p:cNvSpPr txBox="1"/>
+          <p:nvPr/>
+        </p:nvSpPr>
+        <p:spPr>
+          <a:xfrm>
+            <a:off x="3510909" y="401708"/>
+            <a:ext cx="4821839" cy="295528"/>
+          </a:xfrm>
+          <a:prstGeom prst="rect">
+            <a:avLst/>
+          </a:prstGeom>
+          <a:noFill/>
+        </p:spPr>
+        <p:txBody>
+          <a:bodyPr wrap="none" lIns="360000" tIns="0" rIns="0" bIns="0" anchor="b" anchorCtr="0">
+            <a:noAutofit/>
+          </a:bodyPr>
+          <a:lstStyle/>
+          <a:p>
+            <a:pPr marL="0" marR="0" lvl="0" indent="0" algn="ctr" defTabSz="914400" eaLnBrk="1" fontAlgn="auto" latinLnBrk="0" hangingPunct="1">
+              <a:lnSpc>
+                <a:spcPct val="100000"/>
+              </a:lnSpc>
+              <a:spcBef>
+                <a:spcPts val="0"/>
+              </a:spcBef>
+              <a:spcAft>
+                <a:spcPts val="0"/>
+              </a:spcAft>
+              <a:buClrTx/>
+              <a:buSzTx/>
+              <a:buFontTx/>
+              <a:buNone/>
+              <a:tabLst/>
+              <a:defRPr/>
+            </a:pPr>
+            <a:r>
+              <a:rPr kumimoji="0" lang="en-US" altLang="zh-CN" sz="3200" b="1" i="0" u="none" strike="noStrike" kern="0" cap="none" normalizeH="0" baseline="0" noProof="0" dirty="0">
+                <a:ln>
+                  <a:noFill/>
+                </a:ln>
+                <a:solidFill>
+                  <a:schemeClr val="bg1"/>
+                </a:solidFill>
+                <a:effectLst/>
+                <a:uLnTx/>
+                <a:uFillTx/>
+                <a:latin typeface="微软雅黑" panose="020B0503020204020204" pitchFamily="34" charset="-122"/>
+                <a:ea typeface="微软雅黑" panose="020B0503020204020204" pitchFamily="34" charset="-122"/>
+                <a:cs typeface="+mn-ea"/>
+                <a:sym typeface="+mn-lt"/>
+              </a:rPr>
+              <a:t>BACKGROUND</a:t>
+            </a:r>
+            <a:endParaRPr kumimoji="0" lang="zh-CN" altLang="en-US" sz="3200" b="1" i="0" u="none" strike="noStrike" kern="0" cap="none" normalizeH="0" baseline="0" noProof="0" dirty="0">
+              <a:ln>
+                <a:noFill/>
+              </a:ln>
+              <a:solidFill>
+                <a:schemeClr val="bg1"/>
+              </a:solidFill>
+              <a:effectLst/>
+              <a:uLnTx/>
+              <a:uFillTx/>
+              <a:latin typeface="微软雅黑" panose="020B0503020204020204" pitchFamily="34" charset="-122"/>
+              <a:ea typeface="微软雅黑" panose="020B0503020204020204" pitchFamily="34" charset="-122"/>
+              <a:cs typeface="+mn-ea"/>
+              <a:sym typeface="+mn-lt"/>
+            </a:endParaRPr>
+          </a:p>
+        </p:txBody>
+      </p:sp>
+      <p:sp>
+        <p:nvSpPr>
+          <p:cNvPr id="4" name="箭头: 右 3">
+            <a:extLst>
+              <a:ext uri="{FF2B5EF4-FFF2-40B4-BE49-F238E27FC236}">
+                <a16:creationId xmlns:a16="http://schemas.microsoft.com/office/drawing/2014/main" id="{9E40FFC4-6026-1ADB-FD5F-B1D4EFF8E9A6}"/>
+              </a:ext>
+            </a:extLst>
+          </p:cNvPr>
+          <p:cNvSpPr/>
+          <p:nvPr/>
+        </p:nvSpPr>
+        <p:spPr>
+          <a:xfrm>
+            <a:off x="1390835" y="3565514"/>
+            <a:ext cx="9410330" cy="449159"/>
+          </a:xfrm>
+          <a:prstGeom prst="rightArrow">
+            <a:avLst>
+              <a:gd name="adj1" fmla="val 50000"/>
+              <a:gd name="adj2" fmla="val 202191"/>
+            </a:avLst>
+          </a:prstGeom>
+          <a:ln/>
+        </p:spPr>
+        <p:style>
+          <a:lnRef idx="0">
+            <a:schemeClr val="accent1"/>
+          </a:lnRef>
+          <a:fillRef idx="3">
+            <a:schemeClr val="accent1"/>
+          </a:fillRef>
+          <a:effectRef idx="3">
+            <a:schemeClr val="accent1"/>
+          </a:effectRef>
+          <a:fontRef idx="minor">
+            <a:schemeClr val="lt1"/>
+          </a:fontRef>
+        </p:style>
+        <p:txBody>
+          <a:bodyPr rtlCol="0" anchor="ctr"/>
+          <a:lstStyle/>
+          <a:p>
+            <a:pPr algn="ctr"/>
+            <a:endParaRPr lang="zh-CN" altLang="en-US"/>
+          </a:p>
+        </p:txBody>
+      </p:sp>
+      <p:sp>
+        <p:nvSpPr>
+          <p:cNvPr id="6" name="箭头: 右 5">
+            <a:extLst>
+              <a:ext uri="{FF2B5EF4-FFF2-40B4-BE49-F238E27FC236}">
+                <a16:creationId xmlns:a16="http://schemas.microsoft.com/office/drawing/2014/main" id="{6C291EAC-EECD-B907-6113-AAE3740DDAE2}"/>
+              </a:ext>
+            </a:extLst>
+          </p:cNvPr>
+          <p:cNvSpPr/>
+          <p:nvPr/>
+        </p:nvSpPr>
+        <p:spPr>
+          <a:xfrm rot="16200000">
+            <a:off x="3098731" y="3539551"/>
+            <a:ext cx="5646197" cy="449159"/>
+          </a:xfrm>
+          <a:prstGeom prst="rightArrow">
+            <a:avLst>
+              <a:gd name="adj1" fmla="val 50000"/>
+              <a:gd name="adj2" fmla="val 202191"/>
+            </a:avLst>
+          </a:prstGeom>
+          <a:ln/>
+        </p:spPr>
+        <p:style>
+          <a:lnRef idx="0">
+            <a:schemeClr val="accent1"/>
+          </a:lnRef>
+          <a:fillRef idx="3">
+            <a:schemeClr val="accent1"/>
+          </a:fillRef>
+          <a:effectRef idx="3">
+            <a:schemeClr val="accent1"/>
+          </a:effectRef>
+          <a:fontRef idx="minor">
+            <a:schemeClr val="lt1"/>
+          </a:fontRef>
+        </p:style>
+        <p:txBody>
+          <a:bodyPr rtlCol="0" anchor="ctr"/>
+          <a:lstStyle/>
+          <a:p>
+            <a:pPr algn="ctr"/>
+            <a:endParaRPr lang="zh-CN" altLang="en-US"/>
+          </a:p>
+        </p:txBody>
+      </p:sp>
+      <p:sp>
+        <p:nvSpPr>
+          <p:cNvPr id="5" name="文本框 4">
+            <a:extLst>
+              <a:ext uri="{FF2B5EF4-FFF2-40B4-BE49-F238E27FC236}">
+                <a16:creationId xmlns:a16="http://schemas.microsoft.com/office/drawing/2014/main" id="{DCCA718E-C358-F7DA-ED18-8105C6BD48DD}"/>
+              </a:ext>
+            </a:extLst>
+          </p:cNvPr>
+          <p:cNvSpPr txBox="1"/>
+          <p:nvPr/>
+        </p:nvSpPr>
+        <p:spPr>
+          <a:xfrm>
+            <a:off x="1681407" y="2405849"/>
+            <a:ext cx="4015843" cy="584775"/>
+          </a:xfrm>
+          <a:prstGeom prst="rect">
+            <a:avLst/>
+          </a:prstGeom>
+          <a:noFill/>
+        </p:spPr>
+        <p:txBody>
+          <a:bodyPr wrap="none" rtlCol="0">
+            <a:spAutoFit/>
+          </a:bodyPr>
+          <a:lstStyle/>
+          <a:p>
+            <a:r>
+              <a:rPr lang="en-US" altLang="zh-CN" sz="3200" dirty="0">
+                <a:latin typeface="Arial Black" panose="020B0A04020102020204" pitchFamily="34" charset="0"/>
+              </a:rPr>
+              <a:t>Buy a cellphone?</a:t>
+            </a:r>
+            <a:endParaRPr lang="zh-CN" altLang="en-US" sz="3200" dirty="0">
+              <a:latin typeface="Arial Black" panose="020B0A04020102020204" pitchFamily="34" charset="0"/>
+            </a:endParaRPr>
+          </a:p>
+        </p:txBody>
+      </p:sp>
+    </p:spTree>
+    <p:extLst>
+      <p:ext uri="{BB962C8B-B14F-4D97-AF65-F5344CB8AC3E}">
+        <p14:creationId xmlns:p14="http://schemas.microsoft.com/office/powerpoint/2010/main" val="1639566261"/>
+      </p:ext>
+    </p:extLst>
+  </p:cSld>
+  <p:clrMapOvr>
+    <a:masterClrMapping/>
+  </p:clrMapOvr>
+  <mc:AlternateContent xmlns:mc="http://schemas.openxmlformats.org/markup-compatibility/2006" xmlns:p159="http://schemas.microsoft.com/office/powerpoint/2015/09/main">
+    <mc:Choice Requires="p159">
       <p:transition>
         <p159:morph option="byObject"/>
       </p:transition>
     </mc:Choice>
-    <mc:Fallback>
+    <mc:Fallback xmlns="">
       <p:transition>
         <p:fade/>
       </p:transition>
@@ -11389,7 +13025,337 @@
 </p:sld>
 </file>
 
-<file path=ppt/slides/slide5.xml><?xml version="1.0" encoding="utf-8"?>
+<file path=ppt/slides/slide3.xml><?xml version="1.0" encoding="utf-8"?>
+<p:sld xmlns:a="http://schemas.openxmlformats.org/drawingml/2006/main" xmlns:r="http://schemas.openxmlformats.org/officeDocument/2006/relationships" xmlns:p="http://schemas.openxmlformats.org/presentationml/2006/main">
+  <p:cSld>
+    <p:spTree>
+      <p:nvGrpSpPr>
+        <p:cNvPr id="1" name=""/>
+        <p:cNvGrpSpPr/>
+        <p:nvPr/>
+      </p:nvGrpSpPr>
+      <p:grpSpPr>
+        <a:xfrm>
+          <a:off x="0" y="0"/>
+          <a:ext cx="0" cy="0"/>
+          <a:chOff x="0" y="0"/>
+          <a:chExt cx="0" cy="0"/>
+        </a:xfrm>
+      </p:grpSpPr>
+      <p:pic>
+        <p:nvPicPr>
+          <p:cNvPr id="2" name="图片 1">
+            <a:extLst>
+              <a:ext uri="{FF2B5EF4-FFF2-40B4-BE49-F238E27FC236}">
+                <a16:creationId xmlns:a16="http://schemas.microsoft.com/office/drawing/2014/main" id="{DA5B5388-F131-2590-D4FC-77B39DEAB4A9}"/>
+              </a:ext>
+            </a:extLst>
+          </p:cNvPr>
+          <p:cNvPicPr>
+            <a:picLocks noChangeAspect="1"/>
+          </p:cNvPicPr>
+          <p:nvPr/>
+        </p:nvPicPr>
+        <p:blipFill rotWithShape="1">
+          <a:blip r:embed="rId3" cstate="print">
+            <a:extLst>
+              <a:ext uri="{28A0092B-C50C-407E-A947-70E740481C1C}">
+                <a14:useLocalDpi xmlns:a14="http://schemas.microsoft.com/office/drawing/2010/main" val="0"/>
+              </a:ext>
+            </a:extLst>
+          </a:blip>
+          <a:srcRect b="87581"/>
+          <a:stretch/>
+        </p:blipFill>
+        <p:spPr>
+          <a:xfrm>
+            <a:off x="0" y="0"/>
+            <a:ext cx="12192000" cy="851712"/>
+          </a:xfrm>
+          <a:prstGeom prst="rect">
+            <a:avLst/>
+          </a:prstGeom>
+        </p:spPr>
+      </p:pic>
+      <p:sp>
+        <p:nvSpPr>
+          <p:cNvPr id="3" name="TextBox 294">
+            <a:extLst>
+              <a:ext uri="{FF2B5EF4-FFF2-40B4-BE49-F238E27FC236}">
+                <a16:creationId xmlns:a16="http://schemas.microsoft.com/office/drawing/2014/main" id="{2F296BD8-65D7-9EEA-53E8-1991C472A0E5}"/>
+              </a:ext>
+            </a:extLst>
+          </p:cNvPr>
+          <p:cNvSpPr txBox="1"/>
+          <p:nvPr/>
+        </p:nvSpPr>
+        <p:spPr>
+          <a:xfrm>
+            <a:off x="3510909" y="401708"/>
+            <a:ext cx="4821839" cy="295528"/>
+          </a:xfrm>
+          <a:prstGeom prst="rect">
+            <a:avLst/>
+          </a:prstGeom>
+          <a:noFill/>
+        </p:spPr>
+        <p:txBody>
+          <a:bodyPr wrap="none" lIns="360000" tIns="0" rIns="0" bIns="0" anchor="b" anchorCtr="0">
+            <a:noAutofit/>
+          </a:bodyPr>
+          <a:lstStyle/>
+          <a:p>
+            <a:pPr marL="0" marR="0" lvl="0" indent="0" algn="ctr" defTabSz="914400" eaLnBrk="1" fontAlgn="auto" latinLnBrk="0" hangingPunct="1">
+              <a:lnSpc>
+                <a:spcPct val="100000"/>
+              </a:lnSpc>
+              <a:spcBef>
+                <a:spcPts val="0"/>
+              </a:spcBef>
+              <a:spcAft>
+                <a:spcPts val="0"/>
+              </a:spcAft>
+              <a:buClrTx/>
+              <a:buSzTx/>
+              <a:buFontTx/>
+              <a:buNone/>
+              <a:tabLst/>
+              <a:defRPr/>
+            </a:pPr>
+            <a:r>
+              <a:rPr kumimoji="0" lang="en-US" altLang="zh-CN" sz="3200" b="1" i="0" u="none" strike="noStrike" kern="0" cap="none" normalizeH="0" baseline="0" noProof="0" dirty="0">
+                <a:ln>
+                  <a:noFill/>
+                </a:ln>
+                <a:solidFill>
+                  <a:schemeClr val="bg1"/>
+                </a:solidFill>
+                <a:effectLst/>
+                <a:uLnTx/>
+                <a:uFillTx/>
+                <a:latin typeface="微软雅黑" panose="020B0503020204020204" pitchFamily="34" charset="-122"/>
+                <a:ea typeface="微软雅黑" panose="020B0503020204020204" pitchFamily="34" charset="-122"/>
+                <a:cs typeface="+mn-ea"/>
+                <a:sym typeface="+mn-lt"/>
+              </a:rPr>
+              <a:t>BACKGROUND</a:t>
+            </a:r>
+            <a:endParaRPr kumimoji="0" lang="zh-CN" altLang="en-US" sz="3200" b="1" i="0" u="none" strike="noStrike" kern="0" cap="none" normalizeH="0" baseline="0" noProof="0" dirty="0">
+              <a:ln>
+                <a:noFill/>
+              </a:ln>
+              <a:solidFill>
+                <a:schemeClr val="bg1"/>
+              </a:solidFill>
+              <a:effectLst/>
+              <a:uLnTx/>
+              <a:uFillTx/>
+              <a:latin typeface="微软雅黑" panose="020B0503020204020204" pitchFamily="34" charset="-122"/>
+              <a:ea typeface="微软雅黑" panose="020B0503020204020204" pitchFamily="34" charset="-122"/>
+              <a:cs typeface="+mn-ea"/>
+              <a:sym typeface="+mn-lt"/>
+            </a:endParaRPr>
+          </a:p>
+        </p:txBody>
+      </p:sp>
+      <p:sp>
+        <p:nvSpPr>
+          <p:cNvPr id="4" name="箭头: 右 3">
+            <a:extLst>
+              <a:ext uri="{FF2B5EF4-FFF2-40B4-BE49-F238E27FC236}">
+                <a16:creationId xmlns:a16="http://schemas.microsoft.com/office/drawing/2014/main" id="{9E40FFC4-6026-1ADB-FD5F-B1D4EFF8E9A6}"/>
+              </a:ext>
+            </a:extLst>
+          </p:cNvPr>
+          <p:cNvSpPr/>
+          <p:nvPr/>
+        </p:nvSpPr>
+        <p:spPr>
+          <a:xfrm>
+            <a:off x="1390835" y="3565514"/>
+            <a:ext cx="9410330" cy="449159"/>
+          </a:xfrm>
+          <a:prstGeom prst="rightArrow">
+            <a:avLst>
+              <a:gd name="adj1" fmla="val 50000"/>
+              <a:gd name="adj2" fmla="val 202191"/>
+            </a:avLst>
+          </a:prstGeom>
+          <a:ln/>
+        </p:spPr>
+        <p:style>
+          <a:lnRef idx="0">
+            <a:schemeClr val="accent1"/>
+          </a:lnRef>
+          <a:fillRef idx="3">
+            <a:schemeClr val="accent1"/>
+          </a:fillRef>
+          <a:effectRef idx="3">
+            <a:schemeClr val="accent1"/>
+          </a:effectRef>
+          <a:fontRef idx="minor">
+            <a:schemeClr val="lt1"/>
+          </a:fontRef>
+        </p:style>
+        <p:txBody>
+          <a:bodyPr rtlCol="0" anchor="ctr"/>
+          <a:lstStyle/>
+          <a:p>
+            <a:pPr algn="ctr"/>
+            <a:endParaRPr lang="zh-CN" altLang="en-US"/>
+          </a:p>
+        </p:txBody>
+      </p:sp>
+      <p:sp>
+        <p:nvSpPr>
+          <p:cNvPr id="6" name="箭头: 右 5">
+            <a:extLst>
+              <a:ext uri="{FF2B5EF4-FFF2-40B4-BE49-F238E27FC236}">
+                <a16:creationId xmlns:a16="http://schemas.microsoft.com/office/drawing/2014/main" id="{6C291EAC-EECD-B907-6113-AAE3740DDAE2}"/>
+              </a:ext>
+            </a:extLst>
+          </p:cNvPr>
+          <p:cNvSpPr/>
+          <p:nvPr/>
+        </p:nvSpPr>
+        <p:spPr>
+          <a:xfrm rot="16200000">
+            <a:off x="3098731" y="3539551"/>
+            <a:ext cx="5646197" cy="449159"/>
+          </a:xfrm>
+          <a:prstGeom prst="rightArrow">
+            <a:avLst>
+              <a:gd name="adj1" fmla="val 50000"/>
+              <a:gd name="adj2" fmla="val 202191"/>
+            </a:avLst>
+          </a:prstGeom>
+          <a:ln/>
+        </p:spPr>
+        <p:style>
+          <a:lnRef idx="0">
+            <a:schemeClr val="accent1"/>
+          </a:lnRef>
+          <a:fillRef idx="3">
+            <a:schemeClr val="accent1"/>
+          </a:fillRef>
+          <a:effectRef idx="3">
+            <a:schemeClr val="accent1"/>
+          </a:effectRef>
+          <a:fontRef idx="minor">
+            <a:schemeClr val="lt1"/>
+          </a:fontRef>
+        </p:style>
+        <p:txBody>
+          <a:bodyPr rtlCol="0" anchor="ctr"/>
+          <a:lstStyle/>
+          <a:p>
+            <a:pPr algn="ctr"/>
+            <a:endParaRPr lang="zh-CN" altLang="en-US"/>
+          </a:p>
+        </p:txBody>
+      </p:sp>
+      <p:sp>
+        <p:nvSpPr>
+          <p:cNvPr id="5" name="文本框 4">
+            <a:extLst>
+              <a:ext uri="{FF2B5EF4-FFF2-40B4-BE49-F238E27FC236}">
+                <a16:creationId xmlns:a16="http://schemas.microsoft.com/office/drawing/2014/main" id="{DCCA718E-C358-F7DA-ED18-8105C6BD48DD}"/>
+              </a:ext>
+            </a:extLst>
+          </p:cNvPr>
+          <p:cNvSpPr txBox="1"/>
+          <p:nvPr/>
+        </p:nvSpPr>
+        <p:spPr>
+          <a:xfrm>
+            <a:off x="1681407" y="2405849"/>
+            <a:ext cx="4015843" cy="584775"/>
+          </a:xfrm>
+          <a:prstGeom prst="rect">
+            <a:avLst/>
+          </a:prstGeom>
+          <a:noFill/>
+        </p:spPr>
+        <p:txBody>
+          <a:bodyPr wrap="none" rtlCol="0">
+            <a:spAutoFit/>
+          </a:bodyPr>
+          <a:lstStyle/>
+          <a:p>
+            <a:r>
+              <a:rPr lang="en-US" altLang="zh-CN" sz="3200" dirty="0">
+                <a:latin typeface="Arial Black" panose="020B0A04020102020204" pitchFamily="34" charset="0"/>
+              </a:rPr>
+              <a:t>Buy a cellphone?</a:t>
+            </a:r>
+            <a:endParaRPr lang="zh-CN" altLang="en-US" sz="3200" dirty="0">
+              <a:latin typeface="Arial Black" panose="020B0A04020102020204" pitchFamily="34" charset="0"/>
+            </a:endParaRPr>
+          </a:p>
+        </p:txBody>
+      </p:sp>
+      <p:pic>
+        <p:nvPicPr>
+          <p:cNvPr id="11" name="图片 10">
+            <a:extLst>
+              <a:ext uri="{FF2B5EF4-FFF2-40B4-BE49-F238E27FC236}">
+                <a16:creationId xmlns:a16="http://schemas.microsoft.com/office/drawing/2014/main" id="{E0C654A6-5C59-D4CC-F37E-3F3285974BFA}"/>
+              </a:ext>
+            </a:extLst>
+          </p:cNvPr>
+          <p:cNvPicPr>
+            <a:picLocks noChangeAspect="1"/>
+          </p:cNvPicPr>
+          <p:nvPr/>
+        </p:nvPicPr>
+        <p:blipFill>
+          <a:blip r:embed="rId4">
+            <a:extLst>
+              <a:ext uri="{28A0092B-C50C-407E-A947-70E740481C1C}">
+                <a14:useLocalDpi xmlns:a14="http://schemas.microsoft.com/office/drawing/2010/main" val="0"/>
+              </a:ext>
+            </a:extLst>
+          </a:blip>
+          <a:stretch>
+            <a:fillRect/>
+          </a:stretch>
+        </p:blipFill>
+        <p:spPr>
+          <a:xfrm>
+            <a:off x="1729712" y="1605736"/>
+            <a:ext cx="3950550" cy="1975275"/>
+          </a:xfrm>
+          <a:prstGeom prst="rect">
+            <a:avLst/>
+          </a:prstGeom>
+        </p:spPr>
+      </p:pic>
+    </p:spTree>
+    <p:extLst>
+      <p:ext uri="{BB962C8B-B14F-4D97-AF65-F5344CB8AC3E}">
+        <p14:creationId xmlns:p14="http://schemas.microsoft.com/office/powerpoint/2010/main" val="1455481507"/>
+      </p:ext>
+    </p:extLst>
+  </p:cSld>
+  <p:clrMapOvr>
+    <a:masterClrMapping/>
+  </p:clrMapOvr>
+  <mc:AlternateContent xmlns:mc="http://schemas.openxmlformats.org/markup-compatibility/2006" xmlns:p159="http://schemas.microsoft.com/office/powerpoint/2015/09/main">
+    <mc:Choice Requires="p159">
+      <p:transition>
+        <p159:morph option="byObject"/>
+      </p:transition>
+    </mc:Choice>
+    <mc:Fallback xmlns="">
+      <p:transition>
+        <p:fade/>
+      </p:transition>
+    </mc:Fallback>
+  </mc:AlternateContent>
+</p:sld>
+</file>
+
+<file path=ppt/slides/slide4.xml><?xml version="1.0" encoding="utf-8"?>
 <p:sld xmlns:a="http://schemas.openxmlformats.org/drawingml/2006/main" xmlns:r="http://schemas.openxmlformats.org/officeDocument/2006/relationships" xmlns:p="http://schemas.openxmlformats.org/presentationml/2006/main">
   <p:cSld>
     <p:spTree>
@@ -11969,68 +13935,23 @@
           </a:p>
         </p:txBody>
       </p:sp>
-      <p:pic>
-        <p:nvPicPr>
-          <p:cNvPr id="13" name="Picture 2">
-            <a:extLst>
-              <a:ext uri="{FF2B5EF4-FFF2-40B4-BE49-F238E27FC236}">
-                <a16:creationId xmlns:a16="http://schemas.microsoft.com/office/drawing/2014/main" id="{897C8C45-C4E0-3C9D-37E0-3604B81553CB}"/>
-              </a:ext>
-            </a:extLst>
-          </p:cNvPr>
-          <p:cNvPicPr>
-            <a:picLocks noChangeAspect="1" noChangeArrowheads="1"/>
-          </p:cNvPicPr>
-          <p:nvPr/>
-        </p:nvPicPr>
-        <p:blipFill rotWithShape="1">
-          <a:blip r:embed="rId5" cstate="print">
-            <a:extLst>
-              <a:ext uri="{28A0092B-C50C-407E-A947-70E740481C1C}">
-                <a14:useLocalDpi xmlns:a14="http://schemas.microsoft.com/office/drawing/2010/main" val="0"/>
-              </a:ext>
-            </a:extLst>
-          </a:blip>
-          <a:srcRect b="12276"/>
-          <a:stretch/>
-        </p:blipFill>
-        <p:spPr bwMode="auto">
-          <a:xfrm>
-            <a:off x="6171272" y="1598116"/>
-            <a:ext cx="3934795" cy="1951009"/>
-          </a:xfrm>
-          <a:prstGeom prst="rect">
-            <a:avLst/>
-          </a:prstGeom>
-          <a:noFill/>
-          <a:extLst>
-            <a:ext uri="{909E8E84-426E-40DD-AFC4-6F175D3DCCD1}">
-              <a14:hiddenFill xmlns:a14="http://schemas.microsoft.com/office/drawing/2010/main">
-                <a:solidFill>
-                  <a:srgbClr val="FFFFFF"/>
-                </a:solidFill>
-              </a14:hiddenFill>
-            </a:ext>
-          </a:extLst>
-        </p:spPr>
-      </p:pic>
     </p:spTree>
     <p:extLst>
       <p:ext uri="{BB962C8B-B14F-4D97-AF65-F5344CB8AC3E}">
-        <p14:creationId xmlns:p14="http://schemas.microsoft.com/office/powerpoint/2010/main" val="2795060653"/>
+        <p14:creationId xmlns:p14="http://schemas.microsoft.com/office/powerpoint/2010/main" val="1751229888"/>
       </p:ext>
     </p:extLst>
   </p:cSld>
   <p:clrMapOvr>
     <a:masterClrMapping/>
   </p:clrMapOvr>
-  <mc:AlternateContent xmlns:mc="http://schemas.openxmlformats.org/markup-compatibility/2006">
-    <mc:Choice xmlns:p159="http://schemas.microsoft.com/office/powerpoint/2015/09/main" Requires="p159">
+  <mc:AlternateContent xmlns:mc="http://schemas.openxmlformats.org/markup-compatibility/2006" xmlns:p159="http://schemas.microsoft.com/office/powerpoint/2015/09/main">
+    <mc:Choice Requires="p159">
       <p:transition>
         <p159:morph option="byObject"/>
       </p:transition>
     </mc:Choice>
-    <mc:Fallback>
+    <mc:Fallback xmlns="">
       <p:transition>
         <p:fade/>
       </p:transition>
@@ -12039,7 +13960,7 @@
 </p:sld>
 </file>
 
-<file path=ppt/slides/slide6.xml><?xml version="1.0" encoding="utf-8"?>
+<file path=ppt/slides/slide5.xml><?xml version="1.0" encoding="utf-8"?>
 <p:sld xmlns:a="http://schemas.openxmlformats.org/drawingml/2006/main" xmlns:r="http://schemas.openxmlformats.org/officeDocument/2006/relationships" xmlns:p="http://schemas.openxmlformats.org/presentationml/2006/main">
   <p:cSld>
     <p:spTree>
@@ -12342,46 +14263,6 @@
                 <a:latin typeface="Arial Black" panose="020B0A04020102020204" pitchFamily="34" charset="0"/>
               </a:rPr>
               <a:t>Exchange for some dollars?</a:t>
-            </a:r>
-            <a:endParaRPr lang="zh-CN" altLang="en-US" sz="3200" dirty="0">
-              <a:latin typeface="Arial Black" panose="020B0A04020102020204" pitchFamily="34" charset="0"/>
-            </a:endParaRPr>
-          </a:p>
-        </p:txBody>
-      </p:sp>
-      <p:sp>
-        <p:nvSpPr>
-          <p:cNvPr id="8" name="文本框 7">
-            <a:extLst>
-              <a:ext uri="{FF2B5EF4-FFF2-40B4-BE49-F238E27FC236}">
-                <a16:creationId xmlns:a16="http://schemas.microsoft.com/office/drawing/2014/main" id="{51B65565-1C85-9DE6-621B-462403B3A2D9}"/>
-              </a:ext>
-            </a:extLst>
-          </p:cNvPr>
-          <p:cNvSpPr txBox="1"/>
-          <p:nvPr/>
-        </p:nvSpPr>
-        <p:spPr>
-          <a:xfrm>
-            <a:off x="2278841" y="4753440"/>
-            <a:ext cx="2464136" cy="584775"/>
-          </a:xfrm>
-          <a:prstGeom prst="rect">
-            <a:avLst/>
-          </a:prstGeom>
-          <a:noFill/>
-        </p:spPr>
-        <p:txBody>
-          <a:bodyPr wrap="none" rtlCol="0">
-            <a:spAutoFit/>
-          </a:bodyPr>
-          <a:lstStyle/>
-          <a:p>
-            <a:r>
-              <a:rPr lang="en-US" altLang="zh-CN" sz="3200" dirty="0">
-                <a:latin typeface="Arial Black" panose="020B0A04020102020204" pitchFamily="34" charset="0"/>
-              </a:rPr>
-              <a:t>Get a job?</a:t>
             </a:r>
             <a:endParaRPr lang="zh-CN" altLang="en-US" sz="3200" dirty="0">
               <a:latin typeface="Arial Black" panose="020B0A04020102020204" pitchFamily="34" charset="0"/>
@@ -12707,20 +14588,20 @@
     </p:spTree>
     <p:extLst>
       <p:ext uri="{BB962C8B-B14F-4D97-AF65-F5344CB8AC3E}">
-        <p14:creationId xmlns:p14="http://schemas.microsoft.com/office/powerpoint/2010/main" val="1868130702"/>
+        <p14:creationId xmlns:p14="http://schemas.microsoft.com/office/powerpoint/2010/main" val="2795060653"/>
       </p:ext>
     </p:extLst>
   </p:cSld>
   <p:clrMapOvr>
     <a:masterClrMapping/>
   </p:clrMapOvr>
-  <mc:AlternateContent xmlns:mc="http://schemas.openxmlformats.org/markup-compatibility/2006">
-    <mc:Choice xmlns:p159="http://schemas.microsoft.com/office/powerpoint/2015/09/main" Requires="p159">
+  <mc:AlternateContent xmlns:mc="http://schemas.openxmlformats.org/markup-compatibility/2006" xmlns:p159="http://schemas.microsoft.com/office/powerpoint/2015/09/main">
+    <mc:Choice Requires="p159">
       <p:transition>
         <p159:morph option="byObject"/>
       </p:transition>
     </mc:Choice>
-    <mc:Fallback>
+    <mc:Fallback xmlns="">
       <p:transition>
         <p:fade/>
       </p:transition>
@@ -12729,7 +14610,7 @@
 </p:sld>
 </file>
 
-<file path=ppt/slides/slide7.xml><?xml version="1.0" encoding="utf-8"?>
+<file path=ppt/slides/slide6.xml><?xml version="1.0" encoding="utf-8"?>
 <p:sld xmlns:a="http://schemas.openxmlformats.org/drawingml/2006/main" xmlns:r="http://schemas.openxmlformats.org/officeDocument/2006/relationships" xmlns:p="http://schemas.openxmlformats.org/presentationml/2006/main">
   <p:cSld>
     <p:spTree>
@@ -13394,70 +15275,23 @@
           </a:extLst>
         </p:spPr>
       </p:pic>
-      <p:pic>
-        <p:nvPicPr>
-          <p:cNvPr id="14" name="Picture 6">
-            <a:extLst>
-              <a:ext uri="{FF2B5EF4-FFF2-40B4-BE49-F238E27FC236}">
-                <a16:creationId xmlns:a16="http://schemas.microsoft.com/office/drawing/2014/main" id="{F1FBC097-8472-683E-E7A8-6C7C2FB58DE0}"/>
-              </a:ext>
-            </a:extLst>
-          </p:cNvPr>
-          <p:cNvPicPr>
-            <a:picLocks noChangeAspect="1" noChangeArrowheads="1"/>
-          </p:cNvPicPr>
-          <p:nvPr/>
-        </p:nvPicPr>
-        <p:blipFill>
-          <a:blip r:embed="rId6">
-            <a:extLst>
-              <a:ext uri="{28A0092B-C50C-407E-A947-70E740481C1C}">
-                <a14:useLocalDpi xmlns:a14="http://schemas.microsoft.com/office/drawing/2010/main" val="0"/>
-              </a:ext>
-            </a:extLst>
-          </a:blip>
-          <a:srcRect/>
-          <a:stretch>
-            <a:fillRect/>
-          </a:stretch>
-        </p:blipFill>
-        <p:spPr bwMode="auto">
-          <a:xfrm>
-            <a:off x="1737591" y="4014673"/>
-            <a:ext cx="3934796" cy="1967398"/>
-          </a:xfrm>
-          <a:prstGeom prst="rect">
-            <a:avLst/>
-          </a:prstGeom>
-          <a:noFill/>
-          <a:extLst>
-            <a:ext uri="{909E8E84-426E-40DD-AFC4-6F175D3DCCD1}">
-              <a14:hiddenFill xmlns:a14="http://schemas.microsoft.com/office/drawing/2010/main">
-                <a:solidFill>
-                  <a:srgbClr val="FFFFFF"/>
-                </a:solidFill>
-              </a14:hiddenFill>
-            </a:ext>
-          </a:extLst>
-        </p:spPr>
-      </p:pic>
     </p:spTree>
     <p:extLst>
       <p:ext uri="{BB962C8B-B14F-4D97-AF65-F5344CB8AC3E}">
-        <p14:creationId xmlns:p14="http://schemas.microsoft.com/office/powerpoint/2010/main" val="351263523"/>
+        <p14:creationId xmlns:p14="http://schemas.microsoft.com/office/powerpoint/2010/main" val="1868130702"/>
       </p:ext>
     </p:extLst>
   </p:cSld>
   <p:clrMapOvr>
     <a:masterClrMapping/>
   </p:clrMapOvr>
-  <mc:AlternateContent xmlns:mc="http://schemas.openxmlformats.org/markup-compatibility/2006">
-    <mc:Choice xmlns:p159="http://schemas.microsoft.com/office/powerpoint/2015/09/main" Requires="p159">
+  <mc:AlternateContent xmlns:mc="http://schemas.openxmlformats.org/markup-compatibility/2006" xmlns:p159="http://schemas.microsoft.com/office/powerpoint/2015/09/main">
+    <mc:Choice Requires="p159">
       <p:transition>
         <p159:morph option="byObject"/>
       </p:transition>
     </mc:Choice>
-    <mc:Fallback>
+    <mc:Fallback xmlns="">
       <p:transition>
         <p:fade/>
       </p:transition>
@@ -13466,7 +15300,7 @@
 </p:sld>
 </file>
 
-<file path=ppt/slides/slide8.xml><?xml version="1.0" encoding="utf-8"?>
+<file path=ppt/slides/slide7.xml><?xml version="1.0" encoding="utf-8"?>
 <p:sld xmlns:a="http://schemas.openxmlformats.org/drawingml/2006/main" xmlns:r="http://schemas.openxmlformats.org/officeDocument/2006/relationships" xmlns:p="http://schemas.openxmlformats.org/presentationml/2006/main">
   <p:cSld>
     <p:spTree>
@@ -13809,46 +15643,6 @@
                 <a:latin typeface="Arial Black" panose="020B0A04020102020204" pitchFamily="34" charset="0"/>
               </a:rPr>
               <a:t>Get a job?</a:t>
-            </a:r>
-            <a:endParaRPr lang="zh-CN" altLang="en-US" sz="3200" dirty="0">
-              <a:latin typeface="Arial Black" panose="020B0A04020102020204" pitchFamily="34" charset="0"/>
-            </a:endParaRPr>
-          </a:p>
-        </p:txBody>
-      </p:sp>
-      <p:sp>
-        <p:nvSpPr>
-          <p:cNvPr id="9" name="文本框 8">
-            <a:extLst>
-              <a:ext uri="{FF2B5EF4-FFF2-40B4-BE49-F238E27FC236}">
-                <a16:creationId xmlns:a16="http://schemas.microsoft.com/office/drawing/2014/main" id="{190E9E79-BD21-2E29-03BD-3BC6B63EE4F4}"/>
-              </a:ext>
-            </a:extLst>
-          </p:cNvPr>
-          <p:cNvSpPr txBox="1"/>
-          <p:nvPr/>
-        </p:nvSpPr>
-        <p:spPr>
-          <a:xfrm>
-            <a:off x="6400609" y="4753439"/>
-            <a:ext cx="3198311" cy="584775"/>
-          </a:xfrm>
-          <a:prstGeom prst="rect">
-            <a:avLst/>
-          </a:prstGeom>
-          <a:noFill/>
-        </p:spPr>
-        <p:txBody>
-          <a:bodyPr wrap="none" rtlCol="0">
-            <a:spAutoFit/>
-          </a:bodyPr>
-          <a:lstStyle/>
-          <a:p>
-            <a:r>
-              <a:rPr lang="en-US" altLang="zh-CN" sz="3200" dirty="0">
-                <a:latin typeface="Arial Black" panose="020B0A04020102020204" pitchFamily="34" charset="0"/>
-              </a:rPr>
-              <a:t>Have a meal?</a:t>
             </a:r>
             <a:endParaRPr lang="zh-CN" altLang="en-US" sz="3200" dirty="0">
               <a:latin typeface="Arial Black" panose="020B0A04020102020204" pitchFamily="34" charset="0"/>
@@ -14221,20 +16015,20 @@
     </p:spTree>
     <p:extLst>
       <p:ext uri="{BB962C8B-B14F-4D97-AF65-F5344CB8AC3E}">
-        <p14:creationId xmlns:p14="http://schemas.microsoft.com/office/powerpoint/2010/main" val="3673720112"/>
+        <p14:creationId xmlns:p14="http://schemas.microsoft.com/office/powerpoint/2010/main" val="351263523"/>
       </p:ext>
     </p:extLst>
   </p:cSld>
   <p:clrMapOvr>
     <a:masterClrMapping/>
   </p:clrMapOvr>
-  <mc:AlternateContent xmlns:mc="http://schemas.openxmlformats.org/markup-compatibility/2006">
-    <mc:Choice xmlns:p159="http://schemas.microsoft.com/office/powerpoint/2015/09/main" Requires="p159">
+  <mc:AlternateContent xmlns:mc="http://schemas.openxmlformats.org/markup-compatibility/2006" xmlns:p159="http://schemas.microsoft.com/office/powerpoint/2015/09/main">
+    <mc:Choice Requires="p159">
       <p:transition>
         <p159:morph option="byObject"/>
       </p:transition>
     </mc:Choice>
-    <mc:Fallback>
+    <mc:Fallback xmlns="">
       <p:transition>
         <p:fade/>
       </p:transition>
@@ -14243,7 +16037,7 @@
 </p:sld>
 </file>
 
-<file path=ppt/slides/slide9.xml><?xml version="1.0" encoding="utf-8"?>
+<file path=ppt/slides/slide8.xml><?xml version="1.0" encoding="utf-8"?>
 <p:sld xmlns:a="http://schemas.openxmlformats.org/drawingml/2006/main" xmlns:r="http://schemas.openxmlformats.org/officeDocument/2006/relationships" xmlns:p="http://schemas.openxmlformats.org/presentationml/2006/main">
   <p:cSld>
     <p:spTree>
@@ -14995,12 +16789,697 @@
           </a:extLst>
         </p:spPr>
       </p:pic>
+    </p:spTree>
+    <p:extLst>
+      <p:ext uri="{BB962C8B-B14F-4D97-AF65-F5344CB8AC3E}">
+        <p14:creationId xmlns:p14="http://schemas.microsoft.com/office/powerpoint/2010/main" val="3673720112"/>
+      </p:ext>
+    </p:extLst>
+  </p:cSld>
+  <p:clrMapOvr>
+    <a:masterClrMapping/>
+  </p:clrMapOvr>
+  <mc:AlternateContent xmlns:mc="http://schemas.openxmlformats.org/markup-compatibility/2006" xmlns:p159="http://schemas.microsoft.com/office/powerpoint/2015/09/main">
+    <mc:Choice Requires="p159">
+      <p:transition>
+        <p159:morph option="byObject"/>
+      </p:transition>
+    </mc:Choice>
+    <mc:Fallback xmlns="">
+      <p:transition>
+        <p:fade/>
+      </p:transition>
+    </mc:Fallback>
+  </mc:AlternateContent>
+</p:sld>
+</file>
+
+<file path=ppt/slides/slide9.xml><?xml version="1.0" encoding="utf-8"?>
+<p:sld xmlns:a="http://schemas.openxmlformats.org/drawingml/2006/main" xmlns:r="http://schemas.openxmlformats.org/officeDocument/2006/relationships" xmlns:p="http://schemas.openxmlformats.org/presentationml/2006/main">
+  <p:cSld>
+    <p:spTree>
+      <p:nvGrpSpPr>
+        <p:cNvPr id="1" name=""/>
+        <p:cNvGrpSpPr/>
+        <p:nvPr/>
+      </p:nvGrpSpPr>
+      <p:grpSpPr>
+        <a:xfrm>
+          <a:off x="0" y="0"/>
+          <a:ext cx="0" cy="0"/>
+          <a:chOff x="0" y="0"/>
+          <a:chExt cx="0" cy="0"/>
+        </a:xfrm>
+      </p:grpSpPr>
       <p:pic>
         <p:nvPicPr>
-          <p:cNvPr id="15" name="Picture 8">
+          <p:cNvPr id="2" name="图片 1">
             <a:extLst>
               <a:ext uri="{FF2B5EF4-FFF2-40B4-BE49-F238E27FC236}">
-                <a16:creationId xmlns:a16="http://schemas.microsoft.com/office/drawing/2014/main" id="{6F7A9F8E-EB8E-C7B1-8D8D-55ADE154E556}"/>
+                <a16:creationId xmlns:a16="http://schemas.microsoft.com/office/drawing/2014/main" id="{DA5B5388-F131-2590-D4FC-77B39DEAB4A9}"/>
+              </a:ext>
+            </a:extLst>
+          </p:cNvPr>
+          <p:cNvPicPr>
+            <a:picLocks noChangeAspect="1"/>
+          </p:cNvPicPr>
+          <p:nvPr/>
+        </p:nvPicPr>
+        <p:blipFill rotWithShape="1">
+          <a:blip r:embed="rId3" cstate="print">
+            <a:extLst>
+              <a:ext uri="{28A0092B-C50C-407E-A947-70E740481C1C}">
+                <a14:useLocalDpi xmlns:a14="http://schemas.microsoft.com/office/drawing/2010/main" val="0"/>
+              </a:ext>
+            </a:extLst>
+          </a:blip>
+          <a:srcRect b="87581"/>
+          <a:stretch/>
+        </p:blipFill>
+        <p:spPr>
+          <a:xfrm>
+            <a:off x="0" y="0"/>
+            <a:ext cx="12192000" cy="851712"/>
+          </a:xfrm>
+          <a:prstGeom prst="rect">
+            <a:avLst/>
+          </a:prstGeom>
+        </p:spPr>
+      </p:pic>
+      <p:sp>
+        <p:nvSpPr>
+          <p:cNvPr id="3" name="TextBox 294">
+            <a:extLst>
+              <a:ext uri="{FF2B5EF4-FFF2-40B4-BE49-F238E27FC236}">
+                <a16:creationId xmlns:a16="http://schemas.microsoft.com/office/drawing/2014/main" id="{2F296BD8-65D7-9EEA-53E8-1991C472A0E5}"/>
+              </a:ext>
+            </a:extLst>
+          </p:cNvPr>
+          <p:cNvSpPr txBox="1"/>
+          <p:nvPr/>
+        </p:nvSpPr>
+        <p:spPr>
+          <a:xfrm>
+            <a:off x="3510909" y="401708"/>
+            <a:ext cx="4821839" cy="295528"/>
+          </a:xfrm>
+          <a:prstGeom prst="rect">
+            <a:avLst/>
+          </a:prstGeom>
+          <a:noFill/>
+        </p:spPr>
+        <p:txBody>
+          <a:bodyPr wrap="none" lIns="360000" tIns="0" rIns="0" bIns="0" anchor="b" anchorCtr="0">
+            <a:noAutofit/>
+          </a:bodyPr>
+          <a:lstStyle/>
+          <a:p>
+            <a:pPr marL="0" marR="0" lvl="0" indent="0" algn="ctr" defTabSz="914400" eaLnBrk="1" fontAlgn="auto" latinLnBrk="0" hangingPunct="1">
+              <a:lnSpc>
+                <a:spcPct val="100000"/>
+              </a:lnSpc>
+              <a:spcBef>
+                <a:spcPts val="0"/>
+              </a:spcBef>
+              <a:spcAft>
+                <a:spcPts val="0"/>
+              </a:spcAft>
+              <a:buClrTx/>
+              <a:buSzTx/>
+              <a:buFontTx/>
+              <a:buNone/>
+              <a:tabLst/>
+              <a:defRPr/>
+            </a:pPr>
+            <a:r>
+              <a:rPr kumimoji="0" lang="en-US" altLang="zh-CN" sz="3200" b="1" i="0" u="none" strike="noStrike" kern="0" cap="none" normalizeH="0" baseline="0" noProof="0" dirty="0">
+                <a:ln>
+                  <a:noFill/>
+                </a:ln>
+                <a:solidFill>
+                  <a:schemeClr val="bg1"/>
+                </a:solidFill>
+                <a:effectLst/>
+                <a:uLnTx/>
+                <a:uFillTx/>
+                <a:latin typeface="微软雅黑" panose="020B0503020204020204" pitchFamily="34" charset="-122"/>
+                <a:ea typeface="微软雅黑" panose="020B0503020204020204" pitchFamily="34" charset="-122"/>
+                <a:cs typeface="+mn-ea"/>
+                <a:sym typeface="+mn-lt"/>
+              </a:rPr>
+              <a:t>BACKGROUND</a:t>
+            </a:r>
+            <a:endParaRPr kumimoji="0" lang="zh-CN" altLang="en-US" sz="3200" b="1" i="0" u="none" strike="noStrike" kern="0" cap="none" normalizeH="0" baseline="0" noProof="0" dirty="0">
+              <a:ln>
+                <a:noFill/>
+              </a:ln>
+              <a:solidFill>
+                <a:schemeClr val="bg1"/>
+              </a:solidFill>
+              <a:effectLst/>
+              <a:uLnTx/>
+              <a:uFillTx/>
+              <a:latin typeface="微软雅黑" panose="020B0503020204020204" pitchFamily="34" charset="-122"/>
+              <a:ea typeface="微软雅黑" panose="020B0503020204020204" pitchFamily="34" charset="-122"/>
+              <a:cs typeface="+mn-ea"/>
+              <a:sym typeface="+mn-lt"/>
+            </a:endParaRPr>
+          </a:p>
+        </p:txBody>
+      </p:sp>
+      <p:sp>
+        <p:nvSpPr>
+          <p:cNvPr id="4" name="箭头: 右 3">
+            <a:extLst>
+              <a:ext uri="{FF2B5EF4-FFF2-40B4-BE49-F238E27FC236}">
+                <a16:creationId xmlns:a16="http://schemas.microsoft.com/office/drawing/2014/main" id="{9E40FFC4-6026-1ADB-FD5F-B1D4EFF8E9A6}"/>
+              </a:ext>
+            </a:extLst>
+          </p:cNvPr>
+          <p:cNvSpPr/>
+          <p:nvPr/>
+        </p:nvSpPr>
+        <p:spPr>
+          <a:xfrm>
+            <a:off x="1390835" y="3565514"/>
+            <a:ext cx="9410330" cy="449159"/>
+          </a:xfrm>
+          <a:prstGeom prst="rightArrow">
+            <a:avLst>
+              <a:gd name="adj1" fmla="val 50000"/>
+              <a:gd name="adj2" fmla="val 202191"/>
+            </a:avLst>
+          </a:prstGeom>
+          <a:ln/>
+        </p:spPr>
+        <p:style>
+          <a:lnRef idx="0">
+            <a:schemeClr val="accent1"/>
+          </a:lnRef>
+          <a:fillRef idx="3">
+            <a:schemeClr val="accent1"/>
+          </a:fillRef>
+          <a:effectRef idx="3">
+            <a:schemeClr val="accent1"/>
+          </a:effectRef>
+          <a:fontRef idx="minor">
+            <a:schemeClr val="lt1"/>
+          </a:fontRef>
+        </p:style>
+        <p:txBody>
+          <a:bodyPr rtlCol="0" anchor="ctr"/>
+          <a:lstStyle/>
+          <a:p>
+            <a:pPr algn="ctr"/>
+            <a:endParaRPr lang="zh-CN" altLang="en-US"/>
+          </a:p>
+        </p:txBody>
+      </p:sp>
+      <p:sp>
+        <p:nvSpPr>
+          <p:cNvPr id="6" name="箭头: 右 5">
+            <a:extLst>
+              <a:ext uri="{FF2B5EF4-FFF2-40B4-BE49-F238E27FC236}">
+                <a16:creationId xmlns:a16="http://schemas.microsoft.com/office/drawing/2014/main" id="{6C291EAC-EECD-B907-6113-AAE3740DDAE2}"/>
+              </a:ext>
+            </a:extLst>
+          </p:cNvPr>
+          <p:cNvSpPr/>
+          <p:nvPr/>
+        </p:nvSpPr>
+        <p:spPr>
+          <a:xfrm rot="16200000">
+            <a:off x="3098731" y="3539551"/>
+            <a:ext cx="5646197" cy="449159"/>
+          </a:xfrm>
+          <a:prstGeom prst="rightArrow">
+            <a:avLst>
+              <a:gd name="adj1" fmla="val 50000"/>
+              <a:gd name="adj2" fmla="val 202191"/>
+            </a:avLst>
+          </a:prstGeom>
+          <a:ln/>
+        </p:spPr>
+        <p:style>
+          <a:lnRef idx="0">
+            <a:schemeClr val="accent1"/>
+          </a:lnRef>
+          <a:fillRef idx="3">
+            <a:schemeClr val="accent1"/>
+          </a:fillRef>
+          <a:effectRef idx="3">
+            <a:schemeClr val="accent1"/>
+          </a:effectRef>
+          <a:fontRef idx="minor">
+            <a:schemeClr val="lt1"/>
+          </a:fontRef>
+        </p:style>
+        <p:txBody>
+          <a:bodyPr rtlCol="0" anchor="ctr"/>
+          <a:lstStyle/>
+          <a:p>
+            <a:pPr algn="ctr"/>
+            <a:endParaRPr lang="zh-CN" altLang="en-US"/>
+          </a:p>
+        </p:txBody>
+      </p:sp>
+      <p:sp>
+        <p:nvSpPr>
+          <p:cNvPr id="5" name="文本框 4">
+            <a:extLst>
+              <a:ext uri="{FF2B5EF4-FFF2-40B4-BE49-F238E27FC236}">
+                <a16:creationId xmlns:a16="http://schemas.microsoft.com/office/drawing/2014/main" id="{DCCA718E-C358-F7DA-ED18-8105C6BD48DD}"/>
+              </a:ext>
+            </a:extLst>
+          </p:cNvPr>
+          <p:cNvSpPr txBox="1"/>
+          <p:nvPr/>
+        </p:nvSpPr>
+        <p:spPr>
+          <a:xfrm>
+            <a:off x="1681407" y="2405849"/>
+            <a:ext cx="4015843" cy="584775"/>
+          </a:xfrm>
+          <a:prstGeom prst="rect">
+            <a:avLst/>
+          </a:prstGeom>
+          <a:noFill/>
+        </p:spPr>
+        <p:txBody>
+          <a:bodyPr wrap="none" rtlCol="0">
+            <a:spAutoFit/>
+          </a:bodyPr>
+          <a:lstStyle/>
+          <a:p>
+            <a:r>
+              <a:rPr lang="en-US" altLang="zh-CN" sz="3200" dirty="0">
+                <a:latin typeface="Arial Black" panose="020B0A04020102020204" pitchFamily="34" charset="0"/>
+              </a:rPr>
+              <a:t>Buy a cellphone?</a:t>
+            </a:r>
+            <a:endParaRPr lang="zh-CN" altLang="en-US" sz="3200" dirty="0">
+              <a:latin typeface="Arial Black" panose="020B0A04020102020204" pitchFamily="34" charset="0"/>
+            </a:endParaRPr>
+          </a:p>
+        </p:txBody>
+      </p:sp>
+      <p:sp>
+        <p:nvSpPr>
+          <p:cNvPr id="7" name="文本框 6">
+            <a:extLst>
+              <a:ext uri="{FF2B5EF4-FFF2-40B4-BE49-F238E27FC236}">
+                <a16:creationId xmlns:a16="http://schemas.microsoft.com/office/drawing/2014/main" id="{671BD886-77DD-BC83-F2E9-A92031A2E881}"/>
+              </a:ext>
+            </a:extLst>
+          </p:cNvPr>
+          <p:cNvSpPr txBox="1"/>
+          <p:nvPr/>
+        </p:nvSpPr>
+        <p:spPr>
+          <a:xfrm>
+            <a:off x="6163397" y="2238274"/>
+            <a:ext cx="3664184" cy="1077218"/>
+          </a:xfrm>
+          <a:prstGeom prst="rect">
+            <a:avLst/>
+          </a:prstGeom>
+          <a:noFill/>
+        </p:spPr>
+        <p:txBody>
+          <a:bodyPr wrap="square" rtlCol="0">
+            <a:spAutoFit/>
+          </a:bodyPr>
+          <a:lstStyle/>
+          <a:p>
+            <a:pPr algn="ctr"/>
+            <a:r>
+              <a:rPr lang="en-US" altLang="zh-CN" sz="3200" dirty="0">
+                <a:latin typeface="Arial Black" panose="020B0A04020102020204" pitchFamily="34" charset="0"/>
+              </a:rPr>
+              <a:t>Exchange for some dollars?</a:t>
+            </a:r>
+            <a:endParaRPr lang="zh-CN" altLang="en-US" sz="3200" dirty="0">
+              <a:latin typeface="Arial Black" panose="020B0A04020102020204" pitchFamily="34" charset="0"/>
+            </a:endParaRPr>
+          </a:p>
+        </p:txBody>
+      </p:sp>
+      <p:sp>
+        <p:nvSpPr>
+          <p:cNvPr id="8" name="文本框 7">
+            <a:extLst>
+              <a:ext uri="{FF2B5EF4-FFF2-40B4-BE49-F238E27FC236}">
+                <a16:creationId xmlns:a16="http://schemas.microsoft.com/office/drawing/2014/main" id="{51B65565-1C85-9DE6-621B-462403B3A2D9}"/>
+              </a:ext>
+            </a:extLst>
+          </p:cNvPr>
+          <p:cNvSpPr txBox="1"/>
+          <p:nvPr/>
+        </p:nvSpPr>
+        <p:spPr>
+          <a:xfrm>
+            <a:off x="2278841" y="4753440"/>
+            <a:ext cx="2464136" cy="584775"/>
+          </a:xfrm>
+          <a:prstGeom prst="rect">
+            <a:avLst/>
+          </a:prstGeom>
+          <a:noFill/>
+        </p:spPr>
+        <p:txBody>
+          <a:bodyPr wrap="none" rtlCol="0">
+            <a:spAutoFit/>
+          </a:bodyPr>
+          <a:lstStyle/>
+          <a:p>
+            <a:r>
+              <a:rPr lang="en-US" altLang="zh-CN" sz="3200" dirty="0">
+                <a:latin typeface="Arial Black" panose="020B0A04020102020204" pitchFamily="34" charset="0"/>
+              </a:rPr>
+              <a:t>Get a job?</a:t>
+            </a:r>
+            <a:endParaRPr lang="zh-CN" altLang="en-US" sz="3200" dirty="0">
+              <a:latin typeface="Arial Black" panose="020B0A04020102020204" pitchFamily="34" charset="0"/>
+            </a:endParaRPr>
+          </a:p>
+        </p:txBody>
+      </p:sp>
+      <p:sp>
+        <p:nvSpPr>
+          <p:cNvPr id="9" name="文本框 8">
+            <a:extLst>
+              <a:ext uri="{FF2B5EF4-FFF2-40B4-BE49-F238E27FC236}">
+                <a16:creationId xmlns:a16="http://schemas.microsoft.com/office/drawing/2014/main" id="{190E9E79-BD21-2E29-03BD-3BC6B63EE4F4}"/>
+              </a:ext>
+            </a:extLst>
+          </p:cNvPr>
+          <p:cNvSpPr txBox="1"/>
+          <p:nvPr/>
+        </p:nvSpPr>
+        <p:spPr>
+          <a:xfrm>
+            <a:off x="6400609" y="4753439"/>
+            <a:ext cx="3198311" cy="584775"/>
+          </a:xfrm>
+          <a:prstGeom prst="rect">
+            <a:avLst/>
+          </a:prstGeom>
+          <a:noFill/>
+        </p:spPr>
+        <p:txBody>
+          <a:bodyPr wrap="none" rtlCol="0">
+            <a:spAutoFit/>
+          </a:bodyPr>
+          <a:lstStyle/>
+          <a:p>
+            <a:r>
+              <a:rPr lang="en-US" altLang="zh-CN" sz="3200" dirty="0">
+                <a:latin typeface="Arial Black" panose="020B0A04020102020204" pitchFamily="34" charset="0"/>
+              </a:rPr>
+              <a:t>Have a meal?</a:t>
+            </a:r>
+            <a:endParaRPr lang="zh-CN" altLang="en-US" sz="3200" dirty="0">
+              <a:latin typeface="Arial Black" panose="020B0A04020102020204" pitchFamily="34" charset="0"/>
+            </a:endParaRPr>
+          </a:p>
+        </p:txBody>
+      </p:sp>
+      <p:pic>
+        <p:nvPicPr>
+          <p:cNvPr id="11" name="图片 10">
+            <a:extLst>
+              <a:ext uri="{FF2B5EF4-FFF2-40B4-BE49-F238E27FC236}">
+                <a16:creationId xmlns:a16="http://schemas.microsoft.com/office/drawing/2014/main" id="{E0C654A6-5C59-D4CC-F37E-3F3285974BFA}"/>
+              </a:ext>
+            </a:extLst>
+          </p:cNvPr>
+          <p:cNvPicPr>
+            <a:picLocks noChangeAspect="1"/>
+          </p:cNvPicPr>
+          <p:nvPr/>
+        </p:nvPicPr>
+        <p:blipFill>
+          <a:blip r:embed="rId4">
+            <a:extLst>
+              <a:ext uri="{28A0092B-C50C-407E-A947-70E740481C1C}">
+                <a14:useLocalDpi xmlns:a14="http://schemas.microsoft.com/office/drawing/2010/main" val="0"/>
+              </a:ext>
+            </a:extLst>
+          </a:blip>
+          <a:stretch>
+            <a:fillRect/>
+          </a:stretch>
+        </p:blipFill>
+        <p:spPr>
+          <a:xfrm>
+            <a:off x="1729712" y="1605736"/>
+            <a:ext cx="3950550" cy="1975275"/>
+          </a:xfrm>
+          <a:prstGeom prst="rect">
+            <a:avLst/>
+          </a:prstGeom>
+        </p:spPr>
+      </p:pic>
+      <p:sp>
+        <p:nvSpPr>
+          <p:cNvPr id="10" name="Rectangle 1">
+            <a:extLst>
+              <a:ext uri="{FF2B5EF4-FFF2-40B4-BE49-F238E27FC236}">
+                <a16:creationId xmlns:a16="http://schemas.microsoft.com/office/drawing/2014/main" id="{CB9E41A0-E5C9-43FD-DDBE-87C8C21B0B5E}"/>
+              </a:ext>
+            </a:extLst>
+          </p:cNvPr>
+          <p:cNvSpPr>
+            <a:spLocks noChangeArrowheads="1"/>
+          </p:cNvSpPr>
+          <p:nvPr/>
+        </p:nvSpPr>
+        <p:spPr bwMode="auto">
+          <a:xfrm>
+            <a:off x="0" y="0"/>
+            <a:ext cx="12192000" cy="0"/>
+          </a:xfrm>
+          <a:prstGeom prst="rect">
+            <a:avLst/>
+          </a:prstGeom>
+          <a:solidFill>
+            <a:srgbClr val="FFFFFF"/>
+          </a:solidFill>
+          <a:ln>
+            <a:noFill/>
+          </a:ln>
+          <a:effectLst/>
+          <a:extLst>
+            <a:ext uri="{91240B29-F687-4F45-9708-019B960494DF}">
+              <a14:hiddenLine xmlns:a14="http://schemas.microsoft.com/office/drawing/2010/main" w="9525">
+                <a:solidFill>
+                  <a:schemeClr val="tx1"/>
+                </a:solidFill>
+                <a:miter lim="800000"/>
+                <a:headEnd/>
+                <a:tailEnd/>
+              </a14:hiddenLine>
+            </a:ext>
+            <a:ext uri="{AF507438-7753-43E0-B8FC-AC1667EBCBE1}">
+              <a14:hiddenEffects xmlns:a14="http://schemas.microsoft.com/office/drawing/2010/main">
+                <a:effectLst>
+                  <a:outerShdw dist="35921" dir="2700000" algn="ctr" rotWithShape="0">
+                    <a:schemeClr val="bg2"/>
+                  </a:outerShdw>
+                </a:effectLst>
+              </a14:hiddenEffects>
+            </a:ext>
+          </a:extLst>
+        </p:spPr>
+        <p:txBody>
+          <a:bodyPr vert="horz" wrap="none" lIns="0" tIns="0" rIns="0" bIns="0" numCol="1" anchor="ctr" anchorCtr="0" compatLnSpc="1">
+            <a:prstTxWarp prst="textNoShape">
+              <a:avLst/>
+            </a:prstTxWarp>
+            <a:spAutoFit/>
+          </a:bodyPr>
+          <a:lstStyle/>
+          <a:p>
+            <a:pPr marL="0" marR="0" lvl="0" indent="0" algn="l" defTabSz="914400" rtl="0" eaLnBrk="0" fontAlgn="base" latinLnBrk="0" hangingPunct="0">
+              <a:lnSpc>
+                <a:spcPct val="100000"/>
+              </a:lnSpc>
+              <a:spcBef>
+                <a:spcPct val="0"/>
+              </a:spcBef>
+              <a:spcAft>
+                <a:spcPct val="0"/>
+              </a:spcAft>
+              <a:buClrTx/>
+              <a:buSzTx/>
+              <a:buFontTx/>
+              <a:buNone/>
+              <a:tabLst/>
+            </a:pPr>
+            <a:endParaRPr kumimoji="0" lang="zh-CN" altLang="zh-CN" sz="1800" b="0" i="0" u="none" strike="noStrike" cap="none" normalizeH="0" baseline="0">
+              <a:ln>
+                <a:noFill/>
+              </a:ln>
+              <a:solidFill>
+                <a:schemeClr val="tx1"/>
+              </a:solidFill>
+              <a:effectLst/>
+              <a:latin typeface="Arial" panose="020B0604020202020204" pitchFamily="34" charset="0"/>
+            </a:endParaRPr>
+          </a:p>
+          <a:p>
+            <a:pPr marL="0" marR="0" lvl="0" indent="0" algn="l" defTabSz="914400" rtl="0" eaLnBrk="0" fontAlgn="base" latinLnBrk="0" hangingPunct="0">
+              <a:lnSpc>
+                <a:spcPct val="100000"/>
+              </a:lnSpc>
+              <a:spcBef>
+                <a:spcPct val="0"/>
+              </a:spcBef>
+              <a:spcAft>
+                <a:spcPct val="0"/>
+              </a:spcAft>
+              <a:buClrTx/>
+              <a:buSzTx/>
+              <a:buFontTx/>
+              <a:buNone/>
+              <a:tabLst/>
+            </a:pPr>
+            <a:endParaRPr kumimoji="0" lang="zh-CN" altLang="zh-CN" sz="1800" b="0" i="0" u="none" strike="noStrike" cap="none" normalizeH="0" baseline="0">
+              <a:ln>
+                <a:noFill/>
+              </a:ln>
+              <a:solidFill>
+                <a:schemeClr val="tx1"/>
+              </a:solidFill>
+              <a:effectLst/>
+              <a:latin typeface="Arial" panose="020B0604020202020204" pitchFamily="34" charset="0"/>
+            </a:endParaRPr>
+          </a:p>
+        </p:txBody>
+      </p:sp>
+      <p:sp>
+        <p:nvSpPr>
+          <p:cNvPr id="12" name="Rectangle 2">
+            <a:extLst>
+              <a:ext uri="{FF2B5EF4-FFF2-40B4-BE49-F238E27FC236}">
+                <a16:creationId xmlns:a16="http://schemas.microsoft.com/office/drawing/2014/main" id="{4431A6AD-BD7A-CDC2-55D9-C7BFB660DB4D}"/>
+              </a:ext>
+            </a:extLst>
+          </p:cNvPr>
+          <p:cNvSpPr>
+            <a:spLocks noChangeArrowheads="1"/>
+          </p:cNvSpPr>
+          <p:nvPr/>
+        </p:nvSpPr>
+        <p:spPr bwMode="auto">
+          <a:xfrm>
+            <a:off x="152400" y="152400"/>
+            <a:ext cx="12192000" cy="0"/>
+          </a:xfrm>
+          <a:prstGeom prst="rect">
+            <a:avLst/>
+          </a:prstGeom>
+          <a:solidFill>
+            <a:srgbClr val="FFFFFF"/>
+          </a:solidFill>
+          <a:ln>
+            <a:noFill/>
+          </a:ln>
+          <a:effectLst/>
+          <a:extLst>
+            <a:ext uri="{91240B29-F687-4F45-9708-019B960494DF}">
+              <a14:hiddenLine xmlns:a14="http://schemas.microsoft.com/office/drawing/2010/main" w="9525">
+                <a:solidFill>
+                  <a:schemeClr val="tx1"/>
+                </a:solidFill>
+                <a:miter lim="800000"/>
+                <a:headEnd/>
+                <a:tailEnd/>
+              </a14:hiddenLine>
+            </a:ext>
+            <a:ext uri="{AF507438-7753-43E0-B8FC-AC1667EBCBE1}">
+              <a14:hiddenEffects xmlns:a14="http://schemas.microsoft.com/office/drawing/2010/main">
+                <a:effectLst>
+                  <a:outerShdw dist="35921" dir="2700000" algn="ctr" rotWithShape="0">
+                    <a:schemeClr val="bg2"/>
+                  </a:outerShdw>
+                </a:effectLst>
+              </a14:hiddenEffects>
+            </a:ext>
+          </a:extLst>
+        </p:spPr>
+        <p:txBody>
+          <a:bodyPr vert="horz" wrap="none" lIns="0" tIns="0" rIns="0" bIns="0" numCol="1" anchor="ctr" anchorCtr="0" compatLnSpc="1">
+            <a:prstTxWarp prst="textNoShape">
+              <a:avLst/>
+            </a:prstTxWarp>
+            <a:spAutoFit/>
+          </a:bodyPr>
+          <a:lstStyle/>
+          <a:p>
+            <a:pPr marL="0" marR="0" lvl="0" indent="0" algn="l" defTabSz="914400" rtl="0" eaLnBrk="0" fontAlgn="base" latinLnBrk="0" hangingPunct="0">
+              <a:lnSpc>
+                <a:spcPct val="100000"/>
+              </a:lnSpc>
+              <a:spcBef>
+                <a:spcPct val="0"/>
+              </a:spcBef>
+              <a:spcAft>
+                <a:spcPct val="0"/>
+              </a:spcAft>
+              <a:buClrTx/>
+              <a:buSzTx/>
+              <a:buFontTx/>
+              <a:buNone/>
+              <a:tabLst/>
+            </a:pPr>
+            <a:endParaRPr kumimoji="0" lang="zh-CN" altLang="zh-CN" sz="1800" b="0" i="0" u="none" strike="noStrike" cap="none" normalizeH="0" baseline="0">
+              <a:ln>
+                <a:noFill/>
+              </a:ln>
+              <a:solidFill>
+                <a:schemeClr val="tx1"/>
+              </a:solidFill>
+              <a:effectLst/>
+              <a:latin typeface="Arial" panose="020B0604020202020204" pitchFamily="34" charset="0"/>
+            </a:endParaRPr>
+          </a:p>
+          <a:p>
+            <a:pPr marL="0" marR="0" lvl="0" indent="0" algn="l" defTabSz="914400" rtl="0" eaLnBrk="0" fontAlgn="base" latinLnBrk="0" hangingPunct="0">
+              <a:lnSpc>
+                <a:spcPct val="100000"/>
+              </a:lnSpc>
+              <a:spcBef>
+                <a:spcPct val="0"/>
+              </a:spcBef>
+              <a:spcAft>
+                <a:spcPct val="0"/>
+              </a:spcAft>
+              <a:buClrTx/>
+              <a:buSzTx/>
+              <a:buFontTx/>
+              <a:buNone/>
+              <a:tabLst/>
+            </a:pPr>
+            <a:endParaRPr kumimoji="0" lang="zh-CN" altLang="zh-CN" sz="1800" b="0" i="0" u="none" strike="noStrike" cap="none" normalizeH="0" baseline="0">
+              <a:ln>
+                <a:noFill/>
+              </a:ln>
+              <a:solidFill>
+                <a:schemeClr val="tx1"/>
+              </a:solidFill>
+              <a:effectLst/>
+              <a:latin typeface="Arial" panose="020B0604020202020204" pitchFamily="34" charset="0"/>
+            </a:endParaRPr>
+          </a:p>
+        </p:txBody>
+      </p:sp>
+      <p:pic>
+        <p:nvPicPr>
+          <p:cNvPr id="13" name="Picture 2">
+            <a:extLst>
+              <a:ext uri="{FF2B5EF4-FFF2-40B4-BE49-F238E27FC236}">
+                <a16:creationId xmlns:a16="http://schemas.microsoft.com/office/drawing/2014/main" id="{897C8C45-C4E0-3C9D-37E0-3604B81553CB}"/>
               </a:ext>
             </a:extLst>
           </p:cNvPr>
@@ -15009,23 +17488,21 @@
           </p:cNvPicPr>
           <p:nvPr/>
         </p:nvPicPr>
-        <p:blipFill>
-          <a:blip r:embed="rId7" cstate="print">
+        <p:blipFill rotWithShape="1">
+          <a:blip r:embed="rId5" cstate="print">
             <a:extLst>
               <a:ext uri="{28A0092B-C50C-407E-A947-70E740481C1C}">
                 <a14:useLocalDpi xmlns:a14="http://schemas.microsoft.com/office/drawing/2010/main" val="0"/>
               </a:ext>
             </a:extLst>
           </a:blip>
-          <a:srcRect/>
-          <a:stretch>
-            <a:fillRect/>
-          </a:stretch>
+          <a:srcRect b="12276"/>
+          <a:stretch/>
         </p:blipFill>
         <p:spPr bwMode="auto">
           <a:xfrm>
-            <a:off x="6171272" y="4014673"/>
-            <a:ext cx="3934795" cy="1967398"/>
+            <a:off x="6171272" y="1598116"/>
+            <a:ext cx="3934795" cy="1951009"/>
           </a:xfrm>
           <a:prstGeom prst="rect">
             <a:avLst/>
@@ -15042,6 +17519,100 @@
           </a:extLst>
         </p:spPr>
       </p:pic>
+      <p:pic>
+        <p:nvPicPr>
+          <p:cNvPr id="14" name="Picture 6">
+            <a:extLst>
+              <a:ext uri="{FF2B5EF4-FFF2-40B4-BE49-F238E27FC236}">
+                <a16:creationId xmlns:a16="http://schemas.microsoft.com/office/drawing/2014/main" id="{F1FBC097-8472-683E-E7A8-6C7C2FB58DE0}"/>
+              </a:ext>
+            </a:extLst>
+          </p:cNvPr>
+          <p:cNvPicPr>
+            <a:picLocks noChangeAspect="1" noChangeArrowheads="1"/>
+          </p:cNvPicPr>
+          <p:nvPr/>
+        </p:nvPicPr>
+        <p:blipFill>
+          <a:blip r:embed="rId6">
+            <a:extLst>
+              <a:ext uri="{28A0092B-C50C-407E-A947-70E740481C1C}">
+                <a14:useLocalDpi xmlns:a14="http://schemas.microsoft.com/office/drawing/2010/main" val="0"/>
+              </a:ext>
+            </a:extLst>
+          </a:blip>
+          <a:srcRect/>
+          <a:stretch>
+            <a:fillRect/>
+          </a:stretch>
+        </p:blipFill>
+        <p:spPr bwMode="auto">
+          <a:xfrm>
+            <a:off x="1737591" y="4014673"/>
+            <a:ext cx="3934796" cy="1967398"/>
+          </a:xfrm>
+          <a:prstGeom prst="rect">
+            <a:avLst/>
+          </a:prstGeom>
+          <a:noFill/>
+          <a:extLst>
+            <a:ext uri="{909E8E84-426E-40DD-AFC4-6F175D3DCCD1}">
+              <a14:hiddenFill xmlns:a14="http://schemas.microsoft.com/office/drawing/2010/main">
+                <a:solidFill>
+                  <a:srgbClr val="FFFFFF"/>
+                </a:solidFill>
+              </a14:hiddenFill>
+            </a:ext>
+          </a:extLst>
+        </p:spPr>
+      </p:pic>
+      <p:pic>
+        <p:nvPicPr>
+          <p:cNvPr id="15" name="Picture 8">
+            <a:extLst>
+              <a:ext uri="{FF2B5EF4-FFF2-40B4-BE49-F238E27FC236}">
+                <a16:creationId xmlns:a16="http://schemas.microsoft.com/office/drawing/2014/main" id="{6F7A9F8E-EB8E-C7B1-8D8D-55ADE154E556}"/>
+              </a:ext>
+            </a:extLst>
+          </p:cNvPr>
+          <p:cNvPicPr>
+            <a:picLocks noChangeAspect="1" noChangeArrowheads="1"/>
+          </p:cNvPicPr>
+          <p:nvPr/>
+        </p:nvPicPr>
+        <p:blipFill>
+          <a:blip r:embed="rId7" cstate="print">
+            <a:extLst>
+              <a:ext uri="{28A0092B-C50C-407E-A947-70E740481C1C}">
+                <a14:useLocalDpi xmlns:a14="http://schemas.microsoft.com/office/drawing/2010/main" val="0"/>
+              </a:ext>
+            </a:extLst>
+          </a:blip>
+          <a:srcRect/>
+          <a:stretch>
+            <a:fillRect/>
+          </a:stretch>
+        </p:blipFill>
+        <p:spPr bwMode="auto">
+          <a:xfrm>
+            <a:off x="6171272" y="4014673"/>
+            <a:ext cx="3934795" cy="1967398"/>
+          </a:xfrm>
+          <a:prstGeom prst="rect">
+            <a:avLst/>
+          </a:prstGeom>
+          <a:noFill/>
+          <a:extLst>
+            <a:ext uri="{909E8E84-426E-40DD-AFC4-6F175D3DCCD1}">
+              <a14:hiddenFill xmlns:a14="http://schemas.microsoft.com/office/drawing/2010/main">
+                <a:solidFill>
+                  <a:srgbClr val="FFFFFF"/>
+                </a:solidFill>
+              </a14:hiddenFill>
+            </a:ext>
+          </a:extLst>
+        </p:spPr>
+      </p:pic>
     </p:spTree>
     <p:extLst>
       <p:ext uri="{BB962C8B-B14F-4D97-AF65-F5344CB8AC3E}">
@@ -15052,13 +17623,13 @@
   <p:clrMapOvr>
     <a:masterClrMapping/>
   </p:clrMapOvr>
-  <mc:AlternateContent xmlns:mc="http://schemas.openxmlformats.org/markup-compatibility/2006">
-    <mc:Choice xmlns:p159="http://schemas.microsoft.com/office/powerpoint/2015/09/main" Requires="p159">
+  <mc:AlternateContent xmlns:mc="http://schemas.openxmlformats.org/markup-compatibility/2006" xmlns:p159="http://schemas.microsoft.com/office/powerpoint/2015/09/main">
+    <mc:Choice Requires="p159">
       <p:transition>
         <p159:morph option="byObject"/>
       </p:transition>
     </mc:Choice>
-    <mc:Fallback>
+    <mc:Fallback xmlns="">
       <p:transition>
         <p:fade/>
       </p:transition>

--- a/硕士生英语/background.pptx
+++ b/硕士生英语/background.pptx
@@ -215,7 +215,7 @@
           <a:p>
             <a:fld id="{C400AB4D-CBEB-45BB-9B41-8F5056A5C7DA}" type="datetimeFigureOut">
               <a:rPr lang="zh-CN" altLang="en-US" smtClean="0"/>
-              <a:t>2022/10/7</a:t>
+              <a:t>2022/10/11</a:t>
             </a:fld>
             <a:endParaRPr lang="zh-CN" altLang="en-US"/>
           </a:p>
@@ -610,7 +610,61 @@
           <a:bodyPr/>
           <a:lstStyle/>
           <a:p>
-            <a:endParaRPr lang="zh-CN" altLang="en-US"/>
+            <a:pPr algn="just"/>
+            <a:r>
+              <a:rPr lang="en-US" altLang="zh-CN" sz="1800" kern="100" dirty="0">
+                <a:effectLst/>
+                <a:latin typeface="Times New Roman" panose="02020603050405020304" pitchFamily="18" charset="0"/>
+                <a:ea typeface="宋体" panose="02010600030101010101" pitchFamily="2" charset="-122"/>
+                <a:cs typeface="Times New Roman" panose="02020603050405020304" pitchFamily="18" charset="0"/>
+              </a:rPr>
+              <a:t>Through all these deals? What's in common?</a:t>
+            </a:r>
+            <a:endParaRPr lang="zh-CN" altLang="zh-CN" sz="1800" kern="100" dirty="0">
+              <a:effectLst/>
+              <a:latin typeface="Times New Roman" panose="02020603050405020304" pitchFamily="18" charset="0"/>
+              <a:ea typeface="宋体" panose="02010600030101010101" pitchFamily="2" charset="-122"/>
+              <a:cs typeface="Times New Roman" panose="02020603050405020304" pitchFamily="18" charset="0"/>
+            </a:endParaRPr>
+          </a:p>
+          <a:p>
+            <a:pPr algn="just"/>
+            <a:r>
+              <a:rPr lang="en-US" altLang="zh-CN" sz="1800" kern="100" dirty="0">
+                <a:effectLst/>
+                <a:latin typeface="Times New Roman" panose="02020603050405020304" pitchFamily="18" charset="0"/>
+                <a:ea typeface="宋体" panose="02010600030101010101" pitchFamily="2" charset="-122"/>
+                <a:cs typeface="Times New Roman" panose="02020603050405020304" pitchFamily="18" charset="0"/>
+              </a:rPr>
+              <a:t>They all go through some certain institution. In other words, they are all centralized.</a:t>
+            </a:r>
+            <a:endParaRPr lang="zh-CN" altLang="zh-CN" sz="1800" kern="100" dirty="0">
+              <a:effectLst/>
+              <a:latin typeface="Times New Roman" panose="02020603050405020304" pitchFamily="18" charset="0"/>
+              <a:ea typeface="宋体" panose="02010600030101010101" pitchFamily="2" charset="-122"/>
+              <a:cs typeface="Times New Roman" panose="02020603050405020304" pitchFamily="18" charset="0"/>
+            </a:endParaRPr>
+          </a:p>
+          <a:p>
+            <a:pPr algn="just"/>
+            <a:r>
+              <a:rPr lang="en-US" altLang="zh-CN" sz="1800" kern="100" dirty="0">
+                <a:effectLst/>
+                <a:latin typeface="Times New Roman" panose="02020603050405020304" pitchFamily="18" charset="0"/>
+                <a:ea typeface="宋体" panose="02010600030101010101" pitchFamily="2" charset="-122"/>
+                <a:cs typeface="Times New Roman" panose="02020603050405020304" pitchFamily="18" charset="0"/>
+              </a:rPr>
+              <a:t>From ancient times to the present, this is the pattern of our human deals: centralized.</a:t>
+            </a:r>
+            <a:endParaRPr lang="zh-CN" altLang="zh-CN" sz="1800" kern="100" dirty="0">
+              <a:effectLst/>
+              <a:latin typeface="Times New Roman" panose="02020603050405020304" pitchFamily="18" charset="0"/>
+              <a:ea typeface="宋体" panose="02010600030101010101" pitchFamily="2" charset="-122"/>
+              <a:cs typeface="Times New Roman" panose="02020603050405020304" pitchFamily="18" charset="0"/>
+            </a:endParaRPr>
+          </a:p>
+          <a:p>
+            <a:endParaRPr lang="zh-CN" altLang="en-US" dirty="0"/>
           </a:p>
         </p:txBody>
       </p:sp>
@@ -754,6 +808,60 @@
           <a:bodyPr/>
           <a:lstStyle/>
           <a:p>
+            <a:pPr algn="just"/>
+            <a:r>
+              <a:rPr lang="en-US" altLang="zh-CN" sz="1800" kern="100" dirty="0">
+                <a:effectLst/>
+                <a:latin typeface="Times New Roman" panose="02020603050405020304" pitchFamily="18" charset="0"/>
+                <a:ea typeface="宋体" panose="02010600030101010101" pitchFamily="2" charset="-122"/>
+                <a:cs typeface="Times New Roman" panose="02020603050405020304" pitchFamily="18" charset="0"/>
+              </a:rPr>
+              <a:t>Through all these deals? What's in common?</a:t>
+            </a:r>
+            <a:endParaRPr lang="zh-CN" altLang="zh-CN" sz="1800" kern="100" dirty="0">
+              <a:effectLst/>
+              <a:latin typeface="Times New Roman" panose="02020603050405020304" pitchFamily="18" charset="0"/>
+              <a:ea typeface="宋体" panose="02010600030101010101" pitchFamily="2" charset="-122"/>
+              <a:cs typeface="Times New Roman" panose="02020603050405020304" pitchFamily="18" charset="0"/>
+            </a:endParaRPr>
+          </a:p>
+          <a:p>
+            <a:pPr algn="just"/>
+            <a:r>
+              <a:rPr lang="en-US" altLang="zh-CN" sz="1800" kern="100" dirty="0">
+                <a:effectLst/>
+                <a:latin typeface="Times New Roman" panose="02020603050405020304" pitchFamily="18" charset="0"/>
+                <a:ea typeface="宋体" panose="02010600030101010101" pitchFamily="2" charset="-122"/>
+                <a:cs typeface="Times New Roman" panose="02020603050405020304" pitchFamily="18" charset="0"/>
+              </a:rPr>
+              <a:t>They all go through some certain institution. In other words, they are all centralized.</a:t>
+            </a:r>
+            <a:endParaRPr lang="zh-CN" altLang="zh-CN" sz="1800" kern="100" dirty="0">
+              <a:effectLst/>
+              <a:latin typeface="Times New Roman" panose="02020603050405020304" pitchFamily="18" charset="0"/>
+              <a:ea typeface="宋体" panose="02010600030101010101" pitchFamily="2" charset="-122"/>
+              <a:cs typeface="Times New Roman" panose="02020603050405020304" pitchFamily="18" charset="0"/>
+            </a:endParaRPr>
+          </a:p>
+          <a:p>
+            <a:pPr algn="just"/>
+            <a:r>
+              <a:rPr lang="en-US" altLang="zh-CN" sz="1800" kern="100" dirty="0">
+                <a:effectLst/>
+                <a:latin typeface="Times New Roman" panose="02020603050405020304" pitchFamily="18" charset="0"/>
+                <a:ea typeface="宋体" panose="02010600030101010101" pitchFamily="2" charset="-122"/>
+                <a:cs typeface="Times New Roman" panose="02020603050405020304" pitchFamily="18" charset="0"/>
+              </a:rPr>
+              <a:t>From ancient times to the present, this is the pattern of our human deals: centralized.</a:t>
+            </a:r>
+            <a:endParaRPr lang="zh-CN" altLang="zh-CN" sz="1800" kern="100" dirty="0">
+              <a:effectLst/>
+              <a:latin typeface="Times New Roman" panose="02020603050405020304" pitchFamily="18" charset="0"/>
+              <a:ea typeface="宋体" panose="02010600030101010101" pitchFamily="2" charset="-122"/>
+              <a:cs typeface="Times New Roman" panose="02020603050405020304" pitchFamily="18" charset="0"/>
+            </a:endParaRPr>
+          </a:p>
+          <a:p>
             <a:endParaRPr lang="zh-CN" altLang="en-US" dirty="0"/>
           </a:p>
         </p:txBody>
@@ -898,7 +1006,61 @@
           <a:bodyPr/>
           <a:lstStyle/>
           <a:p>
-            <a:endParaRPr lang="zh-CN" altLang="en-US"/>
+            <a:pPr algn="just"/>
+            <a:r>
+              <a:rPr lang="en-US" altLang="zh-CN" sz="1800" kern="100" dirty="0">
+                <a:effectLst/>
+                <a:latin typeface="Times New Roman" panose="02020603050405020304" pitchFamily="18" charset="0"/>
+                <a:ea typeface="宋体" panose="02010600030101010101" pitchFamily="2" charset="-122"/>
+                <a:cs typeface="Times New Roman" panose="02020603050405020304" pitchFamily="18" charset="0"/>
+              </a:rPr>
+              <a:t>Through all these deals? What's in common?</a:t>
+            </a:r>
+            <a:endParaRPr lang="zh-CN" altLang="zh-CN" sz="1800" kern="100" dirty="0">
+              <a:effectLst/>
+              <a:latin typeface="Times New Roman" panose="02020603050405020304" pitchFamily="18" charset="0"/>
+              <a:ea typeface="宋体" panose="02010600030101010101" pitchFamily="2" charset="-122"/>
+              <a:cs typeface="Times New Roman" panose="02020603050405020304" pitchFamily="18" charset="0"/>
+            </a:endParaRPr>
+          </a:p>
+          <a:p>
+            <a:pPr algn="just"/>
+            <a:r>
+              <a:rPr lang="en-US" altLang="zh-CN" sz="1800" kern="100" dirty="0">
+                <a:effectLst/>
+                <a:latin typeface="Times New Roman" panose="02020603050405020304" pitchFamily="18" charset="0"/>
+                <a:ea typeface="宋体" panose="02010600030101010101" pitchFamily="2" charset="-122"/>
+                <a:cs typeface="Times New Roman" panose="02020603050405020304" pitchFamily="18" charset="0"/>
+              </a:rPr>
+              <a:t>They all go through some certain institution. In other words, they are all centralized.</a:t>
+            </a:r>
+            <a:endParaRPr lang="zh-CN" altLang="zh-CN" sz="1800" kern="100" dirty="0">
+              <a:effectLst/>
+              <a:latin typeface="Times New Roman" panose="02020603050405020304" pitchFamily="18" charset="0"/>
+              <a:ea typeface="宋体" panose="02010600030101010101" pitchFamily="2" charset="-122"/>
+              <a:cs typeface="Times New Roman" panose="02020603050405020304" pitchFamily="18" charset="0"/>
+            </a:endParaRPr>
+          </a:p>
+          <a:p>
+            <a:pPr algn="just"/>
+            <a:r>
+              <a:rPr lang="en-US" altLang="zh-CN" sz="1800" kern="100" dirty="0">
+                <a:effectLst/>
+                <a:latin typeface="Times New Roman" panose="02020603050405020304" pitchFamily="18" charset="0"/>
+                <a:ea typeface="宋体" panose="02010600030101010101" pitchFamily="2" charset="-122"/>
+                <a:cs typeface="Times New Roman" panose="02020603050405020304" pitchFamily="18" charset="0"/>
+              </a:rPr>
+              <a:t>From ancient times to the present, this is the pattern of our human deals: centralized.</a:t>
+            </a:r>
+            <a:endParaRPr lang="zh-CN" altLang="zh-CN" sz="1800" kern="100" dirty="0">
+              <a:effectLst/>
+              <a:latin typeface="Times New Roman" panose="02020603050405020304" pitchFamily="18" charset="0"/>
+              <a:ea typeface="宋体" panose="02010600030101010101" pitchFamily="2" charset="-122"/>
+              <a:cs typeface="Times New Roman" panose="02020603050405020304" pitchFamily="18" charset="0"/>
+            </a:endParaRPr>
+          </a:p>
+          <a:p>
+            <a:endParaRPr lang="zh-CN" altLang="en-US" dirty="0"/>
           </a:p>
         </p:txBody>
       </p:sp>
@@ -998,6 +1160,416 @@
 </p:notes>
 </file>
 
+<file path=ppt/notesSlides/notesSlide13.xml><?xml version="1.0" encoding="utf-8"?>
+<p:notes xmlns:a="http://schemas.openxmlformats.org/drawingml/2006/main" xmlns:r="http://schemas.openxmlformats.org/officeDocument/2006/relationships" xmlns:p="http://schemas.openxmlformats.org/presentationml/2006/main">
+  <p:cSld>
+    <p:spTree>
+      <p:nvGrpSpPr>
+        <p:cNvPr id="1" name=""/>
+        <p:cNvGrpSpPr/>
+        <p:nvPr/>
+      </p:nvGrpSpPr>
+      <p:grpSpPr>
+        <a:xfrm>
+          <a:off x="0" y="0"/>
+          <a:ext cx="0" cy="0"/>
+          <a:chOff x="0" y="0"/>
+          <a:chExt cx="0" cy="0"/>
+        </a:xfrm>
+      </p:grpSpPr>
+      <p:sp>
+        <p:nvSpPr>
+          <p:cNvPr id="2" name="幻灯片图像占位符 1"/>
+          <p:cNvSpPr>
+            <a:spLocks noGrp="1" noRot="1" noChangeAspect="1"/>
+          </p:cNvSpPr>
+          <p:nvPr>
+            <p:ph type="sldImg"/>
+          </p:nvPr>
+        </p:nvSpPr>
+        <p:spPr/>
+      </p:sp>
+      <p:sp>
+        <p:nvSpPr>
+          <p:cNvPr id="3" name="备注占位符 2"/>
+          <p:cNvSpPr>
+            <a:spLocks noGrp="1"/>
+          </p:cNvSpPr>
+          <p:nvPr>
+            <p:ph type="body" idx="1"/>
+          </p:nvPr>
+        </p:nvSpPr>
+        <p:spPr/>
+        <p:txBody>
+          <a:bodyPr/>
+          <a:lstStyle/>
+          <a:p>
+            <a:pPr marL="0" marR="0" lvl="0" indent="0" algn="l" defTabSz="914400" rtl="0" eaLnBrk="1" fontAlgn="auto" latinLnBrk="0" hangingPunct="1">
+              <a:lnSpc>
+                <a:spcPct val="100000"/>
+              </a:lnSpc>
+              <a:spcBef>
+                <a:spcPts val="0"/>
+              </a:spcBef>
+              <a:spcAft>
+                <a:spcPts val="0"/>
+              </a:spcAft>
+              <a:buClrTx/>
+              <a:buSzTx/>
+              <a:buFontTx/>
+              <a:buNone/>
+              <a:tabLst/>
+              <a:defRPr/>
+            </a:pPr>
+            <a:r>
+              <a:rPr lang="en-US" altLang="zh-CN" sz="1800" kern="100" dirty="0">
+                <a:effectLst/>
+                <a:latin typeface="Times New Roman" panose="02020603050405020304" pitchFamily="18" charset="0"/>
+                <a:ea typeface="宋体" panose="02010600030101010101" pitchFamily="2" charset="-122"/>
+                <a:cs typeface="Times New Roman" panose="02020603050405020304" pitchFamily="18" charset="0"/>
+              </a:rPr>
+              <a:t>However, in 2009, a man named Satoshi Nakamoto invented a totally different money, bitcoin. He wants to use bitcoin to change such a centralized trading model. The bitcoin began to grow wildly during this decade, skyrocketing from worthless to tens of thousands of dollars a piece.</a:t>
+            </a:r>
+            <a:endParaRPr lang="zh-CN" altLang="zh-CN" sz="1800" kern="100" dirty="0">
+              <a:effectLst/>
+              <a:latin typeface="Times New Roman" panose="02020603050405020304" pitchFamily="18" charset="0"/>
+              <a:ea typeface="宋体" panose="02010600030101010101" pitchFamily="2" charset="-122"/>
+              <a:cs typeface="Times New Roman" panose="02020603050405020304" pitchFamily="18" charset="0"/>
+            </a:endParaRPr>
+          </a:p>
+          <a:p>
+            <a:endParaRPr lang="zh-CN" altLang="en-US" dirty="0"/>
+          </a:p>
+        </p:txBody>
+      </p:sp>
+      <p:sp>
+        <p:nvSpPr>
+          <p:cNvPr id="4" name="灯片编号占位符 3"/>
+          <p:cNvSpPr>
+            <a:spLocks noGrp="1"/>
+          </p:cNvSpPr>
+          <p:nvPr>
+            <p:ph type="sldNum" sz="quarter" idx="5"/>
+          </p:nvPr>
+        </p:nvSpPr>
+        <p:spPr/>
+        <p:txBody>
+          <a:bodyPr/>
+          <a:lstStyle/>
+          <a:p>
+            <a:fld id="{BDAC74D5-D087-4137-B29E-0308C543770E}" type="slidenum">
+              <a:rPr lang="zh-CN" altLang="en-US" smtClean="0"/>
+              <a:t>13</a:t>
+            </a:fld>
+            <a:endParaRPr lang="zh-CN" altLang="en-US"/>
+          </a:p>
+        </p:txBody>
+      </p:sp>
+    </p:spTree>
+    <p:extLst>
+      <p:ext uri="{BB962C8B-B14F-4D97-AF65-F5344CB8AC3E}">
+        <p14:creationId xmlns:p14="http://schemas.microsoft.com/office/powerpoint/2010/main" val="3897400505"/>
+      </p:ext>
+    </p:extLst>
+  </p:cSld>
+  <p:clrMapOvr>
+    <a:masterClrMapping/>
+  </p:clrMapOvr>
+</p:notes>
+</file>
+
+<file path=ppt/notesSlides/notesSlide14.xml><?xml version="1.0" encoding="utf-8"?>
+<p:notes xmlns:a="http://schemas.openxmlformats.org/drawingml/2006/main" xmlns:r="http://schemas.openxmlformats.org/officeDocument/2006/relationships" xmlns:p="http://schemas.openxmlformats.org/presentationml/2006/main">
+  <p:cSld>
+    <p:spTree>
+      <p:nvGrpSpPr>
+        <p:cNvPr id="1" name=""/>
+        <p:cNvGrpSpPr/>
+        <p:nvPr/>
+      </p:nvGrpSpPr>
+      <p:grpSpPr>
+        <a:xfrm>
+          <a:off x="0" y="0"/>
+          <a:ext cx="0" cy="0"/>
+          <a:chOff x="0" y="0"/>
+          <a:chExt cx="0" cy="0"/>
+        </a:xfrm>
+      </p:grpSpPr>
+      <p:sp>
+        <p:nvSpPr>
+          <p:cNvPr id="2" name="幻灯片图像占位符 1"/>
+          <p:cNvSpPr>
+            <a:spLocks noGrp="1" noRot="1" noChangeAspect="1"/>
+          </p:cNvSpPr>
+          <p:nvPr>
+            <p:ph type="sldImg"/>
+          </p:nvPr>
+        </p:nvSpPr>
+        <p:spPr/>
+      </p:sp>
+      <p:sp>
+        <p:nvSpPr>
+          <p:cNvPr id="3" name="备注占位符 2"/>
+          <p:cNvSpPr>
+            <a:spLocks noGrp="1"/>
+          </p:cNvSpPr>
+          <p:nvPr>
+            <p:ph type="body" idx="1"/>
+          </p:nvPr>
+        </p:nvSpPr>
+        <p:spPr/>
+        <p:txBody>
+          <a:bodyPr/>
+          <a:lstStyle/>
+          <a:p>
+            <a:pPr marL="0" marR="0" lvl="0" indent="0" algn="l" defTabSz="914400" rtl="0" eaLnBrk="1" fontAlgn="auto" latinLnBrk="0" hangingPunct="1">
+              <a:lnSpc>
+                <a:spcPct val="100000"/>
+              </a:lnSpc>
+              <a:spcBef>
+                <a:spcPts val="0"/>
+              </a:spcBef>
+              <a:spcAft>
+                <a:spcPts val="0"/>
+              </a:spcAft>
+              <a:buClrTx/>
+              <a:buSzTx/>
+              <a:buFontTx/>
+              <a:buNone/>
+              <a:tabLst/>
+              <a:defRPr/>
+            </a:pPr>
+            <a:r>
+              <a:rPr lang="en-US" altLang="zh-CN" sz="1800" kern="100" dirty="0">
+                <a:effectLst/>
+                <a:latin typeface="Times New Roman" panose="02020603050405020304" pitchFamily="18" charset="0"/>
+                <a:ea typeface="宋体" panose="02010600030101010101" pitchFamily="2" charset="-122"/>
+                <a:cs typeface="Times New Roman" panose="02020603050405020304" pitchFamily="18" charset="0"/>
+              </a:rPr>
+              <a:t>However, in 2009, a man named Satoshi Nakamoto invented a totally different money, bitcoin. He wants to use bitcoin to change such a centralized trading model. The bitcoin began to grow wildly during this decade, skyrocketing from worthless to tens of thousands of dollars a piece.</a:t>
+            </a:r>
+            <a:endParaRPr lang="zh-CN" altLang="zh-CN" sz="1800" kern="100" dirty="0">
+              <a:effectLst/>
+              <a:latin typeface="Times New Roman" panose="02020603050405020304" pitchFamily="18" charset="0"/>
+              <a:ea typeface="宋体" panose="02010600030101010101" pitchFamily="2" charset="-122"/>
+              <a:cs typeface="Times New Roman" panose="02020603050405020304" pitchFamily="18" charset="0"/>
+            </a:endParaRPr>
+          </a:p>
+          <a:p>
+            <a:endParaRPr lang="zh-CN" altLang="en-US" dirty="0"/>
+          </a:p>
+        </p:txBody>
+      </p:sp>
+      <p:sp>
+        <p:nvSpPr>
+          <p:cNvPr id="4" name="灯片编号占位符 3"/>
+          <p:cNvSpPr>
+            <a:spLocks noGrp="1"/>
+          </p:cNvSpPr>
+          <p:nvPr>
+            <p:ph type="sldNum" sz="quarter" idx="5"/>
+          </p:nvPr>
+        </p:nvSpPr>
+        <p:spPr/>
+        <p:txBody>
+          <a:bodyPr/>
+          <a:lstStyle/>
+          <a:p>
+            <a:fld id="{BDAC74D5-D087-4137-B29E-0308C543770E}" type="slidenum">
+              <a:rPr lang="zh-CN" altLang="en-US" smtClean="0"/>
+              <a:t>14</a:t>
+            </a:fld>
+            <a:endParaRPr lang="zh-CN" altLang="en-US"/>
+          </a:p>
+        </p:txBody>
+      </p:sp>
+    </p:spTree>
+    <p:extLst>
+      <p:ext uri="{BB962C8B-B14F-4D97-AF65-F5344CB8AC3E}">
+        <p14:creationId xmlns:p14="http://schemas.microsoft.com/office/powerpoint/2010/main" val="3603160215"/>
+      </p:ext>
+    </p:extLst>
+  </p:cSld>
+  <p:clrMapOvr>
+    <a:masterClrMapping/>
+  </p:clrMapOvr>
+</p:notes>
+</file>
+
+<file path=ppt/notesSlides/notesSlide15.xml><?xml version="1.0" encoding="utf-8"?>
+<p:notes xmlns:a="http://schemas.openxmlformats.org/drawingml/2006/main" xmlns:r="http://schemas.openxmlformats.org/officeDocument/2006/relationships" xmlns:p="http://schemas.openxmlformats.org/presentationml/2006/main">
+  <p:cSld>
+    <p:spTree>
+      <p:nvGrpSpPr>
+        <p:cNvPr id="1" name=""/>
+        <p:cNvGrpSpPr/>
+        <p:nvPr/>
+      </p:nvGrpSpPr>
+      <p:grpSpPr>
+        <a:xfrm>
+          <a:off x="0" y="0"/>
+          <a:ext cx="0" cy="0"/>
+          <a:chOff x="0" y="0"/>
+          <a:chExt cx="0" cy="0"/>
+        </a:xfrm>
+      </p:grpSpPr>
+      <p:sp>
+        <p:nvSpPr>
+          <p:cNvPr id="2" name="幻灯片图像占位符 1"/>
+          <p:cNvSpPr>
+            <a:spLocks noGrp="1" noRot="1" noChangeAspect="1"/>
+          </p:cNvSpPr>
+          <p:nvPr>
+            <p:ph type="sldImg"/>
+          </p:nvPr>
+        </p:nvSpPr>
+        <p:spPr/>
+      </p:sp>
+      <p:sp>
+        <p:nvSpPr>
+          <p:cNvPr id="3" name="备注占位符 2"/>
+          <p:cNvSpPr>
+            <a:spLocks noGrp="1"/>
+          </p:cNvSpPr>
+          <p:nvPr>
+            <p:ph type="body" idx="1"/>
+          </p:nvPr>
+        </p:nvSpPr>
+        <p:spPr/>
+        <p:txBody>
+          <a:bodyPr/>
+          <a:lstStyle/>
+          <a:p>
+            <a:pPr algn="just"/>
+            <a:r>
+              <a:rPr lang="en-US" altLang="zh-CN" sz="1800" kern="100" dirty="0">
+                <a:effectLst/>
+                <a:latin typeface="Times New Roman" panose="02020603050405020304" pitchFamily="18" charset="0"/>
+                <a:ea typeface="宋体" panose="02010600030101010101" pitchFamily="2" charset="-122"/>
+                <a:cs typeface="Times New Roman" panose="02020603050405020304" pitchFamily="18" charset="0"/>
+              </a:rPr>
+              <a:t>You may want to ask:</a:t>
+            </a:r>
+            <a:endParaRPr lang="zh-CN" altLang="zh-CN" sz="1800" kern="100" dirty="0">
+              <a:effectLst/>
+              <a:latin typeface="Times New Roman" panose="02020603050405020304" pitchFamily="18" charset="0"/>
+              <a:ea typeface="宋体" panose="02010600030101010101" pitchFamily="2" charset="-122"/>
+              <a:cs typeface="Times New Roman" panose="02020603050405020304" pitchFamily="18" charset="0"/>
+            </a:endParaRPr>
+          </a:p>
+          <a:p>
+            <a:pPr algn="just"/>
+            <a:r>
+              <a:rPr lang="en-US" altLang="zh-CN" sz="1800" kern="100" dirty="0">
+                <a:effectLst/>
+                <a:latin typeface="Times New Roman" panose="02020603050405020304" pitchFamily="18" charset="0"/>
+                <a:ea typeface="宋体" panose="02010600030101010101" pitchFamily="2" charset="-122"/>
+                <a:cs typeface="Times New Roman" panose="02020603050405020304" pitchFamily="18" charset="0"/>
+              </a:rPr>
+              <a:t>Why are the capital markets so bullish on Bitcoin?</a:t>
+            </a:r>
+            <a:endParaRPr lang="zh-CN" altLang="zh-CN" sz="1800" kern="100" dirty="0">
+              <a:effectLst/>
+              <a:latin typeface="Times New Roman" panose="02020603050405020304" pitchFamily="18" charset="0"/>
+              <a:ea typeface="宋体" panose="02010600030101010101" pitchFamily="2" charset="-122"/>
+              <a:cs typeface="Times New Roman" panose="02020603050405020304" pitchFamily="18" charset="0"/>
+            </a:endParaRPr>
+          </a:p>
+          <a:p>
+            <a:pPr algn="just"/>
+            <a:r>
+              <a:rPr lang="en-US" altLang="zh-CN" sz="1800" kern="100" dirty="0">
+                <a:effectLst/>
+                <a:latin typeface="Times New Roman" panose="02020603050405020304" pitchFamily="18" charset="0"/>
+                <a:ea typeface="宋体" panose="02010600030101010101" pitchFamily="2" charset="-122"/>
+                <a:cs typeface="Times New Roman" panose="02020603050405020304" pitchFamily="18" charset="0"/>
+              </a:rPr>
+              <a:t>And how exactly will blockchain affect our economy?</a:t>
+            </a:r>
+            <a:endParaRPr lang="zh-CN" altLang="zh-CN" sz="1800" kern="100" dirty="0">
+              <a:effectLst/>
+              <a:latin typeface="Times New Roman" panose="02020603050405020304" pitchFamily="18" charset="0"/>
+              <a:ea typeface="宋体" panose="02010600030101010101" pitchFamily="2" charset="-122"/>
+              <a:cs typeface="Times New Roman" panose="02020603050405020304" pitchFamily="18" charset="0"/>
+            </a:endParaRPr>
+          </a:p>
+          <a:p>
+            <a:pPr algn="just"/>
+            <a:r>
+              <a:rPr lang="en-US" altLang="zh-CN" sz="1800" kern="100" dirty="0">
+                <a:effectLst/>
+                <a:latin typeface="Times New Roman" panose="02020603050405020304" pitchFamily="18" charset="0"/>
+                <a:ea typeface="宋体" panose="02010600030101010101" pitchFamily="2" charset="-122"/>
+                <a:cs typeface="Times New Roman" panose="02020603050405020304" pitchFamily="18" charset="0"/>
+              </a:rPr>
+              <a:t> </a:t>
+            </a:r>
+            <a:endParaRPr lang="zh-CN" altLang="zh-CN" sz="1800" kern="100" dirty="0">
+              <a:effectLst/>
+              <a:latin typeface="Times New Roman" panose="02020603050405020304" pitchFamily="18" charset="0"/>
+              <a:ea typeface="宋体" panose="02010600030101010101" pitchFamily="2" charset="-122"/>
+              <a:cs typeface="Times New Roman" panose="02020603050405020304" pitchFamily="18" charset="0"/>
+            </a:endParaRPr>
+          </a:p>
+          <a:p>
+            <a:pPr algn="just"/>
+            <a:r>
+              <a:rPr lang="en-US" altLang="zh-CN" sz="1800" kern="100" dirty="0">
+                <a:effectLst/>
+                <a:latin typeface="Times New Roman" panose="02020603050405020304" pitchFamily="18" charset="0"/>
+                <a:ea typeface="宋体" panose="02010600030101010101" pitchFamily="2" charset="-122"/>
+                <a:cs typeface="Times New Roman" panose="02020603050405020304" pitchFamily="18" charset="0"/>
+              </a:rPr>
+              <a:t>That’s today’s topic. Let’s go to chapter 2: Structure.</a:t>
+            </a:r>
+            <a:endParaRPr lang="zh-CN" altLang="zh-CN" sz="1800" kern="100" dirty="0">
+              <a:effectLst/>
+              <a:latin typeface="Times New Roman" panose="02020603050405020304" pitchFamily="18" charset="0"/>
+              <a:ea typeface="宋体" panose="02010600030101010101" pitchFamily="2" charset="-122"/>
+              <a:cs typeface="Times New Roman" panose="02020603050405020304" pitchFamily="18" charset="0"/>
+            </a:endParaRPr>
+          </a:p>
+          <a:p>
+            <a:endParaRPr lang="zh-CN" altLang="en-US" dirty="0"/>
+          </a:p>
+        </p:txBody>
+      </p:sp>
+      <p:sp>
+        <p:nvSpPr>
+          <p:cNvPr id="4" name="灯片编号占位符 3"/>
+          <p:cNvSpPr>
+            <a:spLocks noGrp="1"/>
+          </p:cNvSpPr>
+          <p:nvPr>
+            <p:ph type="sldNum" sz="quarter" idx="5"/>
+          </p:nvPr>
+        </p:nvSpPr>
+        <p:spPr/>
+        <p:txBody>
+          <a:bodyPr/>
+          <a:lstStyle/>
+          <a:p>
+            <a:fld id="{BDAC74D5-D087-4137-B29E-0308C543770E}" type="slidenum">
+              <a:rPr lang="zh-CN" altLang="en-US" smtClean="0"/>
+              <a:t>15</a:t>
+            </a:fld>
+            <a:endParaRPr lang="zh-CN" altLang="en-US"/>
+          </a:p>
+        </p:txBody>
+      </p:sp>
+    </p:spTree>
+    <p:extLst>
+      <p:ext uri="{BB962C8B-B14F-4D97-AF65-F5344CB8AC3E}">
+        <p14:creationId xmlns:p14="http://schemas.microsoft.com/office/powerpoint/2010/main" val="2894429650"/>
+      </p:ext>
+    </p:extLst>
+  </p:cSld>
+  <p:clrMapOvr>
+    <a:masterClrMapping/>
+  </p:clrMapOvr>
+</p:notes>
+</file>
+
 <file path=ppt/notesSlides/notesSlide2.xml><?xml version="1.0" encoding="utf-8"?>
 <p:notes xmlns:a="http://schemas.openxmlformats.org/drawingml/2006/main" xmlns:r="http://schemas.openxmlformats.org/officeDocument/2006/relationships" xmlns:p="http://schemas.openxmlformats.org/presentationml/2006/main">
   <p:cSld>
@@ -1042,7 +1614,79 @@
           <a:bodyPr/>
           <a:lstStyle/>
           <a:p>
-            <a:endParaRPr lang="zh-CN" altLang="en-US"/>
+            <a:pPr algn="just"/>
+            <a:r>
+              <a:rPr lang="en-US" altLang="zh-CN" sz="1800" kern="100" dirty="0">
+                <a:effectLst/>
+                <a:latin typeface="Times New Roman" panose="02020603050405020304" pitchFamily="18" charset="0"/>
+                <a:ea typeface="宋体" panose="02010600030101010101" pitchFamily="2" charset="-122"/>
+                <a:cs typeface="Times New Roman" panose="02020603050405020304" pitchFamily="18" charset="0"/>
+              </a:rPr>
+              <a:t>What would you like to do if you want to buy a cellphone?</a:t>
+            </a:r>
+            <a:endParaRPr lang="zh-CN" altLang="zh-CN" sz="1800" kern="100" dirty="0">
+              <a:effectLst/>
+              <a:latin typeface="Times New Roman" panose="02020603050405020304" pitchFamily="18" charset="0"/>
+              <a:ea typeface="宋体" panose="02010600030101010101" pitchFamily="2" charset="-122"/>
+              <a:cs typeface="Times New Roman" panose="02020603050405020304" pitchFamily="18" charset="0"/>
+            </a:endParaRPr>
+          </a:p>
+          <a:p>
+            <a:pPr algn="just"/>
+            <a:r>
+              <a:rPr lang="en-US" altLang="zh-CN" sz="1800" kern="100" dirty="0">
+                <a:effectLst/>
+                <a:latin typeface="Times New Roman" panose="02020603050405020304" pitchFamily="18" charset="0"/>
+                <a:ea typeface="宋体" panose="02010600030101010101" pitchFamily="2" charset="-122"/>
+                <a:cs typeface="Times New Roman" panose="02020603050405020304" pitchFamily="18" charset="0"/>
+              </a:rPr>
+              <a:t>You may open a online shopping mall like </a:t>
+            </a:r>
+            <a:r>
+              <a:rPr lang="en-US" altLang="zh-CN" sz="1800" kern="100" dirty="0" err="1">
+                <a:effectLst/>
+                <a:latin typeface="Times New Roman" panose="02020603050405020304" pitchFamily="18" charset="0"/>
+                <a:ea typeface="宋体" panose="02010600030101010101" pitchFamily="2" charset="-122"/>
+                <a:cs typeface="Times New Roman" panose="02020603050405020304" pitchFamily="18" charset="0"/>
+              </a:rPr>
+              <a:t>JingDong</a:t>
+            </a:r>
+            <a:r>
+              <a:rPr lang="en-US" altLang="zh-CN" sz="1800" kern="100" dirty="0">
+                <a:effectLst/>
+                <a:latin typeface="Times New Roman" panose="02020603050405020304" pitchFamily="18" charset="0"/>
+                <a:ea typeface="宋体" panose="02010600030101010101" pitchFamily="2" charset="-122"/>
+                <a:cs typeface="Times New Roman" panose="02020603050405020304" pitchFamily="18" charset="0"/>
+              </a:rPr>
+              <a:t>.</a:t>
+            </a:r>
+            <a:endParaRPr lang="zh-CN" altLang="zh-CN" sz="1800" kern="100" dirty="0">
+              <a:effectLst/>
+              <a:latin typeface="Times New Roman" panose="02020603050405020304" pitchFamily="18" charset="0"/>
+              <a:ea typeface="宋体" panose="02010600030101010101" pitchFamily="2" charset="-122"/>
+              <a:cs typeface="Times New Roman" panose="02020603050405020304" pitchFamily="18" charset="0"/>
+            </a:endParaRPr>
+          </a:p>
+          <a:p>
+            <a:pPr algn="just"/>
+            <a:r>
+              <a:rPr lang="en-US" altLang="zh-CN" sz="1800" kern="100" dirty="0">
+                <a:effectLst/>
+                <a:latin typeface="Times New Roman" panose="02020603050405020304" pitchFamily="18" charset="0"/>
+                <a:ea typeface="宋体" panose="02010600030101010101" pitchFamily="2" charset="-122"/>
+                <a:cs typeface="Times New Roman" panose="02020603050405020304" pitchFamily="18" charset="0"/>
+              </a:rPr>
+              <a:t> </a:t>
+            </a:r>
+            <a:endParaRPr lang="zh-CN" altLang="zh-CN" sz="1800" kern="100" dirty="0">
+              <a:effectLst/>
+              <a:latin typeface="Times New Roman" panose="02020603050405020304" pitchFamily="18" charset="0"/>
+              <a:ea typeface="宋体" panose="02010600030101010101" pitchFamily="2" charset="-122"/>
+              <a:cs typeface="Times New Roman" panose="02020603050405020304" pitchFamily="18" charset="0"/>
+            </a:endParaRPr>
+          </a:p>
+          <a:p>
+            <a:endParaRPr lang="zh-CN" altLang="en-US" dirty="0"/>
           </a:p>
         </p:txBody>
       </p:sp>
@@ -1186,7 +1830,79 @@
           <a:bodyPr/>
           <a:lstStyle/>
           <a:p>
-            <a:endParaRPr lang="zh-CN" altLang="en-US"/>
+            <a:pPr algn="just"/>
+            <a:r>
+              <a:rPr lang="en-US" altLang="zh-CN" sz="1800" kern="100" dirty="0">
+                <a:effectLst/>
+                <a:latin typeface="Times New Roman" panose="02020603050405020304" pitchFamily="18" charset="0"/>
+                <a:ea typeface="宋体" panose="02010600030101010101" pitchFamily="2" charset="-122"/>
+                <a:cs typeface="Times New Roman" panose="02020603050405020304" pitchFamily="18" charset="0"/>
+              </a:rPr>
+              <a:t>What would you like to do if you want to buy a cellphone?</a:t>
+            </a:r>
+            <a:endParaRPr lang="zh-CN" altLang="zh-CN" sz="1800" kern="100" dirty="0">
+              <a:effectLst/>
+              <a:latin typeface="Times New Roman" panose="02020603050405020304" pitchFamily="18" charset="0"/>
+              <a:ea typeface="宋体" panose="02010600030101010101" pitchFamily="2" charset="-122"/>
+              <a:cs typeface="Times New Roman" panose="02020603050405020304" pitchFamily="18" charset="0"/>
+            </a:endParaRPr>
+          </a:p>
+          <a:p>
+            <a:pPr algn="just"/>
+            <a:r>
+              <a:rPr lang="en-US" altLang="zh-CN" sz="1800" kern="100" dirty="0">
+                <a:effectLst/>
+                <a:latin typeface="Times New Roman" panose="02020603050405020304" pitchFamily="18" charset="0"/>
+                <a:ea typeface="宋体" panose="02010600030101010101" pitchFamily="2" charset="-122"/>
+                <a:cs typeface="Times New Roman" panose="02020603050405020304" pitchFamily="18" charset="0"/>
+              </a:rPr>
+              <a:t>You may open a online shopping mall like </a:t>
+            </a:r>
+            <a:r>
+              <a:rPr lang="en-US" altLang="zh-CN" sz="1800" kern="100" dirty="0" err="1">
+                <a:effectLst/>
+                <a:latin typeface="Times New Roman" panose="02020603050405020304" pitchFamily="18" charset="0"/>
+                <a:ea typeface="宋体" panose="02010600030101010101" pitchFamily="2" charset="-122"/>
+                <a:cs typeface="Times New Roman" panose="02020603050405020304" pitchFamily="18" charset="0"/>
+              </a:rPr>
+              <a:t>JingDong</a:t>
+            </a:r>
+            <a:r>
+              <a:rPr lang="en-US" altLang="zh-CN" sz="1800" kern="100" dirty="0">
+                <a:effectLst/>
+                <a:latin typeface="Times New Roman" panose="02020603050405020304" pitchFamily="18" charset="0"/>
+                <a:ea typeface="宋体" panose="02010600030101010101" pitchFamily="2" charset="-122"/>
+                <a:cs typeface="Times New Roman" panose="02020603050405020304" pitchFamily="18" charset="0"/>
+              </a:rPr>
+              <a:t>.</a:t>
+            </a:r>
+            <a:endParaRPr lang="zh-CN" altLang="zh-CN" sz="1800" kern="100" dirty="0">
+              <a:effectLst/>
+              <a:latin typeface="Times New Roman" panose="02020603050405020304" pitchFamily="18" charset="0"/>
+              <a:ea typeface="宋体" panose="02010600030101010101" pitchFamily="2" charset="-122"/>
+              <a:cs typeface="Times New Roman" panose="02020603050405020304" pitchFamily="18" charset="0"/>
+            </a:endParaRPr>
+          </a:p>
+          <a:p>
+            <a:pPr algn="just"/>
+            <a:r>
+              <a:rPr lang="en-US" altLang="zh-CN" sz="1800" kern="100" dirty="0">
+                <a:effectLst/>
+                <a:latin typeface="Times New Roman" panose="02020603050405020304" pitchFamily="18" charset="0"/>
+                <a:ea typeface="宋体" panose="02010600030101010101" pitchFamily="2" charset="-122"/>
+                <a:cs typeface="Times New Roman" panose="02020603050405020304" pitchFamily="18" charset="0"/>
+              </a:rPr>
+              <a:t> </a:t>
+            </a:r>
+            <a:endParaRPr lang="zh-CN" altLang="zh-CN" sz="1800" kern="100" dirty="0">
+              <a:effectLst/>
+              <a:latin typeface="Times New Roman" panose="02020603050405020304" pitchFamily="18" charset="0"/>
+              <a:ea typeface="宋体" panose="02010600030101010101" pitchFamily="2" charset="-122"/>
+              <a:cs typeface="Times New Roman" panose="02020603050405020304" pitchFamily="18" charset="0"/>
+            </a:endParaRPr>
+          </a:p>
+          <a:p>
+            <a:endParaRPr lang="zh-CN" altLang="en-US" dirty="0"/>
           </a:p>
         </p:txBody>
       </p:sp>
@@ -1330,7 +2046,43 @@
           <a:bodyPr/>
           <a:lstStyle/>
           <a:p>
-            <a:endParaRPr lang="zh-CN" altLang="en-US"/>
+            <a:pPr algn="just"/>
+            <a:r>
+              <a:rPr lang="en-US" altLang="zh-CN" sz="1800" kern="100" dirty="0">
+                <a:effectLst/>
+                <a:latin typeface="Times New Roman" panose="02020603050405020304" pitchFamily="18" charset="0"/>
+                <a:ea typeface="宋体" panose="02010600030101010101" pitchFamily="2" charset="-122"/>
+                <a:cs typeface="Times New Roman" panose="02020603050405020304" pitchFamily="18" charset="0"/>
+              </a:rPr>
+              <a:t>What would you do if you want to exchange for some dollars?</a:t>
+            </a:r>
+            <a:endParaRPr lang="zh-CN" altLang="zh-CN" sz="1800" kern="100" dirty="0">
+              <a:effectLst/>
+              <a:latin typeface="Times New Roman" panose="02020603050405020304" pitchFamily="18" charset="0"/>
+              <a:ea typeface="宋体" panose="02010600030101010101" pitchFamily="2" charset="-122"/>
+              <a:cs typeface="Times New Roman" panose="02020603050405020304" pitchFamily="18" charset="0"/>
+            </a:endParaRPr>
+          </a:p>
+          <a:p>
+            <a:pPr algn="just"/>
+            <a:r>
+              <a:rPr lang="en-US" altLang="zh-CN" sz="1800" kern="100" dirty="0">
+                <a:effectLst/>
+                <a:latin typeface="Times New Roman" panose="02020603050405020304" pitchFamily="18" charset="0"/>
+                <a:ea typeface="宋体" panose="02010600030101010101" pitchFamily="2" charset="-122"/>
+                <a:cs typeface="Times New Roman" panose="02020603050405020304" pitchFamily="18" charset="0"/>
+              </a:rPr>
+              <a:t>You will go to the bank.</a:t>
+            </a:r>
+            <a:endParaRPr lang="zh-CN" altLang="zh-CN" sz="1800" kern="100" dirty="0">
+              <a:effectLst/>
+              <a:latin typeface="Times New Roman" panose="02020603050405020304" pitchFamily="18" charset="0"/>
+              <a:ea typeface="宋体" panose="02010600030101010101" pitchFamily="2" charset="-122"/>
+              <a:cs typeface="Times New Roman" panose="02020603050405020304" pitchFamily="18" charset="0"/>
+            </a:endParaRPr>
+          </a:p>
+          <a:p>
+            <a:endParaRPr lang="zh-CN" altLang="en-US" dirty="0"/>
           </a:p>
         </p:txBody>
       </p:sp>
@@ -1474,7 +2226,43 @@
           <a:bodyPr/>
           <a:lstStyle/>
           <a:p>
-            <a:endParaRPr lang="zh-CN" altLang="en-US"/>
+            <a:pPr algn="just"/>
+            <a:r>
+              <a:rPr lang="en-US" altLang="zh-CN" sz="1800" kern="100" dirty="0">
+                <a:effectLst/>
+                <a:latin typeface="Times New Roman" panose="02020603050405020304" pitchFamily="18" charset="0"/>
+                <a:ea typeface="宋体" panose="02010600030101010101" pitchFamily="2" charset="-122"/>
+                <a:cs typeface="Times New Roman" panose="02020603050405020304" pitchFamily="18" charset="0"/>
+              </a:rPr>
+              <a:t>What would you do if you want to exchange for some dollars?</a:t>
+            </a:r>
+            <a:endParaRPr lang="zh-CN" altLang="zh-CN" sz="1800" kern="100" dirty="0">
+              <a:effectLst/>
+              <a:latin typeface="Times New Roman" panose="02020603050405020304" pitchFamily="18" charset="0"/>
+              <a:ea typeface="宋体" panose="02010600030101010101" pitchFamily="2" charset="-122"/>
+              <a:cs typeface="Times New Roman" panose="02020603050405020304" pitchFamily="18" charset="0"/>
+            </a:endParaRPr>
+          </a:p>
+          <a:p>
+            <a:pPr algn="just"/>
+            <a:r>
+              <a:rPr lang="en-US" altLang="zh-CN" sz="1800" kern="100" dirty="0">
+                <a:effectLst/>
+                <a:latin typeface="Times New Roman" panose="02020603050405020304" pitchFamily="18" charset="0"/>
+                <a:ea typeface="宋体" panose="02010600030101010101" pitchFamily="2" charset="-122"/>
+                <a:cs typeface="Times New Roman" panose="02020603050405020304" pitchFamily="18" charset="0"/>
+              </a:rPr>
+              <a:t>You will go to the bank.</a:t>
+            </a:r>
+            <a:endParaRPr lang="zh-CN" altLang="zh-CN" sz="1800" kern="100" dirty="0">
+              <a:effectLst/>
+              <a:latin typeface="Times New Roman" panose="02020603050405020304" pitchFamily="18" charset="0"/>
+              <a:ea typeface="宋体" panose="02010600030101010101" pitchFamily="2" charset="-122"/>
+              <a:cs typeface="Times New Roman" panose="02020603050405020304" pitchFamily="18" charset="0"/>
+            </a:endParaRPr>
+          </a:p>
+          <a:p>
+            <a:endParaRPr lang="zh-CN" altLang="en-US" dirty="0"/>
           </a:p>
         </p:txBody>
       </p:sp>
@@ -1618,7 +2406,43 @@
           <a:bodyPr/>
           <a:lstStyle/>
           <a:p>
-            <a:endParaRPr lang="zh-CN" altLang="en-US"/>
+            <a:pPr algn="just"/>
+            <a:r>
+              <a:rPr lang="en-US" altLang="zh-CN" sz="1800" kern="100" dirty="0">
+                <a:effectLst/>
+                <a:latin typeface="Times New Roman" panose="02020603050405020304" pitchFamily="18" charset="0"/>
+                <a:ea typeface="宋体" panose="02010600030101010101" pitchFamily="2" charset="-122"/>
+                <a:cs typeface="Times New Roman" panose="02020603050405020304" pitchFamily="18" charset="0"/>
+              </a:rPr>
+              <a:t>What if you want to get a job?</a:t>
+            </a:r>
+            <a:endParaRPr lang="zh-CN" altLang="zh-CN" sz="1800" kern="100" dirty="0">
+              <a:effectLst/>
+              <a:latin typeface="Times New Roman" panose="02020603050405020304" pitchFamily="18" charset="0"/>
+              <a:ea typeface="宋体" panose="02010600030101010101" pitchFamily="2" charset="-122"/>
+              <a:cs typeface="Times New Roman" panose="02020603050405020304" pitchFamily="18" charset="0"/>
+            </a:endParaRPr>
+          </a:p>
+          <a:p>
+            <a:pPr algn="just"/>
+            <a:r>
+              <a:rPr lang="en-US" altLang="zh-CN" sz="1800" kern="100" dirty="0">
+                <a:effectLst/>
+                <a:latin typeface="Times New Roman" panose="02020603050405020304" pitchFamily="18" charset="0"/>
+                <a:ea typeface="宋体" panose="02010600030101010101" pitchFamily="2" charset="-122"/>
+                <a:cs typeface="Times New Roman" panose="02020603050405020304" pitchFamily="18" charset="0"/>
+              </a:rPr>
+              <a:t>You will open some the job searching Apps like </a:t>
+            </a:r>
+            <a:endParaRPr lang="zh-CN" altLang="zh-CN" sz="1800" kern="100" dirty="0">
+              <a:effectLst/>
+              <a:latin typeface="Times New Roman" panose="02020603050405020304" pitchFamily="18" charset="0"/>
+              <a:ea typeface="宋体" panose="02010600030101010101" pitchFamily="2" charset="-122"/>
+              <a:cs typeface="Times New Roman" panose="02020603050405020304" pitchFamily="18" charset="0"/>
+            </a:endParaRPr>
+          </a:p>
+          <a:p>
+            <a:endParaRPr lang="zh-CN" altLang="en-US" dirty="0"/>
           </a:p>
         </p:txBody>
       </p:sp>
@@ -1762,7 +2586,43 @@
           <a:bodyPr/>
           <a:lstStyle/>
           <a:p>
-            <a:endParaRPr lang="zh-CN" altLang="en-US"/>
+            <a:pPr algn="just"/>
+            <a:r>
+              <a:rPr lang="en-US" altLang="zh-CN" sz="1800" kern="100" dirty="0">
+                <a:effectLst/>
+                <a:latin typeface="Times New Roman" panose="02020603050405020304" pitchFamily="18" charset="0"/>
+                <a:ea typeface="宋体" panose="02010600030101010101" pitchFamily="2" charset="-122"/>
+                <a:cs typeface="Times New Roman" panose="02020603050405020304" pitchFamily="18" charset="0"/>
+              </a:rPr>
+              <a:t>What if you want to get a job?</a:t>
+            </a:r>
+            <a:endParaRPr lang="zh-CN" altLang="zh-CN" sz="1800" kern="100" dirty="0">
+              <a:effectLst/>
+              <a:latin typeface="Times New Roman" panose="02020603050405020304" pitchFamily="18" charset="0"/>
+              <a:ea typeface="宋体" panose="02010600030101010101" pitchFamily="2" charset="-122"/>
+              <a:cs typeface="Times New Roman" panose="02020603050405020304" pitchFamily="18" charset="0"/>
+            </a:endParaRPr>
+          </a:p>
+          <a:p>
+            <a:pPr algn="just"/>
+            <a:r>
+              <a:rPr lang="en-US" altLang="zh-CN" sz="1800" kern="100" dirty="0">
+                <a:effectLst/>
+                <a:latin typeface="Times New Roman" panose="02020603050405020304" pitchFamily="18" charset="0"/>
+                <a:ea typeface="宋体" panose="02010600030101010101" pitchFamily="2" charset="-122"/>
+                <a:cs typeface="Times New Roman" panose="02020603050405020304" pitchFamily="18" charset="0"/>
+              </a:rPr>
+              <a:t>You will open some the job searching Apps like </a:t>
+            </a:r>
+            <a:endParaRPr lang="zh-CN" altLang="zh-CN" sz="1800" kern="100" dirty="0">
+              <a:effectLst/>
+              <a:latin typeface="Times New Roman" panose="02020603050405020304" pitchFamily="18" charset="0"/>
+              <a:ea typeface="宋体" panose="02010600030101010101" pitchFamily="2" charset="-122"/>
+              <a:cs typeface="Times New Roman" panose="02020603050405020304" pitchFamily="18" charset="0"/>
+            </a:endParaRPr>
+          </a:p>
+          <a:p>
+            <a:endParaRPr lang="zh-CN" altLang="en-US" dirty="0"/>
           </a:p>
         </p:txBody>
       </p:sp>
@@ -1906,7 +2766,61 @@
           <a:bodyPr/>
           <a:lstStyle/>
           <a:p>
-            <a:endParaRPr lang="zh-CN" altLang="en-US"/>
+            <a:pPr algn="just"/>
+            <a:r>
+              <a:rPr lang="en-US" altLang="zh-CN" sz="1800" kern="100" dirty="0">
+                <a:effectLst/>
+                <a:latin typeface="Times New Roman" panose="02020603050405020304" pitchFamily="18" charset="0"/>
+                <a:ea typeface="宋体" panose="02010600030101010101" pitchFamily="2" charset="-122"/>
+                <a:cs typeface="Times New Roman" panose="02020603050405020304" pitchFamily="18" charset="0"/>
+              </a:rPr>
+              <a:t>What about have a meal?</a:t>
+            </a:r>
+            <a:endParaRPr lang="zh-CN" altLang="zh-CN" sz="1800" kern="100" dirty="0">
+              <a:effectLst/>
+              <a:latin typeface="Times New Roman" panose="02020603050405020304" pitchFamily="18" charset="0"/>
+              <a:ea typeface="宋体" panose="02010600030101010101" pitchFamily="2" charset="-122"/>
+              <a:cs typeface="Times New Roman" panose="02020603050405020304" pitchFamily="18" charset="0"/>
+            </a:endParaRPr>
+          </a:p>
+          <a:p>
+            <a:pPr algn="just"/>
+            <a:r>
+              <a:rPr lang="en-US" altLang="zh-CN" sz="1800" kern="100" dirty="0">
+                <a:effectLst/>
+                <a:latin typeface="Times New Roman" panose="02020603050405020304" pitchFamily="18" charset="0"/>
+                <a:ea typeface="宋体" panose="02010600030101010101" pitchFamily="2" charset="-122"/>
+                <a:cs typeface="Times New Roman" panose="02020603050405020304" pitchFamily="18" charset="0"/>
+              </a:rPr>
+              <a:t>You open a takeaway platform, for example, </a:t>
+            </a:r>
+            <a:r>
+              <a:rPr lang="en-US" altLang="zh-CN" sz="1800" kern="100" dirty="0" err="1">
+                <a:effectLst/>
+                <a:latin typeface="Times New Roman" panose="02020603050405020304" pitchFamily="18" charset="0"/>
+                <a:ea typeface="宋体" panose="02010600030101010101" pitchFamily="2" charset="-122"/>
+                <a:cs typeface="Times New Roman" panose="02020603050405020304" pitchFamily="18" charset="0"/>
+              </a:rPr>
+              <a:t>MeiTuan</a:t>
+            </a:r>
+            <a:r>
+              <a:rPr lang="en-US" altLang="zh-CN" sz="1800" kern="100" dirty="0">
+                <a:effectLst/>
+                <a:latin typeface="Times New Roman" panose="02020603050405020304" pitchFamily="18" charset="0"/>
+                <a:ea typeface="宋体" panose="02010600030101010101" pitchFamily="2" charset="-122"/>
+                <a:cs typeface="Times New Roman" panose="02020603050405020304" pitchFamily="18" charset="0"/>
+              </a:rPr>
+              <a:t>.</a:t>
+            </a:r>
+            <a:endParaRPr lang="zh-CN" altLang="zh-CN" sz="1800" kern="100" dirty="0">
+              <a:effectLst/>
+              <a:latin typeface="Times New Roman" panose="02020603050405020304" pitchFamily="18" charset="0"/>
+              <a:ea typeface="宋体" panose="02010600030101010101" pitchFamily="2" charset="-122"/>
+              <a:cs typeface="Times New Roman" panose="02020603050405020304" pitchFamily="18" charset="0"/>
+            </a:endParaRPr>
+          </a:p>
+          <a:p>
+            <a:endParaRPr lang="zh-CN" altLang="en-US" dirty="0"/>
           </a:p>
         </p:txBody>
       </p:sp>
@@ -2050,7 +2964,61 @@
           <a:bodyPr/>
           <a:lstStyle/>
           <a:p>
-            <a:endParaRPr lang="zh-CN" altLang="en-US"/>
+            <a:pPr algn="just"/>
+            <a:r>
+              <a:rPr lang="en-US" altLang="zh-CN" sz="1800" kern="100" dirty="0">
+                <a:effectLst/>
+                <a:latin typeface="Times New Roman" panose="02020603050405020304" pitchFamily="18" charset="0"/>
+                <a:ea typeface="宋体" panose="02010600030101010101" pitchFamily="2" charset="-122"/>
+                <a:cs typeface="Times New Roman" panose="02020603050405020304" pitchFamily="18" charset="0"/>
+              </a:rPr>
+              <a:t>What about have a meal?</a:t>
+            </a:r>
+            <a:endParaRPr lang="zh-CN" altLang="zh-CN" sz="1800" kern="100" dirty="0">
+              <a:effectLst/>
+              <a:latin typeface="Times New Roman" panose="02020603050405020304" pitchFamily="18" charset="0"/>
+              <a:ea typeface="宋体" panose="02010600030101010101" pitchFamily="2" charset="-122"/>
+              <a:cs typeface="Times New Roman" panose="02020603050405020304" pitchFamily="18" charset="0"/>
+            </a:endParaRPr>
+          </a:p>
+          <a:p>
+            <a:pPr algn="just"/>
+            <a:r>
+              <a:rPr lang="en-US" altLang="zh-CN" sz="1800" kern="100" dirty="0">
+                <a:effectLst/>
+                <a:latin typeface="Times New Roman" panose="02020603050405020304" pitchFamily="18" charset="0"/>
+                <a:ea typeface="宋体" panose="02010600030101010101" pitchFamily="2" charset="-122"/>
+                <a:cs typeface="Times New Roman" panose="02020603050405020304" pitchFamily="18" charset="0"/>
+              </a:rPr>
+              <a:t>You open a takeaway platform, for example, </a:t>
+            </a:r>
+            <a:r>
+              <a:rPr lang="en-US" altLang="zh-CN" sz="1800" kern="100" dirty="0" err="1">
+                <a:effectLst/>
+                <a:latin typeface="Times New Roman" panose="02020603050405020304" pitchFamily="18" charset="0"/>
+                <a:ea typeface="宋体" panose="02010600030101010101" pitchFamily="2" charset="-122"/>
+                <a:cs typeface="Times New Roman" panose="02020603050405020304" pitchFamily="18" charset="0"/>
+              </a:rPr>
+              <a:t>MeiTuan</a:t>
+            </a:r>
+            <a:r>
+              <a:rPr lang="en-US" altLang="zh-CN" sz="1800" kern="100" dirty="0">
+                <a:effectLst/>
+                <a:latin typeface="Times New Roman" panose="02020603050405020304" pitchFamily="18" charset="0"/>
+                <a:ea typeface="宋体" panose="02010600030101010101" pitchFamily="2" charset="-122"/>
+                <a:cs typeface="Times New Roman" panose="02020603050405020304" pitchFamily="18" charset="0"/>
+              </a:rPr>
+              <a:t>.</a:t>
+            </a:r>
+            <a:endParaRPr lang="zh-CN" altLang="zh-CN" sz="1800" kern="100" dirty="0">
+              <a:effectLst/>
+              <a:latin typeface="Times New Roman" panose="02020603050405020304" pitchFamily="18" charset="0"/>
+              <a:ea typeface="宋体" panose="02010600030101010101" pitchFamily="2" charset="-122"/>
+              <a:cs typeface="Times New Roman" panose="02020603050405020304" pitchFamily="18" charset="0"/>
+            </a:endParaRPr>
+          </a:p>
+          <a:p>
+            <a:endParaRPr lang="zh-CN" altLang="en-US" dirty="0"/>
           </a:p>
         </p:txBody>
       </p:sp>
@@ -2279,7 +3247,7 @@
           <a:p>
             <a:fld id="{D5402C8B-37C0-43C5-BFB6-273F8045BD9A}" type="datetimeFigureOut">
               <a:rPr lang="zh-CN" altLang="en-US" smtClean="0"/>
-              <a:t>2022/10/7</a:t>
+              <a:t>2022/10/11</a:t>
             </a:fld>
             <a:endParaRPr lang="zh-CN" altLang="en-US"/>
           </a:p>
@@ -2459,7 +3427,7 @@
           <a:p>
             <a:fld id="{D5402C8B-37C0-43C5-BFB6-273F8045BD9A}" type="datetimeFigureOut">
               <a:rPr lang="zh-CN" altLang="en-US" smtClean="0"/>
-              <a:t>2022/10/7</a:t>
+              <a:t>2022/10/11</a:t>
             </a:fld>
             <a:endParaRPr lang="zh-CN" altLang="en-US"/>
           </a:p>
@@ -2649,7 +3617,7 @@
           <a:p>
             <a:fld id="{D5402C8B-37C0-43C5-BFB6-273F8045BD9A}" type="datetimeFigureOut">
               <a:rPr lang="zh-CN" altLang="en-US" smtClean="0"/>
-              <a:t>2022/10/7</a:t>
+              <a:t>2022/10/11</a:t>
             </a:fld>
             <a:endParaRPr lang="zh-CN" altLang="en-US"/>
           </a:p>
@@ -2851,7 +3819,7 @@
           <a:p>
             <a:fld id="{274D587F-DF9B-4025-8A29-602EB4D2A1EF}" type="datetimeFigureOut">
               <a:rPr lang="zh-CN" altLang="en-US" smtClean="0"/>
-              <a:t>2022/10/7</a:t>
+              <a:t>2022/10/11</a:t>
             </a:fld>
             <a:endParaRPr lang="zh-CN" altLang="en-US"/>
           </a:p>
@@ -3031,7 +3999,7 @@
           <a:p>
             <a:fld id="{274D587F-DF9B-4025-8A29-602EB4D2A1EF}" type="datetimeFigureOut">
               <a:rPr lang="zh-CN" altLang="en-US" smtClean="0"/>
-              <a:t>2022/10/7</a:t>
+              <a:t>2022/10/11</a:t>
             </a:fld>
             <a:endParaRPr lang="zh-CN" altLang="en-US"/>
           </a:p>
@@ -3288,7 +4256,7 @@
           <a:p>
             <a:fld id="{274D587F-DF9B-4025-8A29-602EB4D2A1EF}" type="datetimeFigureOut">
               <a:rPr lang="zh-CN" altLang="en-US" smtClean="0"/>
-              <a:t>2022/10/7</a:t>
+              <a:t>2022/10/11</a:t>
             </a:fld>
             <a:endParaRPr lang="zh-CN" altLang="en-US"/>
           </a:p>
@@ -3529,7 +4497,7 @@
           <a:p>
             <a:fld id="{274D587F-DF9B-4025-8A29-602EB4D2A1EF}" type="datetimeFigureOut">
               <a:rPr lang="zh-CN" altLang="en-US" smtClean="0"/>
-              <a:t>2022/10/7</a:t>
+              <a:t>2022/10/11</a:t>
             </a:fld>
             <a:endParaRPr lang="zh-CN" altLang="en-US"/>
           </a:p>
@@ -3905,7 +4873,7 @@
           <a:p>
             <a:fld id="{274D587F-DF9B-4025-8A29-602EB4D2A1EF}" type="datetimeFigureOut">
               <a:rPr lang="zh-CN" altLang="en-US" smtClean="0"/>
-              <a:t>2022/10/7</a:t>
+              <a:t>2022/10/11</a:t>
             </a:fld>
             <a:endParaRPr lang="zh-CN" altLang="en-US"/>
           </a:p>
@@ -4034,7 +5002,7 @@
           <a:p>
             <a:fld id="{274D587F-DF9B-4025-8A29-602EB4D2A1EF}" type="datetimeFigureOut">
               <a:rPr lang="zh-CN" altLang="en-US" smtClean="0"/>
-              <a:t>2022/10/7</a:t>
+              <a:t>2022/10/11</a:t>
             </a:fld>
             <a:endParaRPr lang="zh-CN" altLang="en-US"/>
           </a:p>
@@ -4473,7 +5441,7 @@
           <a:p>
             <a:fld id="{274D587F-DF9B-4025-8A29-602EB4D2A1EF}" type="datetimeFigureOut">
               <a:rPr lang="zh-CN" altLang="en-US" smtClean="0"/>
-              <a:t>2022/10/7</a:t>
+              <a:t>2022/10/11</a:t>
             </a:fld>
             <a:endParaRPr lang="zh-CN" altLang="en-US"/>
           </a:p>
@@ -4653,7 +5621,7 @@
           <a:p>
             <a:fld id="{D5402C8B-37C0-43C5-BFB6-273F8045BD9A}" type="datetimeFigureOut">
               <a:rPr lang="zh-CN" altLang="en-US" smtClean="0"/>
-              <a:t>2022/10/7</a:t>
+              <a:t>2022/10/11</a:t>
             </a:fld>
             <a:endParaRPr lang="zh-CN" altLang="en-US"/>
           </a:p>
@@ -4917,7 +5885,7 @@
           <a:p>
             <a:fld id="{274D587F-DF9B-4025-8A29-602EB4D2A1EF}" type="datetimeFigureOut">
               <a:rPr lang="zh-CN" altLang="en-US" smtClean="0"/>
-              <a:t>2022/10/7</a:t>
+              <a:t>2022/10/11</a:t>
             </a:fld>
             <a:endParaRPr lang="zh-CN" altLang="en-US"/>
           </a:p>
@@ -5097,7 +6065,7 @@
           <a:p>
             <a:fld id="{274D587F-DF9B-4025-8A29-602EB4D2A1EF}" type="datetimeFigureOut">
               <a:rPr lang="zh-CN" altLang="en-US" smtClean="0"/>
-              <a:t>2022/10/7</a:t>
+              <a:t>2022/10/11</a:t>
             </a:fld>
             <a:endParaRPr lang="zh-CN" altLang="en-US"/>
           </a:p>
@@ -5287,7 +6255,7 @@
           <a:p>
             <a:fld id="{274D587F-DF9B-4025-8A29-602EB4D2A1EF}" type="datetimeFigureOut">
               <a:rPr lang="zh-CN" altLang="en-US" smtClean="0"/>
-              <a:t>2022/10/7</a:t>
+              <a:t>2022/10/11</a:t>
             </a:fld>
             <a:endParaRPr lang="zh-CN" altLang="en-US"/>
           </a:p>
@@ -5552,7 +6520,7 @@
             </a:pPr>
             <a:fld id="{2062C1E6-100B-44D2-A1C7-A34E3BD9A12C}" type="datetimeFigureOut">
               <a:rPr lang="zh-CN" altLang="en-US"/>
-              <a:t>2022/10/7</a:t>
+              <a:t>2022/10/11</a:t>
             </a:fld>
             <a:endParaRPr lang="zh-CN" altLang="en-US"/>
           </a:p>
@@ -5823,7 +6791,7 @@
           <a:p>
             <a:fld id="{D5402C8B-37C0-43C5-BFB6-273F8045BD9A}" type="datetimeFigureOut">
               <a:rPr lang="zh-CN" altLang="en-US" smtClean="0"/>
-              <a:t>2022/10/7</a:t>
+              <a:t>2022/10/11</a:t>
             </a:fld>
             <a:endParaRPr lang="zh-CN" altLang="en-US"/>
           </a:p>
@@ -6064,7 +7032,7 @@
           <a:p>
             <a:fld id="{D5402C8B-37C0-43C5-BFB6-273F8045BD9A}" type="datetimeFigureOut">
               <a:rPr lang="zh-CN" altLang="en-US" smtClean="0"/>
-              <a:t>2022/10/7</a:t>
+              <a:t>2022/10/11</a:t>
             </a:fld>
             <a:endParaRPr lang="zh-CN" altLang="en-US"/>
           </a:p>
@@ -6440,7 +7408,7 @@
           <a:p>
             <a:fld id="{D5402C8B-37C0-43C5-BFB6-273F8045BD9A}" type="datetimeFigureOut">
               <a:rPr lang="zh-CN" altLang="en-US" smtClean="0"/>
-              <a:t>2022/10/7</a:t>
+              <a:t>2022/10/11</a:t>
             </a:fld>
             <a:endParaRPr lang="zh-CN" altLang="en-US"/>
           </a:p>
@@ -6569,7 +7537,7 @@
           <a:p>
             <a:fld id="{D5402C8B-37C0-43C5-BFB6-273F8045BD9A}" type="datetimeFigureOut">
               <a:rPr lang="zh-CN" altLang="en-US" smtClean="0"/>
-              <a:t>2022/10/7</a:t>
+              <a:t>2022/10/11</a:t>
             </a:fld>
             <a:endParaRPr lang="zh-CN" altLang="en-US"/>
           </a:p>
@@ -6676,7 +7644,7 @@
           <a:p>
             <a:fld id="{D5402C8B-37C0-43C5-BFB6-273F8045BD9A}" type="datetimeFigureOut">
               <a:rPr lang="zh-CN" altLang="en-US" smtClean="0"/>
-              <a:t>2022/10/7</a:t>
+              <a:t>2022/10/11</a:t>
             </a:fld>
             <a:endParaRPr lang="zh-CN" altLang="en-US"/>
           </a:p>
@@ -6963,7 +7931,7 @@
           <a:p>
             <a:fld id="{D5402C8B-37C0-43C5-BFB6-273F8045BD9A}" type="datetimeFigureOut">
               <a:rPr lang="zh-CN" altLang="en-US" smtClean="0"/>
-              <a:t>2022/10/7</a:t>
+              <a:t>2022/10/11</a:t>
             </a:fld>
             <a:endParaRPr lang="zh-CN" altLang="en-US"/>
           </a:p>
@@ -7227,7 +8195,7 @@
           <a:p>
             <a:fld id="{D5402C8B-37C0-43C5-BFB6-273F8045BD9A}" type="datetimeFigureOut">
               <a:rPr lang="zh-CN" altLang="en-US" smtClean="0"/>
-              <a:t>2022/10/7</a:t>
+              <a:t>2022/10/11</a:t>
             </a:fld>
             <a:endParaRPr lang="zh-CN" altLang="en-US"/>
           </a:p>
@@ -7450,7 +8418,7 @@
           <a:p>
             <a:fld id="{D5402C8B-37C0-43C5-BFB6-273F8045BD9A}" type="datetimeFigureOut">
               <a:rPr lang="zh-CN" altLang="en-US" smtClean="0"/>
-              <a:t>2022/10/7</a:t>
+              <a:t>2022/10/11</a:t>
             </a:fld>
             <a:endParaRPr lang="zh-CN" altLang="en-US"/>
           </a:p>
@@ -8003,7 +8971,7 @@
           <a:p>
             <a:fld id="{274D587F-DF9B-4025-8A29-602EB4D2A1EF}" type="datetimeFigureOut">
               <a:rPr lang="zh-CN" altLang="en-US" smtClean="0"/>
-              <a:t>2022/10/7</a:t>
+              <a:t>2022/10/11</a:t>
             </a:fld>
             <a:endParaRPr lang="zh-CN" altLang="en-US"/>
           </a:p>
@@ -11196,7 +12164,7 @@
           <p:nvPr/>
         </p:nvPicPr>
         <p:blipFill rotWithShape="1">
-          <a:blip r:embed="rId2" cstate="print">
+          <a:blip r:embed="rId3" cstate="print">
             <a:extLst>
               <a:ext uri="{28A0092B-C50C-407E-A947-70E740481C1C}">
                 <a14:useLocalDpi xmlns:a14="http://schemas.microsoft.com/office/drawing/2010/main" val="0"/>
@@ -11312,7 +12280,7 @@
           <p:nvPr/>
         </p:nvPicPr>
         <p:blipFill rotWithShape="1">
-          <a:blip r:embed="rId3"/>
+          <a:blip r:embed="rId4"/>
           <a:srcRect b="8224"/>
           <a:stretch/>
         </p:blipFill>
@@ -11525,7 +12493,7 @@
           <p:nvPr/>
         </p:nvPicPr>
         <p:blipFill>
-          <a:blip r:embed="rId4" cstate="print">
+          <a:blip r:embed="rId5" cstate="print">
             <a:clrChange>
               <a:clrFrom>
                 <a:srgbClr val="FFFFFF"/>
@@ -11622,7 +12590,7 @@
           <p:nvPr/>
         </p:nvPicPr>
         <p:blipFill rotWithShape="1">
-          <a:blip r:embed="rId5" cstate="print">
+          <a:blip r:embed="rId6" cstate="print">
             <a:extLst>
               <a:ext uri="{28A0092B-C50C-407E-A947-70E740481C1C}">
                 <a14:useLocalDpi xmlns:a14="http://schemas.microsoft.com/office/drawing/2010/main" val="0"/>
@@ -11743,7 +12711,7 @@
           <p:nvPr/>
         </p:nvPicPr>
         <p:blipFill rotWithShape="1">
-          <a:blip r:embed="rId2" cstate="print">
+          <a:blip r:embed="rId3" cstate="print">
             <a:extLst>
               <a:ext uri="{28A0092B-C50C-407E-A947-70E740481C1C}">
                 <a14:useLocalDpi xmlns:a14="http://schemas.microsoft.com/office/drawing/2010/main" val="0"/>
@@ -11859,7 +12827,7 @@
           <p:nvPr/>
         </p:nvPicPr>
         <p:blipFill rotWithShape="1">
-          <a:blip r:embed="rId3"/>
+          <a:blip r:embed="rId4"/>
           <a:srcRect b="8224"/>
           <a:stretch/>
         </p:blipFill>
@@ -12112,7 +13080,7 @@
           <p:nvPr/>
         </p:nvPicPr>
         <p:blipFill>
-          <a:blip r:embed="rId4" cstate="print">
+          <a:blip r:embed="rId5" cstate="print">
             <a:clrChange>
               <a:clrFrom>
                 <a:srgbClr val="FFFFFF"/>
@@ -12169,7 +13137,7 @@
           <p:nvPr/>
         </p:nvPicPr>
         <p:blipFill rotWithShape="1">
-          <a:blip r:embed="rId5" cstate="print">
+          <a:blip r:embed="rId6" cstate="print">
             <a:extLst>
               <a:ext uri="{28A0092B-C50C-407E-A947-70E740481C1C}">
                 <a14:useLocalDpi xmlns:a14="http://schemas.microsoft.com/office/drawing/2010/main" val="0"/>
@@ -12243,13 +13211,13 @@
   <p:clrMapOvr>
     <a:masterClrMapping/>
   </p:clrMapOvr>
-  <mc:AlternateContent xmlns:mc="http://schemas.openxmlformats.org/markup-compatibility/2006">
-    <mc:Choice xmlns:p159="http://schemas.microsoft.com/office/powerpoint/2015/09/main" Requires="p159">
+  <mc:AlternateContent xmlns:mc="http://schemas.openxmlformats.org/markup-compatibility/2006" xmlns:p159="http://schemas.microsoft.com/office/powerpoint/2015/09/main">
+    <mc:Choice Requires="p159">
       <p:transition xmlns:p14="http://schemas.microsoft.com/office/powerpoint/2010/main" spd="slow" p14:dur="1500">
         <p159:morph option="byObject"/>
       </p:transition>
     </mc:Choice>
-    <mc:Fallback>
+    <mc:Fallback xmlns="">
       <p:transition spd="slow">
         <p:fade/>
       </p:transition>
@@ -12360,11 +13328,11 @@
           <p:nvPr/>
         </p:nvPicPr>
         <p:blipFill>
-          <a:blip r:embed="rId2">
+          <a:blip r:embed="rId3">
             <a:extLst>
               <a:ext uri="{BEBA8EAE-BF5A-486C-A8C5-ECC9F3942E4B}">
                 <a14:imgProps xmlns:a14="http://schemas.microsoft.com/office/drawing/2010/main">
-                  <a14:imgLayer r:embed="rId3">
+                  <a14:imgLayer r:embed="rId4">
                     <a14:imgEffect>
                       <a14:artisticBlur/>
                     </a14:imgEffect>
@@ -12405,7 +13373,7 @@
           <p:nvPr/>
         </p:nvPicPr>
         <p:blipFill rotWithShape="1">
-          <a:blip r:embed="rId4" cstate="print">
+          <a:blip r:embed="rId5" cstate="print">
             <a:extLst>
               <a:ext uri="{28A0092B-C50C-407E-A947-70E740481C1C}">
                 <a14:useLocalDpi xmlns:a14="http://schemas.microsoft.com/office/drawing/2010/main" val="0"/>
@@ -12664,7 +13632,7 @@
           <p:nvPr/>
         </p:nvPicPr>
         <p:blipFill>
-          <a:blip r:embed="rId5" cstate="print">
+          <a:blip r:embed="rId6" cstate="print">
             <a:clrChange>
               <a:clrFrom>
                 <a:srgbClr val="FFFFFF"/>
@@ -12716,13 +13684,13 @@
   <p:clrMapOvr>
     <a:masterClrMapping/>
   </p:clrMapOvr>
-  <mc:AlternateContent xmlns:mc="http://schemas.openxmlformats.org/markup-compatibility/2006">
-    <mc:Choice xmlns:p159="http://schemas.microsoft.com/office/powerpoint/2015/09/main" Requires="p159">
+  <mc:AlternateContent xmlns:mc="http://schemas.openxmlformats.org/markup-compatibility/2006" xmlns:p159="http://schemas.microsoft.com/office/powerpoint/2015/09/main">
+    <mc:Choice Requires="p159">
       <p:transition xmlns:p14="http://schemas.microsoft.com/office/powerpoint/2010/main" spd="slow" p14:dur="1500">
         <p159:morph option="byObject"/>
       </p:transition>
     </mc:Choice>
-    <mc:Fallback>
+    <mc:Fallback xmlns="">
       <p:transition spd="slow">
         <p:fade/>
       </p:transition>
